--- a/CourseShanghaiJune2023/Lec_ERM_Regression.pptx
+++ b/CourseShanghaiJune2023/Lec_ERM_Regression.pptx
@@ -235,72 +235,72 @@
   <inkml:trace contextRef="#ctx0" brushRef="#br0" timeOffset="41632">8232 13288 8191,'3'-2'0,"0"-1"5063,-9-3-5063,-5 0 2818,-5 2-2818,-4 2 1719,1 2-1719,5 0 6784,-1 0-6784,5 0 0,0 0 0,2 0 0,-1 0 0,3 0 0,0 8 0,3 14 0,3 5 0,0 15 0,0-4 0,0 5 0,0 0 0,2-8 0,0 3 0,2-2 0,1 2 0,1 9 0,1 0 0,0-6 0,0-3 0,4 22 0,-4-7 0,1-9 0,-4-14 0,-1 1 0,-3-17 0,0 7 0,0-7 0,0 10 0,0-4 0,0 4 0,0-4 0,0-8 0,0-3 0,0-3 0,0-3 0,0 0 0</inkml:trace>
   <inkml:trace contextRef="#ctx0" brushRef="#br0" timeOffset="42480">8003 13826 24575,'39'0'0,"-7"0"0,19 0 0,-15 0 0,4 0 0,-11 0 0,-9 0 0,-6 0 0,-8 0 0,-4 0 0</inkml:trace>
   <inkml:trace contextRef="#ctx0" brushRef="#br0" timeOffset="44065">8308 13992 8191,'11'0'0,"13"0"5063,0 0-5063,18 0 2818,-15 0-2818,10 0 1719,-8 0-1719,7 0 6784,-8 0-6784,-2 0 0,-13 0 0,-1 0 0,-6 0 0,-27 0 0,-2-3 0,-26 2 0,11-2 0,5 3 0,-3 0 0,11 0 0,-3 0 0,-1 0 0,10 0 0,-7 0 0,11 0 0,6 0 0,0 2 0,8-1 0,13 2 0,18-3 0,18 0 0,-7 0 0,-1 0 0,-12 0 0,-5 0 0,1 0 0,5 0 0,-16 0 0,11 0 0,-14 0 0,2-3 0,0-1 0,-5-2 0,1 3 0,-7-2 0,4 4 0,-5-1 0,3 2 0</inkml:trace>
-  <inkml:trace contextRef="#ctx0" brushRef="#br0" timeOffset="494213">8564 6512 24575,'19'50'0,"11"10"0,2-29 0,4-2 0,-10-2 0,3-1 0,10 0 0,8-1 0,5 0 0,-2-2 0,5 0 0,2-1 0,-1-2-2458,-3-3 0,0-1 1,0-1-1,0 1 2085,3 1 1,-1 1-1,1 0 1,1-3 372,4 0 0,0-2 0,1-2 0,-1-3 64,-5-4 0,0-3 0,0-1 0,4 2-64,-8 1 0,2 3 0,2-1 0,1 1 0,0-2 0,1-2 0,3-2 0,1-2 0,0-2 0,0-1 0,0 1 0,-1 0 0,-3 2 0,-2-1 0,0 1 0,0-1 0,1 0 0,0 0 0,3-1 0,1-1 0,0-1 0,0 1 0,0 1 0,-1 0 0,-1 1 0,-1 0 0,-1 1 0,1 0 0,-1 0 0,-1 0-187,6 0 0,1 1 0,-2 0 0,-1 0 0,-2 0 187,5 1 0,-2 0 0,-2 0 0,-3 0 0,6 0 0,-3 0 0,0 0-516,3 0 1,1 0-1,-3 0 516,-12 0 0,-2 0 0,1 0 0,14 0 0,2 0 0,-4 0 0,8 0 0,-5 0 0,0 0 0,-1 0 1377,0 0 1,3 0-1378,-6 0 0,4 0 0,0 0 0,-5 0 0,1-1 0,3 2 0,-1 1 0,4 0 0,0 1 0,-3 0 0,1 1 0,-4-1 0,3 2 0,-7 1 0,1 2 0,1-1 0,-4-1 0,2-1 0,-3-1 0,1 0 0,1 2 0,1-1 0,1-1 0,5-4 0,2-3 0,-3-2 0,-13 0 0,-3-1 0,1-1 0,2 1 0,1 0 0,-1-2 0,0-3 0,-1-2 0,0 0 0,-2 1 0,-1-1 0,1 1 0,4 0 0,0 1 0,0-1 0,-3 1 0,0-1 0,1 0 0,2 1 0,1 0 0,0 1 0,-2 2 0,0 1 0,3-2 351,-1 0 0,2-3 0,0 1 0,-2 0-351,5 0 0,-3 1 0,-3 0 0,9-4 0,-3 2 0,-8 3 0,0 2 0,7 5 0,8 4 0,-3-1 0,9 1 0,4 0 0,-1-1 246,-12 0 0,0-1 1,1 0-1,2 0 0,3 1-246,-7 0 0,3 0 0,2 0 0,0 0 0,0 0 0,-2 0 0,-3-1 0,5 1 0,-3-1 0,-1 0 0,-1 0 0,1-1 0,3 2 0,1-1 0,-1 0 0,-2 0 0,-3-1 877,11 1 1,-5-1 0,0-2-878,3-3 0,-1-1 0,-4-2 0,3 0 0,-4-2 0,-8-4 0,-5-1 0,10-4 1050,-8 0-1050,3-3 739,7-5-739,-7-2 3576,-2-3-3576,-10-4 0,-8 1 0,-9-1 0,-8 10 159,2-9-159,1-26 0,1-2 0,-10 25 0,-1-1 0,1-23 0,-7 13 0,0 2 0,0 24 0,0 5 0</inkml:trace>
-  <inkml:trace contextRef="#ctx0" brushRef="#br0" timeOffset="495479">17490 6950 24575,'-19'0'0,"0"0"0,-15 0 0,8 0 0,1 0 0,8 0 0,-6 3 0,7 1 0,-4 3 0,5 5 0,4 5 0,0 20 0,5 14 0,5-8 0,2 1 0,4-10 0,2-2 0,-3 10 0,3 0 0,11-1 0,3-2 0,5 19 0,-6-17 0,0-3 0,0-5 0,3 9 0,-5-15 0,0 4 0,-5-11 0,-7-5 0,-3-6 0,-3 0 0,0-6 0,0 0 0</inkml:trace>
-  <inkml:trace contextRef="#ctx0" brushRef="#br0" timeOffset="496313">17099 7355 8191,'1'3'0,"26"0"5063,4-3-5063,2 0 0,2 0 2818,25 0-2818,-24 0 0,0 0 1719,15 0-1719,-11 0 6784,-23 0-6784,-3 0 0,-10 0 0,1 0 0</inkml:trace>
-  <inkml:trace contextRef="#ctx0" brushRef="#br0" timeOffset="497069">17797 7041 8191,'-1'18'0,"-12"23"2531,4-8 1,-2 4-2532,-4 9 0,0-1 0,5-12 0,2-2 0,-9 30 0,9-30 0,4-7 2818,0 1-2818,4-14 1719,0 5-1719,0-5 6784,0 1-6784,11-4 0,11-3 0,-6-5 0,4 0 0</inkml:trace>
-  <inkml:trace contextRef="#ctx0" brushRef="#br0" timeOffset="498463">18072 7201 24575,'7'40'0,"-2"-9"0,5 1 0,-3-14 0,-3-1 0,1-10 0,-4 2 0,2-3 0,-3 0 0,0 3 0,0-1 0,5-1 0,-1 1 0,10-5 0,-7 0 0,5-3 0,3 0 0,3-16 0,0 6 0,1-13 0,-9 4 0,1 7 0,-2-3 0,-3 9 0,0 0 0,-1 2 0,1 2 0,2 2 0,5 12 0,11 4 0,-5 9 0,5-4 0,-10-4 0,1-1 0,-4-5 0,1 1 0,-3-6 0,-3 0 0,3-3 0,-3 0 0,-1-3 0,1-9 0,8-36 0,-8 2 0,1 10 0,0-2 0,-3-2 0,1 1 0,8-27 0,-5 23 0,1 0 0,3-12 0,-2 12 0,-6 23 0,1 5 0,-4 9 0,1 0 0</inkml:trace>
-  <inkml:trace contextRef="#ctx0" brushRef="#br0" timeOffset="499117">18170 7809 24575,'52'0'0,"-12"-3"0,3-2 0,6-2 0,1-2 0,5-2 0,-1-1 0,0 0 0,-4 0 0,-15 2 0,-4 0 0,10 1 0,-17 3 0,-21 6 0,0 0 0</inkml:trace>
-  <inkml:trace contextRef="#ctx0" brushRef="#br0" timeOffset="499996">18724 7005 24575,'39'6'0,"-1"0"0,25 15 0,-20 1 0,-2 4 0,5 15 0,-20-18 0,-3 0 0,-1 14 0,-6-2 0,-8-1 0,-1-3 0,-7 6 0,4 6 0,-4 17 0,0-2 0,0-3 0,0-7 0,0-17 0,0-4 0,0-14 0,0 4 0,0 1 0,0-5 0,0-4 0</inkml:trace>
-  <inkml:trace contextRef="#ctx0" brushRef="#br0" timeOffset="501596">21541 5847 8191,'0'7'0,"7"36"4826,-1-12-4826,5 9 0,5 3 1423,1-11 1,3-1-1424,-1 6 0,1-1 0,1-7 0,-1-3 0,-1 2 1749,-4-22-1749,-9-3 6695,1-6-6695,5-13 0,5-23 0,9-16 0,-5 0 0,-6 18 0,0 1 0,-1-2 133,-3 6 1,2-1-134,5-3 0,-4 0 0,0 16 0,-8 8 0,-3 6 0,-18-1 0,-22 0 0,-5 3 0,-1-2 0,-1 1 0,-7 3 0,13-4 0,-1-1 0,-20 3 0,4-1 0,3-2 0,16 6 0,19-1 0,8 2 0,6 0 0</inkml:trace>
-  <inkml:trace contextRef="#ctx0" brushRef="#br0" timeOffset="502597">22663 5330 24575,'-23'0'0,"-21"0"0,2 0 0,-18 0 0,1 0 0,19 0 0,8 0 0,15 0 0,7 0 0,-3 0 0,6 0 0,1 8 0,3 9 0,3 48 0,0-21 0,0 2 0,0 13 0,0 2 0,1 4 0,2-1 0,1-9 0,1-2-223,-1-7 1,2-1 222,2-9 0,0-4 0,2 12 0,2-3 0,-4-8 0,7 14 0,-3-12 0,2 5 0,-7-17 445,-4-4-445,-3-10 0,3-3 0,-3-4 0,3-2 0</inkml:trace>
-  <inkml:trace contextRef="#ctx0" brushRef="#br0" timeOffset="503447">22185 5800 24575,'20'0'0,"3"0"0,4 0 0,18 0 0,-9 0 0,10 0 0,-21 0 0,-9 0 0,-10 0 0,0 0 0,0 0 0,-3 0 0,0 0 0</inkml:trace>
-  <inkml:trace contextRef="#ctx0" brushRef="#br0" timeOffset="504100">22947 5309 24575,'0'29'0,"0"21"-4916,-3 0 1,1 2 4170,1-16 0,0-1 745,-1 20 0,-1-1 706,3-18 1,0-1-707,0 27 950,0-25 0,0-1-950,0 1 0,0 5 0,0-3 6178,0 5-6178,-3-4 1830,12 2-1830,2-5 0,16 2 0,-6-13 0,-6-8 0,-9-12 0</inkml:trace>
-  <inkml:trace contextRef="#ctx0" brushRef="#br0" timeOffset="505750">23219 5780 8191,'0'8'0,"3"15"5063,3 10-5063,2 0 2818,-2-17-2818,-1-7 1719,-1-6-1719,1 2 6784,1-4-6784,0 4 0,-3-2 0,2 3 0,-2 3 0,3 0 0,1 0 0,-1 0 0,0 0 0,0 5 0,8 10 0,-2 0 0,2 0 0,2 5 0,-5-13 0,1 8 0,-3-17 0,-3-2 0,0-8 0,3-13 0,-5 3 0,5-10 0,-5 6 0,5 0 0,-1-3 0,1 9 0,-6 0 0,3 8 0,-6-3 0,5 2 0,-1 2 0,1 2 0,4 0 0,-3 2 0,6 7 0,-3 5 0,4 2 0,-3 0 0,-2-7 0,1 3 0,3-5 0,-2-1 0,4-1 0,-4-4 0,-1 2 0,-1-3 0,-2 0 0,-1 0 0,1-3 0,0-4 0,-2-3 0,5-27 0,-1 0 0,7-17 0,-4 9 0,-1 13 0,-3 9 0,-1 7 0,1-5 0,-3 12 0,-1-6 0</inkml:trace>
-  <inkml:trace contextRef="#ctx0" brushRef="#br0" timeOffset="506483">23810 5257 8191,'22'23'0,"4"13"2196,5-6 0,2 3-2196,-12-5 0,-1 1 1352,6 6 1,-2-1-1353,-6 7 1825,1 9-1825,-11-8 6448,-4 7-6448,-2-11 0,-1 4 377,0 4 1,-2 1-378,1 3 0,0 1 0,0 0 0,0-2-783,0 17 783,0-8 0,0-30 0,0-3 0,0-11 0,0 3 0,0-7 0,0 2 260,0-5 1,0-1-1,0-3 1</inkml:trace>
-  <inkml:trace contextRef="#ctx0" brushRef="#br0" timeOffset="507016">24442 5965 8191,'29'-4'0,"7"2"5063,20 2-5063,-19 0 0,-3 0 0,9 0 2818,12 0-2818,-21 0 1719,-11 0-1719,-4 0 0,-13 0 0,-3 0 0</inkml:trace>
-  <inkml:trace contextRef="#ctx0" brushRef="#br0" timeOffset="507616">24373 5712 24575,'30'0'0,"31"0"0,-24 0 0,3 0 0,3 0 0,-1 0 0,23 0 0,-11 0 0,-20 0 0,1 0 0,-21 0 0,1 0 0,-11 0 0,2 0 0</inkml:trace>
-  <inkml:trace contextRef="#ctx0" brushRef="#br0" timeOffset="508466">25528 5668 24575,'-9'0'0,"-3"0"0,-14 21 0,10 6 0,-2 24 0,14-9 0,4-1 0,0-18 0,0 2 0,0-7 0,0 6 0,-3-3 0,15 3 0,8-4 0,21-5 0,13-1 0,0-10 0,-10 0 0,-8-4 0,6-19 0,-18 0 0,3-1 0,-2-3 0,-9-11 0,18-16 0,-20 6 0,2-1 0,1-4 0,-7 9 0,0-3 0,1-18 0,-3-1 0,-1 14 0,-6 2 0,-12-1 0,-4 4 0,-6-10 0,-23 14 0,-2 23 0,10 8 0,-9 1 0,13 7 0,-24 11 0,0 24 0,24-16 0,1 2 0,4 6 0,2 3 0,4 1 0,3-2 0,-3-1 0,2 7 0</inkml:trace>
-  <inkml:trace contextRef="#ctx0" brushRef="#br0" timeOffset="509430">24839 6616 8191,'0'5'0,"0"14"2127,8 16 1,3 6-2128,6 18 0,1-3 0,5 2 0,-2-17 0,2 1 0,1 5 0,2 5 0,1-2 0,-2-8 0,0 0 0,1-1 0,3 7 0,1 0 0,-1-2 0,8 7 0,-3-7 0,8 2 0,-10-6 2910,-23-37-2910,-5-2 0,-1-3 0,-3-3 0</inkml:trace>
-  <inkml:trace contextRef="#ctx0" brushRef="#br0" timeOffset="510030">25126 6678 24575,'33'52'0,"0"0"0,-1-5 0,3 2 0,0 3 0,-2-3 0,1 2 0,0 1 0,-1-1-953,-1-2 1,0-1 0,-1 1 0,1 1 952,4 6 0,2 3 0,-3-2 0,-4-6 0,0 7 0,-5-7 0,-1-4 0,-5-6 1183,-7-9-1183,-2-10 155,-5-8 1,-2-7 0,-1-5 0</inkml:trace>
-  <inkml:trace contextRef="#ctx0" brushRef="#br0" timeOffset="511563">24761 6582 24575,'0'12'0,"0"0"0,0 4 0,0 1 0,0 1 0,0-1 0,0-4 0,-3 19 0,2-7 0,-5 10 0,5-8 0,-8-13 0,8 3 0,-5-5 0,6 1 0,0-19 0,3-1 0,8-32 0,5-4 0,4-16 0,-9 27 0,1 0 0,4-22 0,2 0 0,-10 24 0,2-2 0,-6 15 0,0 2 0,-1 3 0,-3 6 0,2 0 0,-1-3 0,4 2 0,2-8 0,-1 7 0,3-4 0,-3 6 0,0 3 0,0 0 0,0 3 0,21 0 0,0 12 0,21 6 0,-2 20 0,-15-11 0,0 4 0,6 5 0,0 2 0,3 3 0,-1 1 0,-4-6 0,-2 0 0,-7-5 0,-4-3 0,-2-3 0,-7-5 0</inkml:trace>
-  <inkml:trace contextRef="#ctx0" brushRef="#br0" timeOffset="512680">25046 7859 24575,'61'6'0,"0"-1"0,3 6 0,-5 1-462,-23-3 0,-2 2 462,4 3 0,-5 1 303,-4-4-303,2 5 153,-13-5-153,-1-1 0,-4-6 0,3 2 468,8 4-468,8 5 0,13 3 0,0 7 0,0-9 0,-13 2 0,-8-8 0,-11-4 0,2-2 0,-4-1 0,5-3 0,-6 0 0,5 0 0,-1-16 0,7-12 0,-3-22 0,1-9 0,-3-5 0,-1 5 0,-2 10 0,-6 12 0,3-9 0,-8 10 0,8-8 0,-10 12 0,4-9 0,-4-10 0,0 13 0,0 4 0</inkml:trace>
-  <inkml:trace contextRef="#ctx0" brushRef="#br0" timeOffset="514530">26762 7865 24575,'40'47'0,"0"1"0,0-1 0,0 1 0,0 0 0,3 5 0,-9-12 0,3 4 0,2 2 0,0 1 0,-1-2 0,-2-3-720,6 5 0,-1-2 1,-2-2-1,0 2 720,0 2 0,0 3 0,-1-3 0,-4-8 0,6 0 0,-7-6 228,-4 6 0,-16-30 0,-11-8 0</inkml:trace>
-  <inkml:trace contextRef="#ctx0" brushRef="#br0" timeOffset="515630">26797 8987 8191,'3'-9'0,"21"-29"2275,-2-3 1,2-6-2276,7-5 0,1-3 0,-8 13 0,-1-2 0,0 3 0,2-2 0,-2 2 0,-5 6 0,-2 3 0,5-5 2879,-6 9-2879,-3 2 1781,-2 8-1781,-3 0 6592,2 2-6592,-2 0 581,2-8-581,1 1 0,0-2 0,3 3 0,-3 5 0,-4 1 0,0 2 0,-3 4 0,4-5 0,-1 4 0,3-8 0,2-5 0,6-12 0,-8 14 0,1-1 0</inkml:trace>
-  <inkml:trace contextRef="#ctx0" brushRef="#br0" timeOffset="517132">26845 9393 8191,'13'-4'0,"31"2"192,-4 2 0,3 0-192,3 0 0,2 0 1242,6 0 0,-1 0-1242,-11 0 0,-1 0 1077,7 0 1,1 0-1078,3 0 0,-1 0 2258,1 0 1,-2 0-2259,-4 0 0,-4 0 0,18 0 0,-22 0 5862,-18 0-5862,-3 0 0,-13 0 0,2 0 0</inkml:trace>
-  <inkml:trace contextRef="#ctx0" brushRef="#br0" timeOffset="519580">27907 7923 8191,'8'22'0,"9"10"2531,12 13 1,5 4-2532,-6-8 0,1 1 0,-1-3 0,0 4 0,0-4 1409,2 3 0,-2-3-1409,-7-1 0,-1-4 1719,9 6-1719,-22-14 6784,4-10-6784,-3-5 0,12 20 0,1-3 0,17 25 0,-2-3 0,-13-23 0,-2-1 0,10 15 0,-9-15 0,-10-11 0,-6-9 0,0 0 0,0 0 0,-3-3 0,0 0 0</inkml:trace>
-  <inkml:trace contextRef="#ctx0" brushRef="#br0" timeOffset="520313">28001 8750 24575,'0'-24'0,"5"-11"0,4-7 0,2-7 0,4-2 0,-3 6 0,2-3 0,0 0 0,1 1 0,0 0 0,0 3-916,8-11 0,-1 5 916,-9 11 0,-1 4 591,11-8-591,-16 20 303,0 14-303,-3-9 0,1 13 0,1-12 938,7-4-938,13-24 0,-2-6 0,-3 15 0,-11 8 0</inkml:trace>
-  <inkml:trace contextRef="#ctx0" brushRef="#br0" timeOffset="520998">28627 7375 24575,'0'42'0,"0"4"0,0 5 0,0-7 0,0-20 0,0-8 0,0-8 0,0-2 0,0-3 0,0-1 0</inkml:trace>
-  <inkml:trace contextRef="#ctx0" brushRef="#br0" timeOffset="521882">28421 7291 24575,'33'0'0,"19"0"0,14 0 0,-5 0 0,-11 0 0,-22 0 0,4 0 0,-3 0 0,3 0 0,-5 0 0,-1 0 0,-8 0 0,-4 0 0,-8 0 0</inkml:trace>
-  <inkml:trace contextRef="#ctx0" brushRef="#br0" timeOffset="523731">29325 8297 24575,'15'0'0,"10"0"0,11 0 0,0 0 0,2 0 0,-16 0 0,4 0 0,-16 0 0,6 0 0,-12 0 0,2 0 0</inkml:trace>
-  <inkml:trace contextRef="#ctx0" brushRef="#br0" timeOffset="524382">29281 8099 8191,'2'0'0,"22"0"5063,-7 0-5063,42 0 2818,-17 0-2818,19 0 0,-17 0 0,-19 0 1719,-10 0-1719,-9 0 6784,0 0-6784,0 0 0,-3 0 0,0 0 0</inkml:trace>
-  <inkml:trace contextRef="#ctx0" brushRef="#br0" timeOffset="525149">30062 7909 8191,'-3'7'0,"17"13"4142,10 40-4142,-2-21 0,4 2 0,-2-3 0,0 2 1461,0 3 0,2 0-1461,-1-11 0,-2-1 914,-3 3 1,-2 0-915,18 21 6434,-8-13-6434,-12-17 1057,0-1-1057,-2-5 0,-4 3 0,19 17 0,-16-16 0,14 19 0,2-7 0,-3 9 0,12 3 0,-16-10 0,-6-17 0,-6-8 0,-7-6 0,0-2 0,-3-2 0</inkml:trace>
-  <inkml:trace contextRef="#ctx0" brushRef="#br0" timeOffset="525931">30165 8867 24575,'13'-49'0,"0"-1"0,4 7 0,5-3 0,2-1 0,6-9 0,4-1 0,0 1-1817,1 4 1,1 1-1,-2 2 1817,-4 4 0,-1 1 0,-3 5 0,0 4 0,-3 3 816,-3 3 1,-2 2-817,4-5 882,0 4-882,-15 18 0,-5 7 0,-2 0 0</inkml:trace>
-  <inkml:trace contextRef="#ctx0" brushRef="#br0" timeOffset="526599">30854 8585 24575,'26'0'0,"10"11"0,5 1 0,-3 4 0,-6-2 0,-6-3 0,-1 0 0,-2-3 0,-4 4 0,-2-2 0,-4 7 0,0-1 0,-4-1 0,-6-8 0,0-2 0</inkml:trace>
-  <inkml:trace contextRef="#ctx0" brushRef="#br0" timeOffset="527331">31230 8568 24575,'-8'49'0,"-6"1"0,2-16 0,-1 3 0,0 1 0,-1 1 0,1 6 0,1 1 0,1-5 0,1-1 0,2-6 0,0-3 0,-7 14 0,7-14 0,2-14 0,6-5 0,0-3 0,0 1 0,0-3 0,0-1 0</inkml:trace>
-  <inkml:trace contextRef="#ctx0" brushRef="#br0" timeOffset="529182">28655 8266 8191,'-3'2'0,"0"18"5063,3 6-5063,0 27 0,0-13 2818,0 6-2818,-3-9 1719,2-9-1719,1 2 6784,1-17-6784,2-1 0,-1-6 0,-1 0 0,4-3 0,-2 0 0,2-3 0,1 0 0,0 0 0,3-6 0,11-12 0,11-13 0,8-11 0,-5 4 0,-6 8 0,-12 12 0,-3 8 0,-5 4 0,-2 3 0,0 3 0,-1 0 0,4 6 0,1 11 0,7 8 0,-6 5 0,2-10 0,-3 2 0,-1-11 0,-2 5 0,-1-7 0,-4-6 0,-1 3 0,2-3 0,-1 3 0,1-3 0,3-1 0,-1-2 0,1-2 0,0-5 0,0-3 0,5-17 0,3-7 0,2-11 0,2 1 0,-5 9 0,-2 10 0,-2 9 0,-2 3 0,-4 6 0,3 1 0,-6 1 0,8 1 0,-7 1 0,5 0 0</inkml:trace>
-  <inkml:trace contextRef="#ctx0" brushRef="#br0" timeOffset="529949">28772 8810 8191,'17'3'0,"1"0"5063,31-3-5063,-9 0 2818,8 0-2818,-2 0 1719,-11 0-1719,2 0 0,-17 0 6784,-5 0-6784,-6 0 0,1 0 0,2 0 0,-8 0 0,2 0 0</inkml:trace>
-  <inkml:trace contextRef="#ctx0" brushRef="#br0" timeOffset="532598">28831 6893 8191,'-15'-4'0,"-48"2"4613,13 2-4613,4 0 0,-2 0 1436,3 0 0,1 0-1436,0 0 0,-1 0 0,-11 0 0,-1 0 0,-2 0 0,2 0 887,17 0 0,1 0-887,-7 0 0,3 0 0,-7 0 0,-11 0 0,-1 0 2331,28 1 1,-1 2-2332,1 3 0,-1 2 0,1 0 0,-1 1 172,1 6 1,-2 3-173,-20 5 0,-5 2 0,18-6 0,0 1 0,-3 1-403,-11 8 1,-2 3-1,-1-1 403,14-9 0,-1 0 0,0 0 0,1 2 0,1 2 0,1 2 0,0 0 0,-1-1 0,2-1 0,-1 0 0,0 0 0,0 0 0,0 2 0,0-1 0,0 1 0,1 0 0,-11 8 0,2-1 0,3-1-642,9-7 1,1-2-1,1 1 642,-3 4 0,0 0 0,5-2 0,6-4 0,2-1 0,-8 4 0,1 1 825,2 1 0,2 0-825,3 2 0,-1 0 0,-7 8 0,0 2 53,6-5 0,3 2-53,-2 11 0,3 3 0,5 7 0,5 5-95,6-9 1,2 3 0,1 3 94,1-8 0,0 2 0,3 1 0,4 0 0,5 3 0,4 0 0,3 0 0,1 0-62,-1 3 1,2 0 0,1 0-1,5-2 62,5-2 0,5 0 0,1-3 0,-1-2 0,2 3 0,-1-4 0,2-2 0,0-6 0,2-3 0,-2-4 0,4-3 0,2-2 0,-3-6 0,3 1 0,3-2 0,8 0 0,3-2 0,3 1 0,-10-4 0,2 0 0,2-1 0,-1-1 0,3-2 0,0-2 0,1-1 0,1-1 0,6 1 0,2-1 0,1-1 0,1-1 0,-13-2 0,1-1 0,0 0 0,0-1 0,2 1 0,3 0 0,1 0 0,1 0 0,0-1 0,0 0 0,1-1 0,2-1 0,0 0 0,-2 0 0,-2-1 0,-2 1 0,-1-1 0,-2-1 0,0 0 0,-1-1 0,0-1 0,-1-1 0,-3 1-1007,2 0 0,-4 1 0,3-2 1007,13 0 0,3-2 0,-3 0 0,-16 0 0,-2-1 0,6-1 0,7-1 0,8-2 0,3-1 0,0-1 0,-5-1-915,0 0 1,-5-2-1,1 0 1,4 0 914,-10 3 0,3 0 0,0 0 0,2 0 0,-1-1 0,-1 1 0,9-4 0,-1 1 0,0-1 0,0 0 0,-1 2-93,-1 2 0,0 1 0,-1 0 0,0 0 0,-2 1 93,-4-2 0,-1 1 0,-1 0 0,0 0 0,1 1 0,3 2 0,2 0 0,0 0 0,-3 1 0,-2 1 0,11-2 0,-5 1 0,1 0 0,-2-1 0,1 1 0,-2-1 0,-5 0 0,0-1 0,-4 0 0,6-3 0,-5-1 0,-7 2 0,-1-1 0,2 0 0,-2 0 511,-8 2 1,0 0-512,9 0 0,4-1 1162,6-3 1,1 0-1163,-11 4 0,1 0 0,20-4 0,-1 0 0,-22 2 0,-2 1 0,4 2 0,-2 0 2368,-7-5 0,-1-1-2368,2-2 0,-1-1 0,-2 1 0,-3-2 0,22-19 2486,-22 7-2486,-10 0 597,0-4-597,-7-9 0,-1-2 0,-8 0 0,-3-5 0,-6-6 0,-5-3-382,-1 8 0,-4-3 1,-2 0 381,-4-6 0,-4-1 0,-3 1 0,4 14 0,-2 0 0,-1 1 0,-1 0-782,-1-4 1,-2-1 0,-1 1-1,1 2 782,2 4 0,0 1 0,-1 1 0,0 0 0,-11-13 0,-1 1 0,3 4 0,-5-4 0,2 3 0,1 3 0,0 4 0,11 13 0,-1 2-927,-1-2 0,-2 1 927,1 2 0,-1 1-589,-4 1 1,-1 1 588,-9-6 0,-3 2 0,2 6 0,-3 1 0,-1-2 0,-3-1 0,-2 0 0,0 3 0,-1 1 0,-2-2 0,6 2 0,-2-1 0,0-1 0,-1 0 0,0 0 0,-1-1 0,0 0 0,0 0-961,2-1 0,-1-1 0,1 1 1,2 0 960,-8-3 0,2 2 0,1-1 0,5-2 0,0 0 0,-1 1-153,6 5 0,-3 0 1,1 1-1,3 0 153,-2-2 0,2 2 0,-2-2-87,-1 2 1,-3-1-1,-1 0 1,6 2 86,3 2 0,4 1 0,-2 0 81,-16-6 1,-2-2 0,2 3-82,11 5 0,2 2 0,-2 0 0,-13-3 0,-3 0 0,2 4 0,13 6 0,2 2 0,0 2 2068,-18-1 0,1 4-2068,21 4 0,-1 2 0,4 2 0,-8 5 0,4 2 1762,4 2 1,4 2-1763,7 3 0,3-1 0,-11 1 2864,0 7-2864,6-8 1116,8 0-1116,3-3 54,-5-3 0,17-7 0,-9 0 0</inkml:trace>
-  <inkml:trace contextRef="#ctx0" brushRef="#br0" timeOffset="565304">28590 11237 24575,'0'16'0,"0"1"0,0 20 0,-1-5 0,2 6 0,7 17 0,3 3 0,-6-7 0,3 1 0,9 10 0,2-3 0,-7-21 0,0-3 0,1-2 0,-1-3 0,4 13 0,-9-24 0,-1-30 0,17-38 0,-13 13 0,1-2 0,6-5 0,1 0 0,-5 6 0,-1 3 0,6-8 0,-4 15 0,-5 17 0,-1 4 0,-1 16 0,7 12 0,2 12 0,-3-3 0,1 4 0,3 1 0,0 1 0,1 9 0,0 0 0,-2-12 0,-2-2 0,7 20 0,-8-29 0,-5-6 0,4-5 0,-5-4 0,2-3 0,2-5 0,-3-3 0,4-11 0,2-3 0,0-19 0,17-14 0,-15 18 0,0-2 0,3-5 0,1 1 0,-3 2 0,-1 1 0,10-24 0,-10 24 0,-3 4 0,-6 17 0,3-13 0,4 1 0,3-9 0,4-1 0,0 1 0,-2 1 0,-8 15 0,-4 4 0</inkml:trace>
-  <inkml:trace contextRef="#ctx0" brushRef="#br0" timeOffset="565946">29567 11760 24575,'22'0'0,"18"0"0,25 0 0,-8-3 0,3 2-9831,-17-3 8341,-12 4 4308,0 0-2818,-21 0 429,-1 0 1,-5 0 0,-2 0 0</inkml:trace>
-  <inkml:trace contextRef="#ctx0" brushRef="#br0" timeOffset="566517">29709 11683 8191,'-2'-8'0,"32"3"5063,7 5-5063,22 0 0,-20 0 0,-3 0 0,-17 0 2818,6 0-2818,-7 0 0,-6 0 0,-2 0 0</inkml:trace>
-  <inkml:trace contextRef="#ctx0" brushRef="#br0" timeOffset="567101">28819 12233 8191,'37'0'0,"8"0"0,3 0 2223,-12 0 1,0 0-2224,24 0 0,-2 0 2890,9 0-2890,-32 0 0,0 0 0,22 0 0,-29 0 0</inkml:trace>
-  <inkml:trace contextRef="#ctx0" brushRef="#br0" timeOffset="568134">30392 10425 8191,'0'4'0,"-14"44"0,-7 21 1797,5-9 1,-1 6-1798,6-18 0,-2 7 0,1 2 0,0 1 0,2-6 0,-1 14 0,1-3 0,2-1 235,1 1 0,1-1 1,2-1-236,3-9 0,2-1 0,-1-5 0,0-2 0,0-3 904,0 6 1,0-1-905,0 18 0,0 1 0,0-9 2528,0-12 0,0 3-2528,0-10 0,0 0 696,0 12 0,0 2-696,1-2 0,2 0 1632,2 1 1,3-1-1633,5 0 0,2 2 0,0-6 0,1 1 0,0-3-79,4 3 0,0-2 79,0 5 0,-1-3-82,9 10 82,-11-24 0,7 18 0,-3-13 0,1-2 0,1 2 0,3 5 716,-2-3-716,2 10 21,0-1 0,-14-23 0,-2-6 1</inkml:trace>
-  <inkml:trace contextRef="#ctx0" brushRef="#br0" timeOffset="569346">31108 10474 24575,'0'56'0,"0"0"0,0 0 0,0-7 0,-1 1 0,1 2 0,1 2 0,0-3 0,1 1 0,0 2 0,1 2 0,0 0-1967,2 7 1,0 2 0,1 1 0,0 1 0,1-2 1668,1 1 0,0-1 0,0 0 0,1-1 0,0 1 341,0-2 1,0 0-1,0 0 1,1 0-1,-1 1-43,0 1 0,1 2 0,-1 0 0,0-2 0,-1-2 0,1 2 0,0-3 0,-2-1 0,0 1 0,0 3 0,-2 0 0,0-1 0,0-1 378,0-7 0,1-2 0,-1 0 0,-2-4-378,-2 4 0,-1-2 0,1-3 0,1 21 0,1-7 0,-2-23 0,-2-4 5394,-5 16-5394,-2-15 3281,-9-2-3281,6-18 917,1-2-917,5-9 0,4 1 0,-4-1 0,4-3 0,-1 0 0</inkml:trace>
-  <inkml:trace contextRef="#ctx0" brushRef="#br0" timeOffset="570296">28370 13897 24575,'24'31'0,"-2"1"0,15 12 0,-10-11 0,0 3 0,-3-11 0,-8-4 0,0 5 0,-7-11 0,-5 3 0,5-2 0,-2 9 0,7 0 0,-6 3 0,4-10 0,-7 3 0,5-3 0,-3 0 0,0-1 0,2-6 0,-5 0 0,4-1 0,-7-1 0,2-1 0,-3-2 0,0-3 0,0 0 0</inkml:trace>
-  <inkml:trace contextRef="#ctx0" brushRef="#br0" timeOffset="571187">28230 14508 24575,'27'-27'0,"21"-15"0,-26 16 0,0-2 0,9-8 0,0 0 0,6-18 0,-2 3 0,-15 23 0,-7 9 0,-4 9 0,-6 1 0,3 5 0,-6-1 0,6 2 0,9-9 0,0 1 0,13-11 0,-13 11 0,-3-2 0,-9 11 0</inkml:trace>
-  <inkml:trace contextRef="#ctx0" brushRef="#br0" timeOffset="571849">28220 14691 8191,'-2'3'0,"7"0"5063,27-3-5063,16 0 0,13 0 2818,-9 0-2818,-5 0 1719,-18 0-1719,7 0 6784,-12 0-6784,-9 0 0,2 0 0,-10 0 0,2 0 0,6 0 0,-9 0 0,6 0 0</inkml:trace>
-  <inkml:trace contextRef="#ctx0" brushRef="#br0" timeOffset="572447">28898 14310 24575,'17'0'0,"4"0"0,6 0 0,18 0 0,0 0 0,5 0 0,-9 0 0,-12 0 0,-11 0 0,-5 0 0,-8 0 0</inkml:trace>
-  <inkml:trace contextRef="#ctx0" brushRef="#br0" timeOffset="573083">28851 14208 24575,'40'0'0,"1"0"0,-3 0 0,1 0 0,22 0 0,-7 0 0,-16 0 0,-14 0 0,-4 0 0,-2 0 0,-1 0 0,-6 0 0,-5 0 0</inkml:trace>
-  <inkml:trace contextRef="#ctx0" brushRef="#br0" timeOffset="573847">28507 14191 24575,'18'-33'0,"5"7"0,3-1 0,10-24 0,-6 21 0,0 3 0,-4-1 0,15-14 0,-14 15 0,-1-3 0,-14 17 0,-5 3 0,2 1 0,-3-3 0,-3 8 0,0-1 0</inkml:trace>
-  <inkml:trace contextRef="#ctx0" brushRef="#br0" timeOffset="574499">29656 13610 24575,'0'52'0,"0"0"0,0 0 0,0 5 0,0 1 0,0 2 0,0 5 0,0 1 0,0 0-1649,0-1 0,0 0 0,0-5 1649,0 1 0,0-6 749,0-8 1,0-1-750,-1 5 0,7 2 0,11-9 0,9 2 0,0 1 0,1 8 0,1 2 0,6 2-258,-2-15 0,4 2 0,4 1 0,0-2 1,-2-2 257,3 2 0,1-3 0,-1-1 0,1 0 0,2 2 0,2 1 0,-2-2 0,-5-5 0,7 5 0,-5-6 0,-14-14 0,0 0 0</inkml:trace>
-  <inkml:trace contextRef="#ctx0" brushRef="#br0" timeOffset="575618">30047 13777 24575,'42'47'0,"-8"-12"0,-6 7 0,-4-13 0,3 9 0,1-2 0,1 4 0,-8-8 0,-5-14 0,-8-6 0,-2-12 0</inkml:trace>
-  <inkml:trace contextRef="#ctx0" brushRef="#br0" timeOffset="578866">30093 14033 8191,'0'-16'0,"16"-12"5063,-1-17-5063,16 1 0,-8-4 2818,6-3-2818,-13 21 0,-1-1 1719,14-26-1719,-7 11 6784,-5 15-6784,-4 8 0,-6 12 0,-1 3 0</inkml:trace>
-  <inkml:trace contextRef="#ctx0" brushRef="#br0" timeOffset="579483">30506 14154 24575,'9'-15'0,"3"-1"0,-1 2 0,-1 4 0,-7 8 0</inkml:trace>
-  <inkml:trace contextRef="#ctx0" brushRef="#br0" timeOffset="580013">30590 15038 24575,'0'0'0</inkml:trace>
-  <inkml:trace contextRef="#ctx0" brushRef="#br0" timeOffset="580416">30756 15626 8191,'3'3'0,"0"0"0</inkml:trace>
-  <inkml:trace contextRef="#ctx0" brushRef="#br0" timeOffset="581065">30912 16286 8191,'18'-3'0,"2"12"5063,23 16-5063,-2 10 0,-13-1 0,0 4 0,-4-7 0,-1 0 0,0 4 0,-1 0-1078,-2-2 1,-1-3 1077,12 7 2155,-3 6-2155,0-9 4537,-5-4-4537,-6-6 0,-1-7 0,-9-8 0,-4-5 0,0-2 0</inkml:trace>
-  <inkml:trace contextRef="#ctx0" brushRef="#br0" timeOffset="581815">31041 16819 24575,'28'-48'0,"-4"5"0,12-5 0,-19 15 0,6 2 0,0-2 0,-1-11 0,8-3 0,-14 3 0,-4 16 0,-8 1 0,2 4 0,1-8 0,-3 14 0,0-3 0</inkml:trace>
-  <inkml:trace contextRef="#ctx0" brushRef="#br0" timeOffset="583449">31570 16813 24575,'0'5'0,"0"4"0,0-3 0,0 2 0,0-2 0,0 0 0,0 0 0,0-1 0,0-12 0,0-31 0,4-10 0,3 8 0,1 1 0,6-4 0,8 2 0,1 31 0,-4 3 0,5 4 0,-3 3 0,-1 3 0,5 6 0,-5 5 0,-1 6 0,-12-4 0,2-4 0,-9-1 0,3-4 0,-1 1 0,2 4 0,-1-5 0,2 4 0,-4-2 0,5 3 0,-3 1 0,1 3 0,-1-7 0,-3-1 0,2-2 0,4 2 0,-2-4 0,1 1 0</inkml:trace>
-  <inkml:trace contextRef="#ctx0" brushRef="#br0" timeOffset="584817">30423 14183 24575,'26'-8'0,"-2"-1"0,8-1 0,-12 4 0,-9 6 0,12 3 0,3 10 0,3-1 0,-6 8 0,-9-7 0,-1-2 0,-3 1 0,0-5 0,-4 3 0,0-4 0,0 3 0,0 0 0,0 1 0,-2-1 0,1-1 0,-1 2 0,-1-3 0,0-1 0</inkml:trace>
-  <inkml:trace contextRef="#ctx0" brushRef="#br0" timeOffset="586381">30719 13432 24575,'38'49'0,"0"0"0,0 0 0,0 0 0,2 2 0,-1-1 0,1 2 0,2 3 0,-6-7 0,2 4 0,2 1 0,-1 1 0,0-1 0,-3-4-868,0 0 0,-1-3 1,-1-1-1,-1 0 0,0 1 868,6 10 0,-2 1 0,-1-2 0,-3-4 0,-5-6 0,-2-2 0,-2-2 0,7 17 0,-2-2 568,-3-4 1,-3-1-569,-2-2 0,-1 0 0,3 1 0,-2 1 0,-6 4 0,-2-2 375,2-9 1,-2-2-376,-3 5 0,-2-3 0,9 17 0,-5 5 0,0-13 2278,1 12-2278,-5-28 0,1 0 173,3 18-173,0-5 0,-4-18 0,0 0 0,-1-5 0,4 9 0,0-5 0,0 4 0,-1-8 0,-4-4 0,0-4 0,-2 3 0,2-4 0,-6 1 0,3-6 0,0-2 0,-2 1 0,1-5 0,1 6 0,1 3 0,3 8 0,3 8 0,1 13 0,-1-15 0,-3 3 0,-1-14 0,-3-3 0,1 1 0,2 1 0,-3 2 0,4 4 0,-1 2 0,1-3 0,0 3 0,-1-2 0,1 6 0,0-2 0,0 0 0,0-8 0,0 0 0,0-1 0,0 2 0,-3-9 0,-1-2 0</inkml:trace>
-  <inkml:trace contextRef="#ctx0" brushRef="#br0" timeOffset="597165">29301 7100 24575,'-37'-11'0,"0"-1"0,-16-9 0,-6-2 0,9 6 0,-4-1 0,-1 1-688,8 1 1,-2 1-1,0-1 1,0 3 687,-1 1 0,1 1 0,-1 1 0,2 2 0,-14-1 0,1 2 0,5 2 436,-1 1 1,3 3-437,-8 0 0,4 2 0,3-1 0,20-1 0,-3 2 0,-9 4 0,1 3 0,-14 7 0,19-1 0,-5 4 0,1 2 0,6 1 0,1 2 0,-1 2-206,-9 5 0,-2 2 1,0 1 205,7-3 0,-2 1 0,2 0 0,3-3 0,-14 10 0,3-2 0,7-2 0,-1 2 0,5-4 0,6-4 0,3-1 0,-8 4 0,-2 1-153,-1 3 0,1 0 153,13-9 0,0 2 0,-17 14 0,0 2 0,15-11 0,2 1 0,-9 14 0,2 2 660,10-12 1,2 0-661,-5 13 0,-1 1 0,3-1 0,2-3 0,3-7 0,1-2 0,2-1 0,2 1 0,1-5 0,0 0 1130,-5 20-1130,3-10 0,1 3 174,3-3 1,2 2-175,2 1 0,2 3 0,-1-3 0,0 4 0,1-1 0,3 1 0,1 2 0,1-3 0,1 0 0,2-1 0,3-4 0,2 1 0,1 1 0,2 0 0,1-1 0,2-2 0,12 17 0,5-3 0,1-3 0,2-4 0,-2-6 0,3-5 0,-1-5 0,1-3 0,-7-7 0,2-2-3392,2 0 0,1-3 3392,20 5 0,-14-9 0,4 0 0,5-3 0,8-1 0,-3-5 0,8 0 0,2-1 0,-4-1 0,4 1 0,-3 0 0,4-2-220,-11-1 1,4 0-1,2-1 1,-2-1 0,-4 0 219,13 0 0,-5-2 0,1 1 0,0 0 0,-1 0 0,2 0 0,-8 0 0,1 0 0,-1 0 0,-2 0 0,-1 0 0,-2 0 0,1 0 0,8 0 0,1 0 0,-4 0 0,-2 0 0,0 0 0,-1 0 0,4 0 0,0 0 0,1 0 0,0 0 0,0 0 0,1 1 0,-1-1 0,5-1 0,-9-1 0,4-2 0,1-1 0,-2 0 0,-4 0 0,7-1 0,-5 0 0,6-2 0,-2 0 0,7-2 0,2 0 0,-2 0 0,-8 1 0,-1 0 0,-6 1 0,1 0 0,14-4 0,2 0 0,-6 2 0,-7 4 0,-3 0 0,3-3 0,-1 1 0,-6 5 0,0 0 0,4-2 0,-2 0 0,-7 4 0,1 1 0,20-3 0,1 1 0,-12 2 0,1 0 0,-2 0 0,3 0 0,-5 0 0,-4 0 0,-2 0 0,4 1 0,-1-2 0,16-9 0,-8-10 0,-18 6 0,-1-5 548,0-13 1,-3-4-549,0 7 0,-2-1-175,-2-6 1,-2 0 174,12-19 0,-13 13 0,-2 2 3306,0 9 0,3-3-3306,5-14 0,2-3 0,1-3 0,1-2 0,-10 15 0,-1 0 0,-3 1 0,2-8 0,-3-1 0,-5 5 0,0-2 0,-3 2 0,0-4 0,-3-3 0,-2-1 0,-1-10 0,0 1 0,-3 8 0,0 2 0,-5-1-910,-6-5 0,-5-9 0,-3-1 0,0 11 910,-3 1 0,-4 5 0,-3-4 0,-4-3 0,1 4 0,-2 0 0,0 0 0,4 2 0,-2-4 0,1 0-479,-2 0 0,1-1 1,-1-3 478,5 7 0,0-2 0,0-1 0,0 1 0,1 2 0,1 1 0,0 0 0,0 3-62,-2-4 1,-1 3 0,-2 0 61,-5-3 0,-3 0 0,-2 6 0,-12 0 0,0 8 0,4 1 0,1 6 0,0 10 0,2 8 0,-7 4 0,8 2 0,0 0 0,-13 1-1339,17-1 1,1 2 1338,-7 4 503,-8-1 0,-7 0-503,4 2 0,-3 0 0,-1 0 0,-6 0 0,3 0-31,12 0 1,3 1-1,-3 2 31,-15 4 0,-2 3 0,7-1 0,10-3 0,3 2 0,5 3 0,-3 2 0,4-2 0,-1-3 0,4-2 0,-25 9 0,22-8 0,1-1 0,-3 3 0,-18 0 0,-4-1 0,31-3 0,-2-1 3204,-6 1 0,-4 0-3204,4 0 0,-3 2 0,1-1 0,-11 2 0,0-1 0,5 1 0,-3 0 0,6-1 115,7 0 0,2 0-115,-6 3 0,2 0 906,-14 4-906,-4 8 0,26-10 0,6 1 0,16-4 0,4 3 0,2-5 0,4 1 0</inkml:trace>
-  <inkml:trace contextRef="#ctx0" brushRef="#br0" timeOffset="632221">14024 4622 8191,'-9'0'0,"-20"0"4463,-19 0-4463,-7 0 2889,-12 0-2889,11 0 896,14 0 0,0 0-896,-13 0 6558,-3 0-6558,30 4 0,-3 12 0,0 4 0,-6 3 341,-5 9 0,-1 2-341,-9 6 0,10-4 0,-1 0 0,11-13 0,2-1 0,0 5 0,2-2 0,-3-3 0,16-1 0,-20 19 0,-2 12 0,16-21 0,-1 1 0,1 1 0,2-1 0,-1 8 0,0 4 0,9-15 0,-6 18 0,5-9 0,2-1 0,7-10 0,3-13 0,0 23 0,0 9 0,0 16 0,5-18 0,3 0 0,6 20 0,-2-31 0,2-2 0,6 5 0,-2-13 0,5 7 0,3-4 0,-1 1 0,3-4 0,-1-3 0,-5-5 0,9 6 0,-6-10 0,3 5 0,2 2 0,16 3 0,-14-6 0,-2-1 0,3 0 0,-7-6 0,15 2 0,10-5 0,-18-1 0,4-2 0,15-1 0,-1-2 0,-14 0 0,-1-1 0,4 0 0,-3 0 0,-5-3 0,3-4 0,-20 5 0,16-3 0,-21 1 0,9-4 0,15-11 0,-10 2 0,18-10 0,-20 8 0,14-18 0,-11 9 0,-2-6 0,-10 11 0,-5-1 0,4-15 0,1-5 0,-1-17 0,5 2 0,0-3 0,-7 16 0,0 0 0,5-12 0,0-1 0,-3 16 0,0 1 0,2-8 0,1 3 0,6-7 0,-1 5 0,-9 17 0,0 0 0,8-11 0,-4-11 0,-5 16 0,-7 19 0,-3-11 0,-7-3 0,-10-5 0,-4-4 0,7 13 0,-2 0 0,-13-14 0,-1 3 0,0 4 0,3 15 0,6 14 0,-7 9 0,-36 0 0,32 0 0,-18 0 0</inkml:trace>
-  <inkml:trace contextRef="#ctx0" brushRef="#br0" timeOffset="633636">14775 4416 8191,'-14'-1'0,"5"3"5063,-18 13-5063,6 0 2818,-2 13-2818,6-10 1719,8 2-1719,6-10 0,3 14 0,0-11 6784,0 19-6784,-6-11 0,5 10 0,-5-9 0,6-1 0,0-12 0,0-3 0,0 3 0,0-3 0,0 2 0,5 1 0,-1-5 0,5 4 0,2 0 0,-1 0 0,2 3 0,-6-5 0,-1-3 0,-1 5 0,-1-4 0,0 8 0,-1-3 0,5 11 0,3 5 0,0-1 0,0-1 0,-4-13 0,9 11 0,-6-12 0,15 12 0,-10-11 0,23 0 0,-13-4 0,10-3 0,-17-3 0,7 0 0,-3 0 0,8-9 0,0-17 0,-13 11 0,-2-10 0</inkml:trace>
-  <inkml:trace contextRef="#ctx0" brushRef="#br0" timeOffset="634332">14682 4874 24575,'58'-7'0,"1"-13"0,-1-5 0,-14-7 0,-6 7 0,-8 0 0,0 7 0,-3-2 0,-10 3 0,-8 9 0,-6-2 0</inkml:trace>
-  <inkml:trace contextRef="#ctx0" brushRef="#br0" timeOffset="635047">15087 4156 9682,'0'18'0,"12"4"2377,3 16 0,4 8-2377,8 4 0,2 2 0,0 2 0,1 0 176,-5-14 0,0 1 0,-3-5-176,11 17-1177,-1-1 1,-1-3 1176,-6-14 1633,-5 2 1,-1-2-1634,-4-19 50,-8 2 0,-5-14 1,-2 1-1</inkml:trace>
-  <inkml:trace contextRef="#ctx0" brushRef="#br0" timeOffset="636147">15434 4253 24575,'0'57'0,"4"-10"0,1-7 0,3 2 0,4-5 0,0-1 0,-2-3 0,0-2 0,14 23 0,-16-33 0,-2-6 0,-3-2 0,-3-2 0,3-2 0,3 8 0,1 0 0,4 5 0,-6-9 0,3 1 0,-7-7 0,1 1 0,1-5 0,-3 2 0,5-1 0,-4 1 0,1-2 0,-2 0 0</inkml:trace>
-  <inkml:trace contextRef="#ctx0" brushRef="#br0" timeOffset="638655">15174 4248 24575,'0'-22'0,"0"3"0,0-15 0,11 9 0,-5-3 0,11 9 0,11-9 0,-1 9 0,9-4 0,2 6 0,6 12 0,-7-1 0,19 6 0,-16 0 0,0 10 0,2 4 0,19 6 0,-27-5 0,-3 1 0,4 4 0,-20-9 0,7 8 0,-5-2 0,-4 2 0,-5-2 0,-8-7 0,0 8 0,0-7 0,0 5 0,-29 27 0,15-22 0,-27 27 0,26-33 0,-13 9 0,6-6 0,-14 8 0,17-9 0,-1-5 0,13-6 0,2-6 0,1 2 0,-1-1 0,2 1 0,0 1 0,0 0 0,6 5 0,21 6 0,5 0 0,4 2 0,-2-1 0,3 0 0,19 7 0,-2-1 0,0 3 0,2-6 0,-31-6 0,4-5 0,-7 3 0,12 0 0,-11-1 0,12 7 0,-7-2 0,0 2 0,-9-7 0,-8-5 0,-3-1 0</inkml:trace>
+  <inkml:trace contextRef="#ctx0" brushRef="#br0" timeOffset="64716.27">8564 6512 24575,'19'50'0,"11"10"0,2-29 0,4-2 0,-10-2 0,3-1 0,10 0 0,8-1 0,5 0 0,-2-2 0,5 0 0,2-1 0,-1-2-2458,-3-3 0,0-1 1,0-1-1,0 1 2085,3 1 1,-1 1-1,1 0 1,1-3 372,4 0 0,0-2 0,1-2 0,-1-3 64,-5-4 0,0-3 0,0-1 0,4 2-64,-8 1 0,2 3 0,2-1 0,1 1 0,0-2 0,1-2 0,3-2 0,1-2 0,0-2 0,0-1 0,0 1 0,-1 0 0,-3 2 0,-2-1 0,0 1 0,0-1 0,1 0 0,0 0 0,3-1 0,1-1 0,0-1 0,0 1 0,0 1 0,-1 0 0,-1 1 0,-1 0 0,-1 1 0,1 0 0,-1 0 0,-1 0-187,6 0 0,1 1 0,-2 0 0,-1 0 0,-2 0 187,5 1 0,-2 0 0,-2 0 0,-3 0 0,6 0 0,-3 0 0,0 0-516,3 0 1,1 0-1,-3 0 516,-12 0 0,-2 0 0,1 0 0,14 0 0,2 0 0,-4 0 0,8 0 0,-5 0 0,0 0 0,-1 0 1377,0 0 1,3 0-1378,-6 0 0,4 0 0,0 0 0,-5 0 0,1-1 0,3 2 0,-1 1 0,4 0 0,0 1 0,-3 0 0,1 1 0,-4-1 0,3 2 0,-7 1 0,1 2 0,1-1 0,-4-1 0,2-1 0,-3-1 0,1 0 0,1 2 0,1-1 0,1-1 0,5-4 0,2-3 0,-3-2 0,-13 0 0,-3-1 0,1-1 0,2 1 0,1 0 0,-1-2 0,0-3 0,-1-2 0,0 0 0,-2 1 0,-1-1 0,1 1 0,4 0 0,0 1 0,0-1 0,-3 1 0,0-1 0,1 0 0,2 1 0,1 0 0,0 1 0,-2 2 0,0 1 0,3-2 351,-1 0 0,2-3 0,0 1 0,-2 0-351,5 0 0,-3 1 0,-3 0 0,9-4 0,-3 2 0,-8 3 0,0 2 0,7 5 0,8 4 0,-3-1 0,9 1 0,4 0 0,-1-1 246,-12 0 0,0-1 1,1 0-1,2 0 0,3 1-246,-7 0 0,3 0 0,2 0 0,0 0 0,0 0 0,-2 0 0,-3-1 0,5 1 0,-3-1 0,-1 0 0,-1 0 0,1-1 0,3 2 0,1-1 0,-1 0 0,-2 0 0,-3-1 877,11 1 1,-5-1 0,0-2-878,3-3 0,-1-1 0,-4-2 0,3 0 0,-4-2 0,-8-4 0,-5-1 0,10-4 1050,-8 0-1050,3-3 739,7-5-739,-7-2 3576,-2-3-3576,-10-4 0,-8 1 0,-9-1 0,-8 10 159,2-9-159,1-26 0,1-2 0,-10 25 0,-1-1 0,1-23 0,-7 13 0,0 2 0,0 24 0,0 5 0</inkml:trace>
+  <inkml:trace contextRef="#ctx0" brushRef="#br0" timeOffset="65982.27">17490 6950 24575,'-19'0'0,"0"0"0,-15 0 0,8 0 0,1 0 0,8 0 0,-6 3 0,7 1 0,-4 3 0,5 5 0,4 5 0,0 20 0,5 14 0,5-8 0,2 1 0,4-10 0,2-2 0,-3 10 0,3 0 0,11-1 0,3-2 0,5 19 0,-6-17 0,0-3 0,0-5 0,3 9 0,-5-15 0,0 4 0,-5-11 0,-7-5 0,-3-6 0,-3 0 0,0-6 0,0 0 0</inkml:trace>
+  <inkml:trace contextRef="#ctx0" brushRef="#br0" timeOffset="66816.27">17099 7355 8191,'1'3'0,"26"0"5063,4-3-5063,2 0 0,2 0 2818,25 0-2818,-24 0 0,0 0 1719,15 0-1719,-11 0 6784,-23 0-6784,-3 0 0,-10 0 0,1 0 0</inkml:trace>
+  <inkml:trace contextRef="#ctx0" brushRef="#br0" timeOffset="67572.27">17797 7041 8191,'-1'18'0,"-12"23"2531,4-8 1,-2 4-2532,-4 9 0,0-1 0,5-12 0,2-2 0,-9 30 0,9-30 0,4-7 2818,0 1-2818,4-14 1719,0 5-1719,0-5 6784,0 1-6784,11-4 0,11-3 0,-6-5 0,4 0 0</inkml:trace>
+  <inkml:trace contextRef="#ctx0" brushRef="#br0" timeOffset="68966.27">18072 7201 24575,'7'40'0,"-2"-9"0,5 1 0,-3-14 0,-3-1 0,1-10 0,-4 2 0,2-3 0,-3 0 0,0 3 0,0-1 0,5-1 0,-1 1 0,10-5 0,-7 0 0,5-3 0,3 0 0,3-16 0,0 6 0,1-13 0,-9 4 0,1 7 0,-2-3 0,-3 9 0,0 0 0,-1 2 0,1 2 0,2 2 0,5 12 0,11 4 0,-5 9 0,5-4 0,-10-4 0,1-1 0,-4-5 0,1 1 0,-3-6 0,-3 0 0,3-3 0,-3 0 0,-1-3 0,1-9 0,8-36 0,-8 2 0,1 10 0,0-2 0,-3-2 0,1 1 0,8-27 0,-5 23 0,1 0 0,3-12 0,-2 12 0,-6 23 0,1 5 0,-4 9 0,1 0 0</inkml:trace>
+  <inkml:trace contextRef="#ctx0" brushRef="#br0" timeOffset="69620.27">18170 7809 24575,'52'0'0,"-12"-3"0,3-2 0,6-2 0,1-2 0,5-2 0,-1-1 0,0 0 0,-4 0 0,-15 2 0,-4 0 0,10 1 0,-17 3 0,-21 6 0,0 0 0</inkml:trace>
+  <inkml:trace contextRef="#ctx0" brushRef="#br0" timeOffset="70499.27">18724 7005 24575,'39'6'0,"-1"0"0,25 15 0,-20 1 0,-2 4 0,5 15 0,-20-18 0,-3 0 0,-1 14 0,-6-2 0,-8-1 0,-1-3 0,-7 6 0,4 6 0,-4 17 0,0-2 0,0-3 0,0-7 0,0-17 0,0-4 0,0-14 0,0 4 0,0 1 0,0-5 0,0-4 0</inkml:trace>
+  <inkml:trace contextRef="#ctx0" brushRef="#br0" timeOffset="72099.27">21541 5847 8191,'0'7'0,"7"36"4826,-1-12-4826,5 9 0,5 3 1423,1-11 1,3-1-1424,-1 6 0,1-1 0,1-7 0,-1-3 0,-1 2 1749,-4-22-1749,-9-3 6695,1-6-6695,5-13 0,5-23 0,9-16 0,-5 0 0,-6 18 0,0 1 0,-1-2 133,-3 6 1,2-1-134,5-3 0,-4 0 0,0 16 0,-8 8 0,-3 6 0,-18-1 0,-22 0 0,-5 3 0,-1-2 0,-1 1 0,-7 3 0,13-4 0,-1-1 0,-20 3 0,4-1 0,3-2 0,16 6 0,19-1 0,8 2 0,6 0 0</inkml:trace>
+  <inkml:trace contextRef="#ctx0" brushRef="#br0" timeOffset="73100.27">22663 5330 24575,'-23'0'0,"-21"0"0,2 0 0,-18 0 0,1 0 0,19 0 0,8 0 0,15 0 0,7 0 0,-3 0 0,6 0 0,1 8 0,3 9 0,3 48 0,0-21 0,0 2 0,0 13 0,0 2 0,1 4 0,2-1 0,1-9 0,1-2-223,-1-7 1,2-1 222,2-9 0,0-4 0,2 12 0,2-3 0,-4-8 0,7 14 0,-3-12 0,2 5 0,-7-17 445,-4-4-445,-3-10 0,3-3 0,-3-4 0,3-2 0</inkml:trace>
+  <inkml:trace contextRef="#ctx0" brushRef="#br0" timeOffset="73950.27">22185 5800 24575,'20'0'0,"3"0"0,4 0 0,18 0 0,-9 0 0,10 0 0,-21 0 0,-9 0 0,-10 0 0,0 0 0,0 0 0,-3 0 0,0 0 0</inkml:trace>
+  <inkml:trace contextRef="#ctx0" brushRef="#br0" timeOffset="74603.27">22947 5309 24575,'0'29'0,"0"21"-4916,-3 0 1,1 2 4170,1-16 0,0-1 745,-1 20 0,-1-1 706,3-18 1,0-1-707,0 27 950,0-25 0,0-1-950,0 1 0,0 5 0,0-3 6178,0 5-6178,-3-4 1830,12 2-1830,2-5 0,16 2 0,-6-13 0,-6-8 0,-9-12 0</inkml:trace>
+  <inkml:trace contextRef="#ctx0" brushRef="#br0" timeOffset="76253.27">23219 5780 8191,'0'8'0,"3"15"5063,3 10-5063,2 0 2818,-2-17-2818,-1-7 1719,-1-6-1719,1 2 6784,1-4-6784,0 4 0,-3-2 0,2 3 0,-2 3 0,3 0 0,1 0 0,-1 0 0,0 0 0,0 5 0,8 10 0,-2 0 0,2 0 0,2 5 0,-5-13 0,1 8 0,-3-17 0,-3-2 0,0-8 0,3-13 0,-5 3 0,5-10 0,-5 6 0,5 0 0,-1-3 0,1 9 0,-6 0 0,3 8 0,-6-3 0,5 2 0,-1 2 0,1 2 0,4 0 0,-3 2 0,6 7 0,-3 5 0,4 2 0,-3 0 0,-2-7 0,1 3 0,3-5 0,-2-1 0,4-1 0,-4-4 0,-1 2 0,-1-3 0,-2 0 0,-1 0 0,1-3 0,0-4 0,-2-3 0,5-27 0,-1 0 0,7-17 0,-4 9 0,-1 13 0,-3 9 0,-1 7 0,1-5 0,-3 12 0,-1-6 0</inkml:trace>
+  <inkml:trace contextRef="#ctx0" brushRef="#br0" timeOffset="76986.27">23810 5257 8191,'22'23'0,"4"13"2196,5-6 0,2 3-2196,-12-5 0,-1 1 1352,6 6 1,-2-1-1353,-6 7 1825,1 9-1825,-11-8 6448,-4 7-6448,-2-11 0,-1 4 377,0 4 1,-2 1-378,1 3 0,0 1 0,0 0 0,0-2-783,0 17 783,0-8 0,0-30 0,0-3 0,0-11 0,0 3 0,0-7 0,0 2 260,0-5 1,0-1-1,0-3 1</inkml:trace>
+  <inkml:trace contextRef="#ctx0" brushRef="#br0" timeOffset="77519.27">24442 5965 8191,'29'-4'0,"7"2"5063,20 2-5063,-19 0 0,-3 0 0,9 0 2818,12 0-2818,-21 0 1719,-11 0-1719,-4 0 0,-13 0 0,-3 0 0</inkml:trace>
+  <inkml:trace contextRef="#ctx0" brushRef="#br0" timeOffset="78119.27">24373 5712 24575,'30'0'0,"31"0"0,-24 0 0,3 0 0,3 0 0,-1 0 0,23 0 0,-11 0 0,-20 0 0,1 0 0,-21 0 0,1 0 0,-11 0 0,2 0 0</inkml:trace>
+  <inkml:trace contextRef="#ctx0" brushRef="#br0" timeOffset="78969.27">25528 5668 24575,'-9'0'0,"-3"0"0,-14 21 0,10 6 0,-2 24 0,14-9 0,4-1 0,0-18 0,0 2 0,0-7 0,0 6 0,-3-3 0,15 3 0,8-4 0,21-5 0,13-1 0,0-10 0,-10 0 0,-8-4 0,6-19 0,-18 0 0,3-1 0,-2-3 0,-9-11 0,18-16 0,-20 6 0,2-1 0,1-4 0,-7 9 0,0-3 0,1-18 0,-3-1 0,-1 14 0,-6 2 0,-12-1 0,-4 4 0,-6-10 0,-23 14 0,-2 23 0,10 8 0,-9 1 0,13 7 0,-24 11 0,0 24 0,24-16 0,1 2 0,4 6 0,2 3 0,4 1 0,3-2 0,-3-1 0,2 7 0</inkml:trace>
+  <inkml:trace contextRef="#ctx0" brushRef="#br0" timeOffset="79933.27">24839 6616 8191,'0'5'0,"0"14"2127,8 16 1,3 6-2128,6 18 0,1-3 0,5 2 0,-2-17 0,2 1 0,1 5 0,2 5 0,1-2 0,-2-8 0,0 0 0,1-1 0,3 7 0,1 0 0,-1-2 0,8 7 0,-3-7 0,8 2 0,-10-6 2910,-23-37-2910,-5-2 0,-1-3 0,-3-3 0</inkml:trace>
+  <inkml:trace contextRef="#ctx0" brushRef="#br0" timeOffset="80533.27">25126 6678 24575,'33'52'0,"0"0"0,-1-5 0,3 2 0,0 3 0,-2-3 0,1 2 0,0 1 0,-1-1-953,-1-2 1,0-1 0,-1 1 0,1 1 952,4 6 0,2 3 0,-3-2 0,-4-6 0,0 7 0,-5-7 0,-1-4 0,-5-6 1183,-7-9-1183,-2-10 155,-5-8 1,-2-7 0,-1-5 0</inkml:trace>
+  <inkml:trace contextRef="#ctx0" brushRef="#br0" timeOffset="82066.27">24761 6582 24575,'0'12'0,"0"0"0,0 4 0,0 1 0,0 1 0,0-1 0,0-4 0,-3 19 0,2-7 0,-5 10 0,5-8 0,-8-13 0,8 3 0,-5-5 0,6 1 0,0-19 0,3-1 0,8-32 0,5-4 0,4-16 0,-9 27 0,1 0 0,4-22 0,2 0 0,-10 24 0,2-2 0,-6 15 0,0 2 0,-1 3 0,-3 6 0,2 0 0,-1-3 0,4 2 0,2-8 0,-1 7 0,3-4 0,-3 6 0,0 3 0,0 0 0,0 3 0,21 0 0,0 12 0,21 6 0,-2 20 0,-15-11 0,0 4 0,6 5 0,0 2 0,3 3 0,-1 1 0,-4-6 0,-2 0 0,-7-5 0,-4-3 0,-2-3 0,-7-5 0</inkml:trace>
+  <inkml:trace contextRef="#ctx0" brushRef="#br0" timeOffset="83183.27">25046 7859 24575,'61'6'0,"0"-1"0,3 6 0,-5 1-462,-23-3 0,-2 2 462,4 3 0,-5 1 303,-4-4-303,2 5 153,-13-5-153,-1-1 0,-4-6 0,3 2 468,8 4-468,8 5 0,13 3 0,0 7 0,0-9 0,-13 2 0,-8-8 0,-11-4 0,2-2 0,-4-1 0,5-3 0,-6 0 0,5 0 0,-1-16 0,7-12 0,-3-22 0,1-9 0,-3-5 0,-1 5 0,-2 10 0,-6 12 0,3-9 0,-8 10 0,8-8 0,-10 12 0,4-9 0,-4-10 0,0 13 0,0 4 0</inkml:trace>
+  <inkml:trace contextRef="#ctx0" brushRef="#br0" timeOffset="85033.27">26762 7865 24575,'40'47'0,"0"1"0,0-1 0,0 1 0,0 0 0,3 5 0,-9-12 0,3 4 0,2 2 0,0 1 0,-1-2 0,-2-3-720,6 5 0,-1-2 1,-2-2-1,0 2 720,0 2 0,0 3 0,-1-3 0,-4-8 0,6 0 0,-7-6 228,-4 6 0,-16-30 0,-11-8 0</inkml:trace>
+  <inkml:trace contextRef="#ctx0" brushRef="#br0" timeOffset="86133.27">26797 8987 8191,'3'-9'0,"21"-29"2275,-2-3 1,2-6-2276,7-5 0,1-3 0,-8 13 0,-1-2 0,0 3 0,2-2 0,-2 2 0,-5 6 0,-2 3 0,5-5 2879,-6 9-2879,-3 2 1781,-2 8-1781,-3 0 6592,2 2-6592,-2 0 581,2-8-581,1 1 0,0-2 0,3 3 0,-3 5 0,-4 1 0,0 2 0,-3 4 0,4-5 0,-1 4 0,3-8 0,2-5 0,6-12 0,-8 14 0,1-1 0</inkml:trace>
+  <inkml:trace contextRef="#ctx0" brushRef="#br0" timeOffset="87635.27">26845 9393 8191,'13'-4'0,"31"2"192,-4 2 0,3 0-192,3 0 0,2 0 1242,6 0 0,-1 0-1242,-11 0 0,-1 0 1077,7 0 1,1 0-1078,3 0 0,-1 0 2258,1 0 1,-2 0-2259,-4 0 0,-4 0 0,18 0 0,-22 0 5862,-18 0-5862,-3 0 0,-13 0 0,2 0 0</inkml:trace>
+  <inkml:trace contextRef="#ctx0" brushRef="#br0" timeOffset="90083.27">27907 7923 8191,'8'22'0,"9"10"2531,12 13 1,5 4-2532,-6-8 0,1 1 0,-1-3 0,0 4 0,0-4 1409,2 3 0,-2-3-1409,-7-1 0,-1-4 1719,9 6-1719,-22-14 6784,4-10-6784,-3-5 0,12 20 0,1-3 0,17 25 0,-2-3 0,-13-23 0,-2-1 0,10 15 0,-9-15 0,-10-11 0,-6-9 0,0 0 0,0 0 0,-3-3 0,0 0 0</inkml:trace>
+  <inkml:trace contextRef="#ctx0" brushRef="#br0" timeOffset="90816.27">28001 8750 24575,'0'-24'0,"5"-11"0,4-7 0,2-7 0,4-2 0,-3 6 0,2-3 0,0 0 0,1 1 0,0 0 0,0 3-916,8-11 0,-1 5 916,-9 11 0,-1 4 591,11-8-591,-16 20 303,0 14-303,-3-9 0,1 13 0,1-12 938,7-4-938,13-24 0,-2-6 0,-3 15 0,-11 8 0</inkml:trace>
+  <inkml:trace contextRef="#ctx0" brushRef="#br0" timeOffset="91501.27">28627 7375 24575,'0'42'0,"0"4"0,0 5 0,0-7 0,0-20 0,0-8 0,0-8 0,0-2 0,0-3 0,0-1 0</inkml:trace>
+  <inkml:trace contextRef="#ctx0" brushRef="#br0" timeOffset="92385.27">28421 7291 24575,'33'0'0,"19"0"0,14 0 0,-5 0 0,-11 0 0,-22 0 0,4 0 0,-3 0 0,3 0 0,-5 0 0,-1 0 0,-8 0 0,-4 0 0,-8 0 0</inkml:trace>
+  <inkml:trace contextRef="#ctx0" brushRef="#br0" timeOffset="94234.27">29325 8297 24575,'15'0'0,"10"0"0,11 0 0,0 0 0,2 0 0,-16 0 0,4 0 0,-16 0 0,6 0 0,-12 0 0,2 0 0</inkml:trace>
+  <inkml:trace contextRef="#ctx0" brushRef="#br0" timeOffset="94885.27">29281 8099 8191,'2'0'0,"22"0"5063,-7 0-5063,42 0 2818,-17 0-2818,19 0 0,-17 0 0,-19 0 1719,-10 0-1719,-9 0 6784,0 0-6784,0 0 0,-3 0 0,0 0 0</inkml:trace>
+  <inkml:trace contextRef="#ctx0" brushRef="#br0" timeOffset="95652.27">30062 7909 8191,'-3'7'0,"17"13"4142,10 40-4142,-2-21 0,4 2 0,-2-3 0,0 2 1461,0 3 0,2 0-1461,-1-11 0,-2-1 914,-3 3 1,-2 0-915,18 21 6434,-8-13-6434,-12-17 1057,0-1-1057,-2-5 0,-4 3 0,19 17 0,-16-16 0,14 19 0,2-7 0,-3 9 0,12 3 0,-16-10 0,-6-17 0,-6-8 0,-7-6 0,0-2 0,-3-2 0</inkml:trace>
+  <inkml:trace contextRef="#ctx0" brushRef="#br0" timeOffset="96434.27">30165 8867 24575,'13'-49'0,"0"-1"0,4 7 0,5-3 0,2-1 0,6-9 0,4-1 0,0 1-1817,1 4 1,1 1-1,-2 2 1817,-4 4 0,-1 1 0,-3 5 0,0 4 0,-3 3 816,-3 3 1,-2 2-817,4-5 882,0 4-882,-15 18 0,-5 7 0,-2 0 0</inkml:trace>
+  <inkml:trace contextRef="#ctx0" brushRef="#br0" timeOffset="97102.27">30854 8585 24575,'26'0'0,"10"11"0,5 1 0,-3 4 0,-6-2 0,-6-3 0,-1 0 0,-2-3 0,-4 4 0,-2-2 0,-4 7 0,0-1 0,-4-1 0,-6-8 0,0-2 0</inkml:trace>
+  <inkml:trace contextRef="#ctx0" brushRef="#br0" timeOffset="97834.27">31230 8568 24575,'-8'49'0,"-6"1"0,2-16 0,-1 3 0,0 1 0,-1 1 0,1 6 0,1 1 0,1-5 0,1-1 0,2-6 0,0-3 0,-7 14 0,7-14 0,2-14 0,6-5 0,0-3 0,0 1 0,0-3 0,0-1 0</inkml:trace>
+  <inkml:trace contextRef="#ctx0" brushRef="#br0" timeOffset="99685.27">28655 8266 8191,'-3'2'0,"0"18"5063,3 6-5063,0 27 0,0-13 2818,0 6-2818,-3-9 1719,2-9-1719,1 2 6784,1-17-6784,2-1 0,-1-6 0,-1 0 0,4-3 0,-2 0 0,2-3 0,1 0 0,0 0 0,3-6 0,11-12 0,11-13 0,8-11 0,-5 4 0,-6 8 0,-12 12 0,-3 8 0,-5 4 0,-2 3 0,0 3 0,-1 0 0,4 6 0,1 11 0,7 8 0,-6 5 0,2-10 0,-3 2 0,-1-11 0,-2 5 0,-1-7 0,-4-6 0,-1 3 0,2-3 0,-1 3 0,1-3 0,3-1 0,-1-2 0,1-2 0,0-5 0,0-3 0,5-17 0,3-7 0,2-11 0,2 1 0,-5 9 0,-2 10 0,-2 9 0,-2 3 0,-4 6 0,3 1 0,-6 1 0,8 1 0,-7 1 0,5 0 0</inkml:trace>
+  <inkml:trace contextRef="#ctx0" brushRef="#br0" timeOffset="100452.27">28772 8810 8191,'17'3'0,"1"0"5063,31-3-5063,-9 0 2818,8 0-2818,-2 0 1719,-11 0-1719,2 0 0,-17 0 6784,-5 0-6784,-6 0 0,1 0 0,2 0 0,-8 0 0,2 0 0</inkml:trace>
+  <inkml:trace contextRef="#ctx0" brushRef="#br0" timeOffset="103101.27">28831 6893 8191,'-15'-4'0,"-48"2"4613,13 2-4613,4 0 0,-2 0 1436,3 0 0,1 0-1436,0 0 0,-1 0 0,-11 0 0,-1 0 0,-2 0 0,2 0 887,17 0 0,1 0-887,-7 0 0,3 0 0,-7 0 0,-11 0 0,-1 0 2331,28 1 1,-1 2-2332,1 3 0,-1 2 0,1 0 0,-1 1 172,1 6 1,-2 3-173,-20 5 0,-5 2 0,18-6 0,0 1 0,-3 1-403,-11 8 1,-2 3-1,-1-1 403,14-9 0,-1 0 0,0 0 0,1 2 0,1 2 0,1 2 0,0 0 0,-1-1 0,2-1 0,-1 0 0,0 0 0,0 0 0,0 2 0,0-1 0,0 1 0,1 0 0,-11 8 0,2-1 0,3-1-642,9-7 1,1-2-1,1 1 642,-3 4 0,0 0 0,5-2 0,6-4 0,2-1 0,-8 4 0,1 1 825,2 1 0,2 0-825,3 2 0,-1 0 0,-7 8 0,0 2 53,6-5 0,3 2-53,-2 11 0,3 3 0,5 7 0,5 5-95,6-9 1,2 3 0,1 3 94,1-8 0,0 2 0,3 1 0,4 0 0,5 3 0,4 0 0,3 0 0,1 0-62,-1 3 1,2 0 0,1 0-1,5-2 62,5-2 0,5 0 0,1-3 0,-1-2 0,2 3 0,-1-4 0,2-2 0,0-6 0,2-3 0,-2-4 0,4-3 0,2-2 0,-3-6 0,3 1 0,3-2 0,8 0 0,3-2 0,3 1 0,-10-4 0,2 0 0,2-1 0,-1-1 0,3-2 0,0-2 0,1-1 0,1-1 0,6 1 0,2-1 0,1-1 0,1-1 0,-13-2 0,1-1 0,0 0 0,0-1 0,2 1 0,3 0 0,1 0 0,1 0 0,0-1 0,0 0 0,1-1 0,2-1 0,0 0 0,-2 0 0,-2-1 0,-2 1 0,-1-1 0,-2-1 0,0 0 0,-1-1 0,0-1 0,-1-1 0,-3 1-1007,2 0 0,-4 1 0,3-2 1007,13 0 0,3-2 0,-3 0 0,-16 0 0,-2-1 0,6-1 0,7-1 0,8-2 0,3-1 0,0-1 0,-5-1-915,0 0 1,-5-2-1,1 0 1,4 0 914,-10 3 0,3 0 0,0 0 0,2 0 0,-1-1 0,-1 1 0,9-4 0,-1 1 0,0-1 0,0 0 0,-1 2-93,-1 2 0,0 1 0,-1 0 0,0 0 0,-2 1 93,-4-2 0,-1 1 0,-1 0 0,0 0 0,1 1 0,3 2 0,2 0 0,0 0 0,-3 1 0,-2 1 0,11-2 0,-5 1 0,1 0 0,-2-1 0,1 1 0,-2-1 0,-5 0 0,0-1 0,-4 0 0,6-3 0,-5-1 0,-7 2 0,-1-1 0,2 0 0,-2 0 511,-8 2 1,0 0-512,9 0 0,4-1 1162,6-3 1,1 0-1163,-11 4 0,1 0 0,20-4 0,-1 0 0,-22 2 0,-2 1 0,4 2 0,-2 0 2368,-7-5 0,-1-1-2368,2-2 0,-1-1 0,-2 1 0,-3-2 0,22-19 2486,-22 7-2486,-10 0 597,0-4-597,-7-9 0,-1-2 0,-8 0 0,-3-5 0,-6-6 0,-5-3-382,-1 8 0,-4-3 1,-2 0 381,-4-6 0,-4-1 0,-3 1 0,4 14 0,-2 0 0,-1 1 0,-1 0-782,-1-4 1,-2-1 0,-1 1-1,1 2 782,2 4 0,0 1 0,-1 1 0,0 0 0,-11-13 0,-1 1 0,3 4 0,-5-4 0,2 3 0,1 3 0,0 4 0,11 13 0,-1 2-927,-1-2 0,-2 1 927,1 2 0,-1 1-589,-4 1 1,-1 1 588,-9-6 0,-3 2 0,2 6 0,-3 1 0,-1-2 0,-3-1 0,-2 0 0,0 3 0,-1 1 0,-2-2 0,6 2 0,-2-1 0,0-1 0,-1 0 0,0 0 0,-1-1 0,0 0 0,0 0-961,2-1 0,-1-1 0,1 1 1,2 0 960,-8-3 0,2 2 0,1-1 0,5-2 0,0 0 0,-1 1-153,6 5 0,-3 0 1,1 1-1,3 0 153,-2-2 0,2 2 0,-2-2-87,-1 2 1,-3-1-1,-1 0 1,6 2 86,3 2 0,4 1 0,-2 0 81,-16-6 1,-2-2 0,2 3-82,11 5 0,2 2 0,-2 0 0,-13-3 0,-3 0 0,2 4 0,13 6 0,2 2 0,0 2 2068,-18-1 0,1 4-2068,21 4 0,-1 2 0,4 2 0,-8 5 0,4 2 1762,4 2 1,4 2-1763,7 3 0,3-1 0,-11 1 2864,0 7-2864,6-8 1116,8 0-1116,3-3 54,-5-3 0,17-7 0,-9 0 0</inkml:trace>
+  <inkml:trace contextRef="#ctx0" brushRef="#br0" timeOffset="135807.27">28590 11237 24575,'0'16'0,"0"1"0,0 20 0,-1-5 0,2 6 0,7 17 0,3 3 0,-6-7 0,3 1 0,9 10 0,2-3 0,-7-21 0,0-3 0,1-2 0,-1-3 0,4 13 0,-9-24 0,-1-30 0,17-38 0,-13 13 0,1-2 0,6-5 0,1 0 0,-5 6 0,-1 3 0,6-8 0,-4 15 0,-5 17 0,-1 4 0,-1 16 0,7 12 0,2 12 0,-3-3 0,1 4 0,3 1 0,0 1 0,1 9 0,0 0 0,-2-12 0,-2-2 0,7 20 0,-8-29 0,-5-6 0,4-5 0,-5-4 0,2-3 0,2-5 0,-3-3 0,4-11 0,2-3 0,0-19 0,17-14 0,-15 18 0,0-2 0,3-5 0,1 1 0,-3 2 0,-1 1 0,10-24 0,-10 24 0,-3 4 0,-6 17 0,3-13 0,4 1 0,3-9 0,4-1 0,0 1 0,-2 1 0,-8 15 0,-4 4 0</inkml:trace>
+  <inkml:trace contextRef="#ctx0" brushRef="#br0" timeOffset="136449.27">29567 11760 24575,'22'0'0,"18"0"0,25 0 0,-8-3 0,3 2-9831,-17-3 8341,-12 4 4308,0 0-2818,-21 0 429,-1 0 1,-5 0 0,-2 0 0</inkml:trace>
+  <inkml:trace contextRef="#ctx0" brushRef="#br0" timeOffset="137020.27">29709 11683 8191,'-2'-8'0,"32"3"5063,7 5-5063,22 0 0,-20 0 0,-3 0 0,-17 0 2818,6 0-2818,-7 0 0,-6 0 0,-2 0 0</inkml:trace>
+  <inkml:trace contextRef="#ctx0" brushRef="#br0" timeOffset="137604.27">28819 12233 8191,'37'0'0,"8"0"0,3 0 2223,-12 0 1,0 0-2224,24 0 0,-2 0 2890,9 0-2890,-32 0 0,0 0 0,22 0 0,-29 0 0</inkml:trace>
+  <inkml:trace contextRef="#ctx0" brushRef="#br0" timeOffset="138637.27">30392 10425 8191,'0'4'0,"-14"44"0,-7 21 1797,5-9 1,-1 6-1798,6-18 0,-2 7 0,1 2 0,0 1 0,2-6 0,-1 14 0,1-3 0,2-1 235,1 1 0,1-1 1,2-1-236,3-9 0,2-1 0,-1-5 0,0-2 0,0-3 904,0 6 1,0-1-905,0 18 0,0 1 0,0-9 2528,0-12 0,0 3-2528,0-10 0,0 0 696,0 12 0,0 2-696,1-2 0,2 0 1632,2 1 1,3-1-1633,5 0 0,2 2 0,0-6 0,1 1 0,0-3-79,4 3 0,0-2 79,0 5 0,-1-3-82,9 10 82,-11-24 0,7 18 0,-3-13 0,1-2 0,1 2 0,3 5 716,-2-3-716,2 10 21,0-1 0,-14-23 0,-2-6 1</inkml:trace>
+  <inkml:trace contextRef="#ctx0" brushRef="#br0" timeOffset="139849.27">31108 10474 24575,'0'56'0,"0"0"0,0 0 0,0-7 0,-1 1 0,1 2 0,1 2 0,0-3 0,1 1 0,0 2 0,1 2 0,0 0-1967,2 7 1,0 2 0,1 1 0,0 1 0,1-2 1668,1 1 0,0-1 0,0 0 0,1-1 0,0 1 341,0-2 1,0 0-1,0 0 1,1 0-1,-1 1-43,0 1 0,1 2 0,-1 0 0,0-2 0,-1-2 0,1 2 0,0-3 0,-2-1 0,0 1 0,0 3 0,-2 0 0,0-1 0,0-1 378,0-7 0,1-2 0,-1 0 0,-2-4-378,-2 4 0,-1-2 0,1-3 0,1 21 0,1-7 0,-2-23 0,-2-4 5394,-5 16-5394,-2-15 3281,-9-2-3281,6-18 917,1-2-917,5-9 0,4 1 0,-4-1 0,4-3 0,-1 0 0</inkml:trace>
+  <inkml:trace contextRef="#ctx0" brushRef="#br0" timeOffset="140799.27">28370 13897 24575,'24'31'0,"-2"1"0,15 12 0,-10-11 0,0 3 0,-3-11 0,-8-4 0,0 5 0,-7-11 0,-5 3 0,5-2 0,-2 9 0,7 0 0,-6 3 0,4-10 0,-7 3 0,5-3 0,-3 0 0,0-1 0,2-6 0,-5 0 0,4-1 0,-7-1 0,2-1 0,-3-2 0,0-3 0,0 0 0</inkml:trace>
+  <inkml:trace contextRef="#ctx0" brushRef="#br0" timeOffset="141690.27">28230 14508 24575,'27'-27'0,"21"-15"0,-26 16 0,0-2 0,9-8 0,0 0 0,6-18 0,-2 3 0,-15 23 0,-7 9 0,-4 9 0,-6 1 0,3 5 0,-6-1 0,6 2 0,9-9 0,0 1 0,13-11 0,-13 11 0,-3-2 0,-9 11 0</inkml:trace>
+  <inkml:trace contextRef="#ctx0" brushRef="#br0" timeOffset="142352.27">28220 14691 8191,'-2'3'0,"7"0"5063,27-3-5063,16 0 0,13 0 2818,-9 0-2818,-5 0 1719,-18 0-1719,7 0 6784,-12 0-6784,-9 0 0,2 0 0,-10 0 0,2 0 0,6 0 0,-9 0 0,6 0 0</inkml:trace>
+  <inkml:trace contextRef="#ctx0" brushRef="#br0" timeOffset="142950.27">28898 14310 24575,'17'0'0,"4"0"0,6 0 0,18 0 0,0 0 0,5 0 0,-9 0 0,-12 0 0,-11 0 0,-5 0 0,-8 0 0</inkml:trace>
+  <inkml:trace contextRef="#ctx0" brushRef="#br0" timeOffset="143586.27">28851 14208 24575,'40'0'0,"1"0"0,-3 0 0,1 0 0,22 0 0,-7 0 0,-16 0 0,-14 0 0,-4 0 0,-2 0 0,-1 0 0,-6 0 0,-5 0 0</inkml:trace>
+  <inkml:trace contextRef="#ctx0" brushRef="#br0" timeOffset="144350.27">28507 14191 24575,'18'-33'0,"5"7"0,3-1 0,10-24 0,-6 21 0,0 3 0,-4-1 0,15-14 0,-14 15 0,-1-3 0,-14 17 0,-5 3 0,2 1 0,-3-3 0,-3 8 0,0-1 0</inkml:trace>
+  <inkml:trace contextRef="#ctx0" brushRef="#br0" timeOffset="145002.27">29656 13610 24575,'0'52'0,"0"0"0,0 0 0,0 5 0,0 1 0,0 2 0,0 5 0,0 1 0,0 0-1649,0-1 0,0 0 0,0-5 1649,0 1 0,0-6 749,0-8 1,0-1-750,-1 5 0,7 2 0,11-9 0,9 2 0,0 1 0,1 8 0,1 2 0,6 2-258,-2-15 0,4 2 0,4 1 0,0-2 1,-2-2 257,3 2 0,1-3 0,-1-1 0,1 0 0,2 2 0,2 1 0,-2-2 0,-5-5 0,7 5 0,-5-6 0,-14-14 0,0 0 0</inkml:trace>
+  <inkml:trace contextRef="#ctx0" brushRef="#br0" timeOffset="146121.27">30047 13777 24575,'42'47'0,"-8"-12"0,-6 7 0,-4-13 0,3 9 0,1-2 0,1 4 0,-8-8 0,-5-14 0,-8-6 0,-2-12 0</inkml:trace>
+  <inkml:trace contextRef="#ctx0" brushRef="#br0" timeOffset="149369.27">30093 14033 8191,'0'-16'0,"16"-12"5063,-1-17-5063,16 1 0,-8-4 2818,6-3-2818,-13 21 0,-1-1 1719,14-26-1719,-7 11 6784,-5 15-6784,-4 8 0,-6 12 0,-1 3 0</inkml:trace>
+  <inkml:trace contextRef="#ctx0" brushRef="#br0" timeOffset="149986.27">30506 14154 24575,'9'-15'0,"3"-1"0,-1 2 0,-1 4 0,-7 8 0</inkml:trace>
+  <inkml:trace contextRef="#ctx0" brushRef="#br0" timeOffset="150516.27">30590 15038 24575,'0'0'0</inkml:trace>
+  <inkml:trace contextRef="#ctx0" brushRef="#br0" timeOffset="150919.27">30756 15626 8191,'3'3'0,"0"0"0</inkml:trace>
+  <inkml:trace contextRef="#ctx0" brushRef="#br0" timeOffset="151568.27">30912 16286 8191,'18'-3'0,"2"12"5063,23 16-5063,-2 10 0,-13-1 0,0 4 0,-4-7 0,-1 0 0,0 4 0,-1 0-1078,-2-2 1,-1-3 1077,12 7 2155,-3 6-2155,0-9 4537,-5-4-4537,-6-6 0,-1-7 0,-9-8 0,-4-5 0,0-2 0</inkml:trace>
+  <inkml:trace contextRef="#ctx0" brushRef="#br0" timeOffset="152318.27">31041 16819 24575,'28'-48'0,"-4"5"0,12-5 0,-19 15 0,6 2 0,0-2 0,-1-11 0,8-3 0,-14 3 0,-4 16 0,-8 1 0,2 4 0,1-8 0,-3 14 0,0-3 0</inkml:trace>
+  <inkml:trace contextRef="#ctx0" brushRef="#br0" timeOffset="153952.27">31570 16813 24575,'0'5'0,"0"4"0,0-3 0,0 2 0,0-2 0,0 0 0,0 0 0,0-1 0,0-12 0,0-31 0,4-10 0,3 8 0,1 1 0,6-4 0,8 2 0,1 31 0,-4 3 0,5 4 0,-3 3 0,-1 3 0,5 6 0,-5 5 0,-1 6 0,-12-4 0,2-4 0,-9-1 0,3-4 0,-1 1 0,2 4 0,-1-5 0,2 4 0,-4-2 0,5 3 0,-3 1 0,1 3 0,-1-7 0,-3-1 0,2-2 0,4 2 0,-2-4 0,1 1 0</inkml:trace>
+  <inkml:trace contextRef="#ctx0" brushRef="#br0" timeOffset="155320.27">30423 14183 24575,'26'-8'0,"-2"-1"0,8-1 0,-12 4 0,-9 6 0,12 3 0,3 10 0,3-1 0,-6 8 0,-9-7 0,-1-2 0,-3 1 0,0-5 0,-4 3 0,0-4 0,0 3 0,0 0 0,0 1 0,-2-1 0,1-1 0,-1 2 0,-1-3 0,0-1 0</inkml:trace>
+  <inkml:trace contextRef="#ctx0" brushRef="#br0" timeOffset="156884.27">30719 13432 24575,'38'49'0,"0"0"0,0 0 0,0 0 0,2 2 0,-1-1 0,1 2 0,2 3 0,-6-7 0,2 4 0,2 1 0,-1 1 0,0-1 0,-3-4-868,0 0 0,-1-3 1,-1-1-1,-1 0 0,0 1 868,6 10 0,-2 1 0,-1-2 0,-3-4 0,-5-6 0,-2-2 0,-2-2 0,7 17 0,-2-2 568,-3-4 1,-3-1-569,-2-2 0,-1 0 0,3 1 0,-2 1 0,-6 4 0,-2-2 375,2-9 1,-2-2-376,-3 5 0,-2-3 0,9 17 0,-5 5 0,0-13 2278,1 12-2278,-5-28 0,1 0 173,3 18-173,0-5 0,-4-18 0,0 0 0,-1-5 0,4 9 0,0-5 0,0 4 0,-1-8 0,-4-4 0,0-4 0,-2 3 0,2-4 0,-6 1 0,3-6 0,0-2 0,-2 1 0,1-5 0,1 6 0,1 3 0,3 8 0,3 8 0,1 13 0,-1-15 0,-3 3 0,-1-14 0,-3-3 0,1 1 0,2 1 0,-3 2 0,4 4 0,-1 2 0,1-3 0,0 3 0,-1-2 0,1 6 0,0-2 0,0 0 0,0-8 0,0 0 0,0-1 0,0 2 0,-3-9 0,-1-2 0</inkml:trace>
+  <inkml:trace contextRef="#ctx0" brushRef="#br0" timeOffset="167668.27">29301 7100 24575,'-37'-11'0,"0"-1"0,-16-9 0,-6-2 0,9 6 0,-4-1 0,-1 1-688,8 1 1,-2 1-1,0-1 1,0 3 687,-1 1 0,1 1 0,-1 1 0,2 2 0,-14-1 0,1 2 0,5 2 436,-1 1 1,3 3-437,-8 0 0,4 2 0,3-1 0,20-1 0,-3 2 0,-9 4 0,1 3 0,-14 7 0,19-1 0,-5 4 0,1 2 0,6 1 0,1 2 0,-1 2-206,-9 5 0,-2 2 1,0 1 205,7-3 0,-2 1 0,2 0 0,3-3 0,-14 10 0,3-2 0,7-2 0,-1 2 0,5-4 0,6-4 0,3-1 0,-8 4 0,-2 1-153,-1 3 0,1 0 153,13-9 0,0 2 0,-17 14 0,0 2 0,15-11 0,2 1 0,-9 14 0,2 2 660,10-12 1,2 0-661,-5 13 0,-1 1 0,3-1 0,2-3 0,3-7 0,1-2 0,2-1 0,2 1 0,1-5 0,0 0 1130,-5 20-1130,3-10 0,1 3 174,3-3 1,2 2-175,2 1 0,2 3 0,-1-3 0,0 4 0,1-1 0,3 1 0,1 2 0,1-3 0,1 0 0,2-1 0,3-4 0,2 1 0,1 1 0,2 0 0,1-1 0,2-2 0,12 17 0,5-3 0,1-3 0,2-4 0,-2-6 0,3-5 0,-1-5 0,1-3 0,-7-7 0,2-2-3392,2 0 0,1-3 3392,20 5 0,-14-9 0,4 0 0,5-3 0,8-1 0,-3-5 0,8 0 0,2-1 0,-4-1 0,4 1 0,-3 0 0,4-2-220,-11-1 1,4 0-1,2-1 1,-2-1 0,-4 0 219,13 0 0,-5-2 0,1 1 0,0 0 0,-1 0 0,2 0 0,-8 0 0,1 0 0,-1 0 0,-2 0 0,-1 0 0,-2 0 0,1 0 0,8 0 0,1 0 0,-4 0 0,-2 0 0,0 0 0,-1 0 0,4 0 0,0 0 0,1 0 0,0 0 0,0 0 0,1 1 0,-1-1 0,5-1 0,-9-1 0,4-2 0,1-1 0,-2 0 0,-4 0 0,7-1 0,-5 0 0,6-2 0,-2 0 0,7-2 0,2 0 0,-2 0 0,-8 1 0,-1 0 0,-6 1 0,1 0 0,14-4 0,2 0 0,-6 2 0,-7 4 0,-3 0 0,3-3 0,-1 1 0,-6 5 0,0 0 0,4-2 0,-2 0 0,-7 4 0,1 1 0,20-3 0,1 1 0,-12 2 0,1 0 0,-2 0 0,3 0 0,-5 0 0,-4 0 0,-2 0 0,4 1 0,-1-2 0,16-9 0,-8-10 0,-18 6 0,-1-5 548,0-13 1,-3-4-549,0 7 0,-2-1-175,-2-6 1,-2 0 174,12-19 0,-13 13 0,-2 2 3306,0 9 0,3-3-3306,5-14 0,2-3 0,1-3 0,1-2 0,-10 15 0,-1 0 0,-3 1 0,2-8 0,-3-1 0,-5 5 0,0-2 0,-3 2 0,0-4 0,-3-3 0,-2-1 0,-1-10 0,0 1 0,-3 8 0,0 2 0,-5-1-910,-6-5 0,-5-9 0,-3-1 0,0 11 910,-3 1 0,-4 5 0,-3-4 0,-4-3 0,1 4 0,-2 0 0,0 0 0,4 2 0,-2-4 0,1 0-479,-2 0 0,1-1 1,-1-3 478,5 7 0,0-2 0,0-1 0,0 1 0,1 2 0,1 1 0,0 0 0,0 3-62,-2-4 1,-1 3 0,-2 0 61,-5-3 0,-3 0 0,-2 6 0,-12 0 0,0 8 0,4 1 0,1 6 0,0 10 0,2 8 0,-7 4 0,8 2 0,0 0 0,-13 1-1339,17-1 1,1 2 1338,-7 4 503,-8-1 0,-7 0-503,4 2 0,-3 0 0,-1 0 0,-6 0 0,3 0-31,12 0 1,3 1-1,-3 2 31,-15 4 0,-2 3 0,7-1 0,10-3 0,3 2 0,5 3 0,-3 2 0,4-2 0,-1-3 0,4-2 0,-25 9 0,22-8 0,1-1 0,-3 3 0,-18 0 0,-4-1 0,31-3 0,-2-1 3204,-6 1 0,-4 0-3204,4 0 0,-3 2 0,1-1 0,-11 2 0,0-1 0,5 1 0,-3 0 0,6-1 115,7 0 0,2 0-115,-6 3 0,2 0 906,-14 4-906,-4 8 0,26-10 0,6 1 0,16-4 0,4 3 0,2-5 0,4 1 0</inkml:trace>
+  <inkml:trace contextRef="#ctx0" brushRef="#br0" timeOffset="202724.27">14024 4622 8191,'-9'0'0,"-20"0"4463,-19 0-4463,-7 0 2889,-12 0-2889,11 0 896,14 0 0,0 0-896,-13 0 6558,-3 0-6558,30 4 0,-3 12 0,0 4 0,-6 3 341,-5 9 0,-1 2-341,-9 6 0,10-4 0,-1 0 0,11-13 0,2-1 0,0 5 0,2-2 0,-3-3 0,16-1 0,-20 19 0,-2 12 0,16-21 0,-1 1 0,1 1 0,2-1 0,-1 8 0,0 4 0,9-15 0,-6 18 0,5-9 0,2-1 0,7-10 0,3-13 0,0 23 0,0 9 0,0 16 0,5-18 0,3 0 0,6 20 0,-2-31 0,2-2 0,6 5 0,-2-13 0,5 7 0,3-4 0,-1 1 0,3-4 0,-1-3 0,-5-5 0,9 6 0,-6-10 0,3 5 0,2 2 0,16 3 0,-14-6 0,-2-1 0,3 0 0,-7-6 0,15 2 0,10-5 0,-18-1 0,4-2 0,15-1 0,-1-2 0,-14 0 0,-1-1 0,4 0 0,-3 0 0,-5-3 0,3-4 0,-20 5 0,16-3 0,-21 1 0,9-4 0,15-11 0,-10 2 0,18-10 0,-20 8 0,14-18 0,-11 9 0,-2-6 0,-10 11 0,-5-1 0,4-15 0,1-5 0,-1-17 0,5 2 0,0-3 0,-7 16 0,0 0 0,5-12 0,0-1 0,-3 16 0,0 1 0,2-8 0,1 3 0,6-7 0,-1 5 0,-9 17 0,0 0 0,8-11 0,-4-11 0,-5 16 0,-7 19 0,-3-11 0,-7-3 0,-10-5 0,-4-4 0,7 13 0,-2 0 0,-13-14 0,-1 3 0,0 4 0,3 15 0,6 14 0,-7 9 0,-36 0 0,32 0 0,-18 0 0</inkml:trace>
+  <inkml:trace contextRef="#ctx0" brushRef="#br0" timeOffset="204139.27">14775 4416 8191,'-14'-1'0,"5"3"5063,-18 13-5063,6 0 2818,-2 13-2818,6-10 1719,8 2-1719,6-10 0,3 14 0,0-11 6784,0 19-6784,-6-11 0,5 10 0,-5-9 0,6-1 0,0-12 0,0-3 0,0 3 0,0-3 0,0 2 0,5 1 0,-1-5 0,5 4 0,2 0 0,-1 0 0,2 3 0,-6-5 0,-1-3 0,-1 5 0,-1-4 0,0 8 0,-1-3 0,5 11 0,3 5 0,0-1 0,0-1 0,-4-13 0,9 11 0,-6-12 0,15 12 0,-10-11 0,23 0 0,-13-4 0,10-3 0,-17-3 0,7 0 0,-3 0 0,8-9 0,0-17 0,-13 11 0,-2-10 0</inkml:trace>
+  <inkml:trace contextRef="#ctx0" brushRef="#br0" timeOffset="204835.27">14682 4874 24575,'58'-7'0,"1"-13"0,-1-5 0,-14-7 0,-6 7 0,-8 0 0,0 7 0,-3-2 0,-10 3 0,-8 9 0,-6-2 0</inkml:trace>
+  <inkml:trace contextRef="#ctx0" brushRef="#br0" timeOffset="205550.27">15087 4156 9682,'0'18'0,"12"4"2377,3 16 0,4 8-2377,8 4 0,2 2 0,0 2 0,1 0 176,-5-14 0,0 1 0,-3-5-176,11 17-1177,-1-1 1,-1-3 1176,-6-14 1633,-5 2 1,-1-2-1634,-4-19 50,-8 2 0,-5-14 1,-2 1-1</inkml:trace>
+  <inkml:trace contextRef="#ctx0" brushRef="#br0" timeOffset="206650.27">15434 4253 24575,'0'57'0,"4"-10"0,1-7 0,3 2 0,4-5 0,0-1 0,-2-3 0,0-2 0,14 23 0,-16-33 0,-2-6 0,-3-2 0,-3-2 0,3-2 0,3 8 0,1 0 0,4 5 0,-6-9 0,3 1 0,-7-7 0,1 1 0,1-5 0,-3 2 0,5-1 0,-4 1 0,1-2 0,-2 0 0</inkml:trace>
+  <inkml:trace contextRef="#ctx0" brushRef="#br0" timeOffset="209158.27">15174 4248 24575,'0'-22'0,"0"3"0,0-15 0,11 9 0,-5-3 0,11 9 0,11-9 0,-1 9 0,9-4 0,2 6 0,6 12 0,-7-1 0,19 6 0,-16 0 0,0 10 0,2 4 0,19 6 0,-27-5 0,-3 1 0,4 4 0,-20-9 0,7 8 0,-5-2 0,-4 2 0,-5-2 0,-8-7 0,0 8 0,0-7 0,0 5 0,-29 27 0,15-22 0,-27 27 0,26-33 0,-13 9 0,6-6 0,-14 8 0,17-9 0,-1-5 0,13-6 0,2-6 0,1 2 0,-1-1 0,2 1 0,0 1 0,0 0 0,6 5 0,21 6 0,5 0 0,4 2 0,-2-1 0,3 0 0,19 7 0,-2-1 0,0 3 0,2-6 0,-31-6 0,4-5 0,-7 3 0,12 0 0,-11-1 0,12 7 0,-7-2 0,0 2 0,-9-7 0,-8-5 0,-3-1 0</inkml:trace>
 </inkml:ink>
 </file>
 
@@ -392,96 +392,96 @@
   <inkml:trace contextRef="#ctx0" brushRef="#br0" timeOffset="206099">4875 5966 24575,'25'0'0,"9"0"0,0 0 0,2 0 0,-1 0 0,-18 0 0,-2 0 0,-9 0 0,-3 0 0,0 0 0</inkml:trace>
   <inkml:trace contextRef="#ctx0" brushRef="#br0" timeOffset="206720">4810 5908 24575,'24'0'0,"30"0"0,4-8 0,-13 2 0,0-1 0,-6-2 0,-1 0 0,-5 0 0,0 1 0,17-1 0,-28 6 0,-10 3 0</inkml:trace>
   <inkml:trace contextRef="#ctx0" brushRef="#br0" timeOffset="208250">4828 5692 24575,'13'0'0,"11"0"0,0 0 0,17 0 0,-12 0 0,27 0 0,-19 0 0,9 0 0,-23 0 0,-6 0 0,-4 0 0,-3 0 0,0 0 0,-2 0 0,-1 0 0,-2 0 0,-2 0 0</inkml:trace>
-  <inkml:trace contextRef="#ctx0" brushRef="#br0" timeOffset="215316">2121 425 24575,'0'58'0,"0"-16"0,0-3 0,0 0 0,0 2 0,0 7 0,0 4 0,0-15 0,0 1 0,0 16 0,0-1 0,0 9 0,0-24 0,0-21 0,0-16 0,0 1 0,0-7 0</inkml:trace>
-  <inkml:trace contextRef="#ctx0" brushRef="#br0" timeOffset="215965">1971 754 8191,'39'0'0,"23"-9"2491,-14 4 0,3 0-2491,5-4 0,-3-1 0,-17 5 0,-3 0 2828,23-3-2828,-30 8 432,-12 0 0,-5 0 1,-7 0-1</inkml:trace>
-  <inkml:trace contextRef="#ctx0" brushRef="#br0" timeOffset="216804">2683 698 24575,'0'54'0,"0"-10"0,0 18 0,0-27 0,0-3 0,0-12 0,0-6 0,0-9 0,0-16 0,0-11 0,0-10 0,4-24 0,8-1 0,2-4 0,2 15 0,1 17 0,-9 10 0,4 3 0,-3 7 0,-2 3 0,2 2 0,0 2 0,-2 2 0,2 0 0,0 0 0,3 0 0,-1 0 0,-2 0 0,-6 0 0</inkml:trace>
-  <inkml:trace contextRef="#ctx0" brushRef="#br0" timeOffset="218268">3064 709 8191,'-4'21'0,"0"-7"5063,4 4-5063,0-8 2818,0 9-2818,0-3 1719,0 0-1719,0 0 6784,0-3-6784,0-3 0,3 1 0,6-7 0,2 1 0,20-5 0,3 0 0,13 0 0,0-3 0,-9-10 0,-2-18 0,-17-2 0,-4-8 0,-12 9 0,-3-5 0,0 12 0,0-2 0,-3 11 0,-3 5 0,-7 1 0,-6 8 0,-1 2 0,0 0 0,7 0 0,0 0 0,3 0 0,-9 6 0,4-2 0,-5 9 0,1 9 0,4 0 0,1 11 0,8-7 0,6 1 0,0-4 0,6-3 0,1-7 0,6-7 0,0-3 0,4-3 0,1 0 0,10-10 0,-4-3 0,0-5 0,1-7 0,-10 7 0,5 1 0,-14 10 0,0 13 0,-3 5 0,0 8 0,4-3 0,2 0 0,1 3 0,8-3 0,3 4 0,-1-3 0,0-4 0,-1 0 0,-8-6 0,5 2 0,-7-3 0,-2-2 0,2-1 0,-3-3 0,0 0 0,2 0 0,-4 0 0,2 0 0</inkml:trace>
-  <inkml:trace contextRef="#ctx0" brushRef="#br0" timeOffset="218949">3709 729 24575,'0'23'0,"0"4"0,0 13 0,0-4 0,0-11 0,0-9 0,0-10 0,0-3 0</inkml:trace>
-  <inkml:trace contextRef="#ctx0" brushRef="#br0" timeOffset="219449">3709 594 24575,'0'0'0</inkml:trace>
-  <inkml:trace contextRef="#ctx0" brushRef="#br0" timeOffset="220882">3882 826 8191,'3'2'0,"-1"4"5063,-2 6-5063,0 1 2818,0 3-2818,0-15 1719,4-21-1719,-4 3 6784,7-19-6784,0 16 0,4-3 0,-1 6 0,0 1 0,2 6 0,-1-3 0,7 3 0,-2 1 0,4 5 0,-1 1 0,-2 3 0,-5 0 0,4 0 0,-9 0 0,5 0 0,-1 0 0,-6 3 0,6-2 0,-8 7 0,0-2 0,3 6 0,-5 4 0,4 0 0,-2 0 0,1-3 0,-2-5 0,1 1 0,-2-2 0,1 1 0,-2-2 0,3 3 0,-2-2 0,4 1 0,-4-2 0,1 0 0,1-3 0,-2 2 0,1-2 0,-2 3 0,0 0 0,0-3 0,0 0 0</inkml:trace>
-  <inkml:trace contextRef="#ctx0" brushRef="#br0" timeOffset="221949">4635 381 24575,'0'47'0,"0"0"0,0 18 0,0-18 0,0 0 0,0 17 0,0-7 0,0 2 0,0-25 0,0-7 0,0-17 0,0-1 0,0-3 0,0 0 0,0 0 0,0-1 0,0-2 0,0 0 0</inkml:trace>
-  <inkml:trace contextRef="#ctx0" brushRef="#br0" timeOffset="222551">4502 621 24575,'38'0'0,"5"0"0,-7 0 0,0 0 0,-18 0 0,9 0 0,-12 0 0,9 0 0,-8 0 0,4 0 0,-8 0 0,0 0 0</inkml:trace>
-  <inkml:trace contextRef="#ctx0" brushRef="#br0" timeOffset="223701">4896 727 24575,'5'0'0,"10"0"0,3 0 0,8 0 0,-6 0 0,-4 0 0,-4 0 0,-5 0 0,-6-3 0,-5 3 0,-15-6 0,-2 5 0,1-5 0,0 6 0,7-3 0,-1 3 0,1 0 0,-3 0 0,2 0 0,1 0 0,3 0 0,4 0 0,-3 0 0,0 5 0,-1-1 0,2 5 0,1-1 0,1 5 0,0 0 0,3 9 0,0-4 0,3 8 0,0 2 0,0-2 0,0-2 0,0 3 0,3-2 0,7 14 0,13 2 0,1-6 0,2-6 0,2-5 0,-9-11 0,5 3 0,-7-9 0,-3-1 0,-1 1 0,6-3 0,2-1 0,2-3 0,1-10 0,-14 8 0,0-8 0</inkml:trace>
-  <inkml:trace contextRef="#ctx0" brushRef="#br0" timeOffset="224701">5338 931 24575,'-32'0'0,"6"0"0,-1 0 0,16 9 0,6 5 0,12 3 0,7 3 0,15 5 0,-5-8 0,5 8 0,8-5 0,-13-5 0,16 5 0,-20-10 0,-1 0 0,-7-7 0,-6 5 0,0-1 0,-6 8 0,0-2 0,0 3 0,-7 2 0,-4-4 0,-4 4 0,-8 1 0,5-4 0,-5 4 0,7-12 0,-3-1 0,9-6 0,1 0 0,6 0 0</inkml:trace>
-  <inkml:trace contextRef="#ctx0" brushRef="#br0" timeOffset="225700">5679 671 8191,'0'8'0,"0"18"5063,0 15-5063,0 16 2818,0-29-2818,0 2 1719,0-16-1719,0 7 6784,0-2-6784,0 1 0,0 3 0,0-2 0,0 10 0,0-8 0,0 0 0,0-7 0,0-3 0,0-5 0,0-2 0,0 3 0,0-2 0,3 1 0,-2-2 0,1 0 0,1 0 0,-2 0 0,4 0 0,-4-3 0,1 0 0</inkml:trace>
-  <inkml:trace contextRef="#ctx0" brushRef="#br0" timeOffset="226584">5542 913 24575,'9'0'0,"19"0"0,-6 0 0,13 0 0,-10 0 0,-1 0 0,3 0 0,-4 0 0,-3 0 0,-10 0 0,-4 0 0</inkml:trace>
-  <inkml:trace contextRef="#ctx0" brushRef="#br0" timeOffset="227667">6595 783 24575,'-13'0'0,"3"0"0,-21 0 0,4 0 0,-2 0 0,6 0 0,11 0 0,3 0 0,0 0 0,3 0 0,0 6 0,0-2 0,2 5 0,2-3 0,2 0 0,0 6 0,0-2 0,0 5 0,0-3 0,2-2 0,5-4 0,7 0 0,0-6 0,3 4 0,-4-4 0,10 3 0,-10-3 0,9 6 0,-10 1 0,2 2 0,1 7 0,-5 0 0,-4 7 0,-3 0 0,-3-6 0,0 2 0,0-7 0,-6 0 0,2 0 0,-9-6 0,-7 7 0,4-5 0,-7 5 0,0-6 0,1 0 0,0-3 0,4-1 0,8-3 0,3 0 0,2 0 0</inkml:trace>
-  <inkml:trace contextRef="#ctx0" brushRef="#br0" timeOffset="229184">6959 888 24575,'0'45'0,"0"13"0,0 2 0,0 0 0,0-15 0,0-17 0,0-12 0,0-4 0,0-5 0,0-20 0,0 1 0,0-23 0,0 7 0,0 1 0,0 0 0,0 5 0,0 4 0,0-5 0,5 8 0,2-3 0,2 8 0,2 2 0,-1 2 0,2-1 0,-2 4 0,8-3 0,-6 5 0,7-2 0,-6 3 0,-3 0 0,3 0 0,-6 0 0,5 0 0,-2 0 0,2 0 0,-2 0 0,-4 5 0,-4-1 0,-2 4 0,0 2 0,-3 0 0,-3 3 0,-5 0 0,-6 1 0,-7 6 0,-2-5 0,-4 5 0,9-10 0,2-3 0,7-4 0,3-3 0,0 0 0,6 0 0,0 0 0</inkml:trace>
-  <inkml:trace contextRef="#ctx0" brushRef="#br0" timeOffset="230451">7310 668 8191,'0'20'0,"0"-10"5063,0 54-5063,0-11 1409,0-13 0,0 1-1409,0 25 1719,0-16-1719,0-25 6784,0-10-6784,5-12 0,8 0 0,7-3 0,10 0 0,2-3 0,-7-1 0,-2-5 0,-10-2 0,1-6 0,3-7 0,-2 0 0,2-10 0,-3 9 0,-1 1 0,-3 8 0,-2 10 0,-2 3 0,5 12 0,-3 3 0,4 5 0,-5 13 0,3 0 0,-2 10 0,-1-8 0,-1-9 0,-5-10 0,2-5 0,-1-4 0,1-2 0,3-2 0,0 0 0,-1 0 0,1-2 0,-2 1 0,-2-1 0</inkml:trace>
-  <inkml:trace contextRef="#ctx0" brushRef="#br0" timeOffset="231032">7652 749 24575,'0'0'0</inkml:trace>
-  <inkml:trace contextRef="#ctx0" brushRef="#br0" timeOffset="231767">7794 685 24575,'0'13'0,"0"2"0,0 35 0,0-2 0,0-12 0,0 1 0,0 14 0,0-11 0,0-19 0,0-9 0,0-4 0,0-1 0,0 1 0,0-5 0,0 0 0</inkml:trace>
-  <inkml:trace contextRef="#ctx0" brushRef="#br0" timeOffset="232918">7747 908 24575,'22'0'0,"-8"0"0,1 0 0,-9 0 0,0 0 0,-3 0 0,0 0 0</inkml:trace>
-  <inkml:trace contextRef="#ctx0" brushRef="#br0" timeOffset="234617">8287 951 24575,'47'0'0,"0"0"0,-7 0 0,3 0 0,3 1 0,6-1 0,-3-1 0,3-2 0,-1-1 0,11-1 0,-2-1 0,-10-4 0,-2-1 0,-1-1 0,-2 1 0,-8 1 0,-1 1 0,20-7 0,-4 5 0,-17 2 0,11 2 0,-14-4 0,-5 9 0,-1-4 0,6 3 0,2 2 0,6-2 0,-5 3 0,-8-3 0,-7 2 0,-2-4 0,-4 4 0,-2-1 0,-2 2 0,-4 0 0,0-3 0,0 2 0,0-2 0,0 3 0,2-2 0,-1-1 0,4-3 0,-5 2 0,0-1 0,-1 4 0,-4-4 0,-13 5 0,-30-7 0,-16 6 0,18-3 0,0 0 0,-17 0 0,11 0 0,23 1 0,15 3 0,24-4 0,19 3 0,20-6 0,8 2 0,-12 1 0,-7-3 0,-20 7 0,-8-3 0,-7 3 0,-3 0 0,0 0 0,-1 0 0,-1 5 0,-2 8 0,-5 1 0,-1 9 0,-9 1 0,1-5 0,-1 8 0,3-13 0,0 9 0,3-5 0,-3 1 0,7-4 0,0-5 0,3-2 0,0-2 0,0-3 0,0 0 0</inkml:trace>
-  <inkml:trace contextRef="#ctx0" brushRef="#br0" timeOffset="236218">10260 433 24575,'29'53'0,"1"-1"0,-4-6 0,0-1 0,6 8 0,0-2 0,-4-9 0,-3-2 0,-4-3 0,-3-2 0,11 14 0,-15-21 0,-4-11 0,-6-6 0,2-2 0,-3-6 0,-3 3 0,6-3 0,-3 0 0,3 3 0,0-3 0,3 6 0,0 0 0,0-2 0,-3-2 0,-3-5 0</inkml:trace>
-  <inkml:trace contextRef="#ctx0" brushRef="#br0" timeOffset="236983">10266 991 24575,'23'-45'0,"-1"-1"0,9-10 0,2-2 0,-8 18 0,2 0 0,-1 1-2211,11-14 0,-3 3 2211,-10 12 0,-2 5 0,9-8 1356,-11 6-1356,-4 14 180,-10 6 0,-3 11 0,-3 2 1</inkml:trace>
-  <inkml:trace contextRef="#ctx0" brushRef="#br0" timeOffset="237701">10775 909 8191,'0'8'0,"0"6"5063,0-1-5063,0 27 2818,7-4-2818,0-3 0,2 2 0,16 25 0,0-9 1719,-2-11-1719,-9-18 0,0-4 0,0-1 6784,-4-3-6784,0-4 0,-7-4 0,0-3 0</inkml:trace>
-  <inkml:trace contextRef="#ctx0" brushRef="#br0" timeOffset="238366">11099 634 24575,'27'15'0,"6"22"0,-13-21 0,3 10 0,0 2 0,-2 1 0,14 10 0,-22-22 0,-7-8 0,-3-9 0</inkml:trace>
-  <inkml:trace contextRef="#ctx0" brushRef="#br0" timeOffset="239218">11449 677 24575,'0'34'0,"0"9"0,-3 7 0,2-7 0,-2-9 0,3-13 0,0-3 0,0-4 0,0-4 0,0 5 0,0 2 0,0 5 0,0-4 0,0-2 0,0 6 0,0-6 0,0 2 0,0-8 0</inkml:trace>
-  <inkml:trace contextRef="#ctx0" brushRef="#br0" timeOffset="241799">8412 1150 24575,'22'0'0,"8"0"0,7 0 0,26-1 0,5 2-2375,-22 0 1,-1 1 0,2 0 2374,10 0 0,3-1 0,-4 3 0,3 6 0,1 2 0,1-1 0,5 2 0,-5-1 0,2 4 0,-2 0 443,-9-3 1,3-1-1,-2 1-443,-7-1 0,-2 1 0,1-1 0,3-1 0,0 1 0,3 0-40,-1 0 1,2 1 0,3 0-1,-1 0 40,3 0 0,0 0 0,1 0 0,0 0 0,2 0 0,2 0 0,-2 0 0,-4-1-880,-3-1 0,-4 0 0,2-1 880,9 1 0,2-1 0,-6-3 0,-3-1 0,-1-1 296,-9-2 1,3-1 0,-2 1-297,18 2 0,-2-1-71,-9-3 0,-2-2 71,-4 1 0,0 0 0,9 0 0,1 0-322,-3 2 1,2 1 321,8 0 0,4 1 0,-8 1 0,4 1 0,-1 1 461,-2-1 0,1 0 1,3 0-462,-12-1 0,3 0 0,1 0 0,1 0 0,-4-1 0,2 0 0,-2-1 0,0 0 0,0 0 0,6 0 0,2 1 0,-1-2 0,-4 0 0,-1-1 0,-3-1 0,-1-1 0,0 2 0,0-1 0,-4-1 0,0-2 0,-3-2 825,9-3 1,-4-2-826,5-9 0,-22 7 0,0-1 721,28-16-721,-29 14 0,2-2 1239,2-5 0,1-2-1239,-2 5 0,-2 0 0,12-17 1743,-7 13-1743,-11-5 509,-6 11-509,1-6 0,-7 10 0,-3 3 0,0-3 0,-2 4 0,2-4 0,-3-3 0,-2 0 0,-5-3 0,0-4 0,0 3 0,0 0 0,0 7 0,0 3 0,0 4 0,-3 0 0,0-3 0,0 0 0,0-4 0,0 1 0,3 0 0,-6-4 0,6-3 0,-3-5 0,3 7 0,0 1 0,0 10 0,0 0 0,0 0 0,-3 3 0,-6 0 0,-5 3 0,-10 24 0,-7 11 0,13-5 0,-1 1 0,-17 25 0,8-12-6784,7-12 6784,6-14 0,5-1 0,-3-4 0,-1 4 0,3-7 0,-1 3 0,6-5 6784,0-4-6784,3-9 0,6-14 0,9-2 0,2-6 0,9 7 0,-9 2 0,9-5 0,2-2 0,-5 5 0,8-5 0,-11 9 0,3 1 0,-3 0 0,-2 5 0,-6 4 0,0 3 0,-3 3 0,2 0 0,-1 0 0,7 0 0,-6 0 0,7 3 0,1 7 0,4 4 0,4 6 0,-2-1 0,-8-5 0,-2-2 0,-9-9 0,0 0 0</inkml:trace>
-  <inkml:trace contextRef="#ctx0" brushRef="#br0" timeOffset="243484">11417 679 8191,'3'2'0,"0"20"5063,-3 22-5063,0-10 0,0 2 0,-2 5 0,0-1 0,-3 21 2818,-3-5-2818,0-28 1719,-3 12-1719,3-5 6784,-6 10-6784,6-10 0,1-14 0,1-2 0,5-10 0,-2 1 0,3-1 0,-2 0 0,1-3 0,-4 3 0,4-18 0,-1-17 0,6-16 0,9-14 0,2 6 0,8-10 0,-10 23 0,0-2 0,-1 1 0,0 0 0,1-2 0,-1 3 0,3-8 0,-7 18 0,-3 17 0,-4 1 0,2 3 0,-1 3 0,-1-9 0,1 10 0,-2-7 0</inkml:trace>
-  <inkml:trace contextRef="#ctx0" brushRef="#br0" timeOffset="244851">14022 440 24575,'19'18'0,"-1"4"0,22 24 0,-1 5 0,-11-12 0,1 2 0,-3-2 0,0 0 0,-1 3 0,-1 0 0,-3-4 0,-3-2 0,2 9 0,-3-8 0,-12-24 0,-1-7 0,-2-3 0</inkml:trace>
-  <inkml:trace contextRef="#ctx0" brushRef="#br0" timeOffset="245851">14047 1033 24575,'0'-9'0,"3"-14"0,6-7 0,3-3 0,20-23 0,-1 4 0,-6 18 0,0 0 0,8-21 0,-3 19 0,-19 16 0,-2 8 0,-6 5 0,6-2 0,-5 3 0,7-9 0,-4 4 0,2-11 0,3 5 0,-1-14 0,-4 7 0,-1 2 0,-6 12 0</inkml:trace>
-  <inkml:trace contextRef="#ctx0" brushRef="#br0" timeOffset="246632">14475 185 24575,'0'31'0,"0"1"0,0 2 0,0-7 0,0-11 0,0-9 0,0-1 0</inkml:trace>
-  <inkml:trace contextRef="#ctx0" brushRef="#br0" timeOffset="247450">14834 942 24575,'0'55'0,"0"-20"0,0 12 0,0-29 0,0-1 0,0-7 0,0-1 0,0-6 0,0 0 0</inkml:trace>
-  <inkml:trace contextRef="#ctx0" brushRef="#br0" timeOffset="248182">15140 717 10710,'5'-3'0,"14"12"5025,2 5-5025,12 10 2412,-9 6-2412,6-5 0,-1 10 0,0-12 1387,0 4-1387,4 0 0,-12-7 0,1-1 0,-16-13 0</inkml:trace>
-  <inkml:trace contextRef="#ctx0" brushRef="#br0" timeOffset="248950">15502 797 8191,'0'15'0,"-9"31"5063,-1 14-5063,-2-16 0,-2 2 1409,-2-2 0,0 0-1409,-1 1 0,2 0 859,-1-3 1,1-2-860,-5 20 0,9-20 0,3-16 1696,5-5 0,3-11 0,0-3 0</inkml:trace>
-  <inkml:trace contextRef="#ctx0" brushRef="#br0" timeOffset="249949">15650 232 24575,'0'49'0,"0"-6"0,0 0 0,0 15 0,0-21 0,0-3 0,0-7 0,0-2 0,0 7 0,0 7 0,3-9 0,-2-8 0,3-12 0</inkml:trace>
-  <inkml:trace contextRef="#ctx0" brushRef="#br0" timeOffset="254154">5682 5898 24575,'39'0'0,"5"0"0,-19 0 0,-1 0 0</inkml:trace>
-  <inkml:trace contextRef="#ctx0" brushRef="#br0" timeOffset="254622">6620 5880 8191,'6'0'0,"26"0"5063,17 0-5063,-16 0 0,0 0 0,28 0 0,-30 0 0,-17 0 0</inkml:trace>
-  <inkml:trace contextRef="#ctx0" brushRef="#br0" timeOffset="255121">7506 5842 24575,'29'0'0,"4"0"0,-22 0 0,8 0 0,-12 0 0,-3 0 0,4 0 0,-3 0 0,2 0 0,-1 0 0</inkml:trace>
-  <inkml:trace contextRef="#ctx0" brushRef="#br0" timeOffset="257469">8948 5242 24575,'-21'27'0,"-13"9"0,0 9 0,-4-2 0,6-4 0,13-12 0,4-5 0,4-4 0,1 3 0,3-10 0,3 2 0,1-7 0,3 6 0,0-2 0,0 8 0,0-2 0,0-2 0,0 0 0,0-7 0,0 1 0,0 1 0,0-2 0,0 4 0,0-5 0,0 3 0,0-3 0,0 2 0,0 4 0,3 1 0,-2-2 0,1 1 0,-2-2 0,3 0 0,-2-1 0,1 0 0,1 0 0,1 5 0,5 7 0,1-3 0,2 7 0,-2-8 0,3-1 0,3 3 0,-4-4 0,6 4 0,-5-3 0,-2-5 0,4 4 0,-8-8 0,1 1 0,-1 1 0,-2-2 0,-1-1 0,-2-4 0</inkml:trace>
-  <inkml:trace contextRef="#ctx0" brushRef="#br0" timeOffset="258438">9107 5497 8191,'0'13'0,"0"22"5063,0 15-5063,0-17 0,0 1 2818,0 25-2818,0-12 0,0-6 1719,0-21-1719,0-7 6784,0-4-6784,0-3 0,0 0 0,0-1 0,5-1 0,-1-2 0,5 1 0,3-3 0,-8 3 0,5-3 0</inkml:trace>
-  <inkml:trace contextRef="#ctx0" brushRef="#br0" timeOffset="259502">9419 5736 8191,'0'15'0,"0"2"5063,0 24-5063,0-7 2818,0-5-2818,0-9 1719,0-17-1719,0-4 6784,0-10-6784,3-6 0,1 0 0,2-3 0,1 7 0,3-7 0,-1 6 0,7-8 0,-3 9 0,9-1 0,-1 2 0,3 4 0,0 2 0,-2-1 0,0 6 0,0-5 0,6 2 0,-3-3 0,-1 1 0,-8 2 0,-10 1 0,-4 3 0</inkml:trace>
-  <inkml:trace contextRef="#ctx0" brushRef="#br0" timeOffset="260116">9827 5946 24575,'0'0'0</inkml:trace>
-  <inkml:trace contextRef="#ctx0" brushRef="#br0" timeOffset="260916">10140 5742 24575,'0'34'0,"0"0"0,0 19 0,0-19 0,0-1 0,0 11 0,0 14 0,0-13 0,0-6 0,0-16 0,0-14 0,0-6 0,0-1 0</inkml:trace>
-  <inkml:trace contextRef="#ctx0" brushRef="#br0" timeOffset="261832">10140 5722 24575,'0'-12'0,"30"-9"0,-7 2 0,27 2 0,-15 10 0,0 7 0,-7 0 0,-8 0 0,-8 0 0,-6 0 0,0 0 0,0 0 0,-2 6 0,-2-2 0,-2 4 0,0-2 0,0 6 0,0-4 0,0 7 0,0 1 0,-12 2 0,-1 2 0,-7-3 0,-1-6 0,7 2 0,-7-5 0,-3 4 0,4-4 0,-7-1 0,7-1 0,-1-5 0,1 4 0,10-4 0,5 2 0</inkml:trace>
-  <inkml:trace contextRef="#ctx0" brushRef="#br0" timeOffset="262953">10447 5680 8191,'-3'5'0,"1"-1"5063,2 7-5063,0 6 2818,0-2-2818,0 5 0,0-10 1719,0 2-1719,0-5 6784,0 5-6784,0-5 0,0 1 0,0-2 0,0-5 0,2-8 0,5-12 0,0 1 0,-1-4 0,2 6 0,-1-1 0,3 1 0,2 0 0,-5 7 0,1 0 0,1 3 0,-2 2 0,1-1 0,1 1 0,1 1 0,5-3 0,-4 6 0,4-3 0,-2 3 0,1 0 0,-4 0 0,-4 0 0</inkml:trace>
-  <inkml:trace contextRef="#ctx0" brushRef="#br0" timeOffset="264202">10753 5715 24575,'18'0'0,"6"0"0,-6 0 0,3 0 0,-12 0 0,3-6 0,-4-7 0,2-11 0,-6 3 0,-1-9 0,-3 15 0,0-10 0,0 10 0,0 1 0,0 1 0,0 6 0,0-2 0,-6 0 0,2 5 0,-5-1 0,3 5 0,0 0 0,-4 0 0,4 0 0,-6 0 0,-1 0 0,2 0 0,-4 0 0,2 5 0,2 3 0,-1 5 0,5-3 0,-3 8 0,3 0 0,-6 12 0,9 2 0,-6 7 0,9-3 0,-2-7 0,3 0 0,0-14 0,0 1 0,0-1 0,0-5 0,3 9 0,6-6 0,4 3 0,7-4 0,-1 1 0,3-3 0,-4-4 0,5 0 0,-9-5 0,-3 2 0,-5-3 0</inkml:trace>
-  <inkml:trace contextRef="#ctx0" brushRef="#br0" timeOffset="266352">11055 5741 24575,'0'9'0,"0"3"0,0 2 0,0-2 0,0-3 0,5-4 0,8-1 0,7-2 0,5-2 0,-5 0 0,1 0 0,-1 0 0,1-8 0,-3-4 0,-3-18 0,-10 2 0,1-13 0,-6 8 0,0-17 0,-11 4 0,-7-1 0,-17 12 0,-1 21 0,6 8 0,7 6 0,4 0 0,4 0 0,-4 0 0,8 2 0,-1 5 0,5 3 0,-7 7 0,7-3 0,-7 10 0,7 0 0,0 4 0,4-1 0,3-2 0,0-4 0,0-5 0,0-4 0,3-6 0,3 0 0,17 1 0,-7-4 0,14 0 0,-6-3 0,9-17 0,5-8 0,0-21 0,-14 6 0,-3 3 0,-10 0 0,1 13 0,-5-4 0,-4 8 0,-3 9 0,0-10 0,0 10 0,0-11 0,0 12 0,0-2 0,0 6 0,0 0 0,0 0 0,0 0 0,0 1 0,0-1 0,0 0 0,0 0 0,0 0 0,0-3 0,0 2 0,0-8 0,0 7 0,0-4 0,0 3 0,0 2 0,0 6 0,0 19 0,0 16 0,0 1 0,0 1 0,0-14 0,0 6 0,0-9 0,0 4 0,0-4 0,3-5 0,-2 8 0,7-6 0,-7 1 0,8-4 0,-2 9 0,0-9 0,6 20 0,-6-18 0,3 8 0,0-3 0,0-3 0,-3 2 0,1-4 0,-7-5 0,2-1 0,-1-1 0,-1-1 0,2 1 0,-3-2 0,0 0 0,0 0 0,2-3 0,1 0 0,6-1 0,-3-1 0,0 1 0,-3-2 0</inkml:trace>
-  <inkml:trace contextRef="#ctx0" brushRef="#br0" timeOffset="267035">11655 5623 24575,'0'37'0,"0"-8"0,0 31 0,0-27 0,0 11 0,0-26 0,0-5 0,0-10 0</inkml:trace>
-  <inkml:trace contextRef="#ctx0" brushRef="#br0" timeOffset="267582">11683 5579 24575,'0'0'0</inkml:trace>
-  <inkml:trace contextRef="#ctx0" brushRef="#br0" timeOffset="268535">12144 5591 24575,'-21'0'0,"-11"0"0,-8 0 0,-1 0 0,12 0 0,13 0 0,10 11 0,3 13 0,3 8 0,0 9 0,0-15 0,0-6 0,0-5 0,3-8 0,0 9 0,3-10 0,7 7 0,-3-9 0,6 4 0,8-4 0,-5 0 0,5-1 0,3 1 0,-2-4 0,3 4 0,-1-4 0,-14 0 0,2 0 0,-8 0 0,2-6 0,2-20 0,-7 15 0,3-13 0</inkml:trace>
-  <inkml:trace contextRef="#ctx0" brushRef="#br0" timeOffset="269265">12343 5205 24575,'0'32'0,"0"1"0,0 5 0,1 14 0,3 5 0,1 4 0,3 3 0,3-5 0,2 3 0,1-5-1606,2-2 1,2-3 1605,3 9 0,-1-5 0,8-2 1010,-14-17-1010,1-9 527,-8-8-527,0-4 0,-4-9 0,0-3 0,-3-2 0,0-5 0</inkml:trace>
-  <inkml:trace contextRef="#ctx0" brushRef="#br0" timeOffset="270152">12236 5618 24575,'37'-3'0,"-7"2"0,-1-2 0,-13 3 0,-4 0 0,-5 0 0,8 0 0,-2 0 0,4 0 0,-7 0 0,-4 0 0</inkml:trace>
-  <inkml:trace contextRef="#ctx0" brushRef="#br0" timeOffset="270849">11611 5495 24575,'0'0'0</inkml:trace>
-  <inkml:trace contextRef="#ctx0" brushRef="#br0" timeOffset="271768">12769 5181 24575,'0'30'0,"0"2"0,0 3 0,0 2 0,0 2 0,0 10 0,0 0 0,0-12 0,0-3 0,0 28 0,0-22 0,0-4 0,0-18 0,0 13 0,0-8 0,0 9 0,6-12 0,-2-2 0,11-4 0,-1 2 0,6-9 0,-3 1 0,-6-7 0,-5 2 0</inkml:trace>
-  <inkml:trace contextRef="#ctx0" brushRef="#br0" timeOffset="272649">13018 5454 8191,'2'0'0,"19"26"5063,8 4-5063,10 23 2818,-2-6-2818,-14-13 1719,-6-6-1719,-6-7 6784,-5-10-6784,0 2 0,3-1 0,-4-5 0,6 9 0,-3-4 0,5 8 0,3 0 0,-5 6 0,1-12 0,-6 2 0,3-8 0,-5-1 0,1 2 0,-2-6 0,-2 2 0,2-4 0,-3 1 0</inkml:trace>
-  <inkml:trace contextRef="#ctx0" brushRef="#br0" timeOffset="273548">13040 5907 24575,'27'-21'0,"3"-3"0,-14 5 0,10-7 0,4-4 0,-8 5 0,6-7 0,-14 12 0,3-4 0,-5 4 0,-1 6 0,4-4 0,-10 7 0,9-5 0,-6 0 0,2-1 0,2 3 0,-6 2 0,3 9 0,-6-2 0,0 4 0,-3-2 0</inkml:trace>
-  <inkml:trace contextRef="#ctx0" brushRef="#br0" timeOffset="274198">13517 5263 24575,'0'34'0,"0"-7"0,0 10 0,0 0 0,0 21 0,0-16 0,7 8 0,-2-31 0,2-4 0,-4-9 0</inkml:trace>
-  <inkml:trace contextRef="#ctx0" brushRef="#br0" timeOffset="274865">13729 5929 24575,'0'29'0,"0"-2"0,0 3 0,0-12 0,0-5 0,0-11 0</inkml:trace>
-  <inkml:trace contextRef="#ctx0" brushRef="#br0" timeOffset="275669">13958 5789 24575,'25'0'0,"-1"3"0,2 1 0,-7 5 0,-6-5 0,-4 1 0,-4-5 0,1 0 0,0 0 0,0 0 0,2 0 0,-4 0 0,2 0 0</inkml:trace>
-  <inkml:trace contextRef="#ctx0" brushRef="#br0" timeOffset="276702">14134 5732 24575,'0'66'0,"0"-30"0,0 1 0,0 1 0,0-1 0,0-1 0,0-1 0,0 19 0,0-21 0,0-13 0,0-11 0,0-4 0,0-2 0,0 0 0</inkml:trace>
-  <inkml:trace contextRef="#ctx0" brushRef="#br0" timeOffset="277581">14272 5199 24575,'0'27'0,"0"3"0,0-12 0,0-2 0,0-4 0,0-3 0,0 8 0,0 4 0,0 3 0,0-8 0,0-6 0,0-8 0</inkml:trace>
-  <inkml:trace contextRef="#ctx0" brushRef="#br0" timeOffset="279084">14598 5145 24575,'4'26'0,"-3"-1"0,5-6 0,-6 7 0,6-4 0,-5 16 0,2-5 0,-3 4 0,0-12 0,0 5 0,0-10 0,0 11 0,0-9 0,0 9 0,0-8 0,3-3 0,-3 0 0,3-12 0,-3 8 0,0-6 0,0 9 0,0 6 0,0 6 0,0 4 0,0-3 0,0-11 0,0-3 0,0-11 0,0 2 0,0-3 0,0 0 0,0 0 0,0 0 0,-3 3 0,3-2 0,-3 4 0,3-4 0,-3-1 0,3-1 0,-3-2 0,3 3 0,0 2 0,0-1 0,0 1 0,-6-1 0,4 8 0,-4-7 0,6 11 0,0-6 0,-2 0 0,1 2 0,-2 11 0,3-10 0,0 5 0,0-15 0</inkml:trace>
-  <inkml:trace contextRef="#ctx0" brushRef="#br0" timeOffset="281098">13603 5190 8191,'-3'3'0,"1"0"5063,2 12-5063,0 6 2818,0 15-2818,0-2 1719,0-1-1719,0-6 6784,0-6-6784,0 1 0,0 10 0,0 3 0,0-2 0,3 4 0,-2-12 0,2-4 0,-3-3 0,0-8 0,0 4 0,0 5 0,0-8 0,0 8 0,0-9 0,0 6 0,0 4 0,0 3 0,0 4 0,0-1 0,0-2 0,-3 1 0,0-10 0,-1 3 0,1-8 0,0 0 0,3 3 0,-6-7 0,3 7 0,-4 0 0,1 3 0,2 1 0,-1-2 0,-2 5 0,0-3 0,-6 9 0,6-9 0,0 2 0,4-9 0,1-1 0,1-3 0,-2 0 0,3 0 0,-2-3 0,1 3 0,-2-3 0,3 3 0,0-3 0,0 0 0</inkml:trace>
-  <inkml:trace contextRef="#ctx0" brushRef="#br0" timeOffset="282067">13376 5231 24575,'0'12'0,"0"-1"0,0-1 0,0 2 0,0 3 0,0 3 0,0-4 0,0 1 0,0-6 0,0-1 0,0 1 0,0-5 0,0 1 0</inkml:trace>
-  <inkml:trace contextRef="#ctx0" brushRef="#br0" timeOffset="284265">2046 6232 8191,'21'3'0,"33"0"1164,-13-3 1,8 0-1,4 0-1164,3 0 0,4 0 0,4 0 0,2 0 0,-13 1 0,3 0 0,1 0 0,1 0 0,-2 0 0,-3 0-7,11 1 0,-3-1 1,-1 0-1,2 1 7,6 1 0,3-1 0,-4 2 0,-10 1 0,-5 3 0,-5-1 427,-2-4 0,2-1 1,-3 2-428,4 5 0,-1 1 2079,18-7 1,3-1-2080,-6 3 0,1 0 0,-19-3 0,1-1 0,0 0 0,1-1 0,0 0 0,-2 0 0,7 0 0,-2 0 640,-7 0 1,-1 0-641,25 0 0,-33 0 4073,-13 0-4073,-8 3 1779,-5-3-1779,2 3 0,-3-3 0,0 3 344,0-2-344,-57 1 0,11-1 0,-7-1 0,-4-1 0,2 1 0,-4 0 0,-2 0 0,-2 0-530,-2 0 0,-4 1 1,-1-1-1,1 0 1,5-1 529,3 0 0,3 0 0,2 0 0,-1 0 0,-16 0 0,0 2 0,5-3 0,-1-3 0,4 0 0,3 4 0,-2 0-126,6-2 0,-4-1 0,3 0 126,-12 1 0,4 1 0,5-1 0,4 0 0,15 0 0,2 1 0,-27 2 0,-4 0 0,23 0 0,-1 0 0,-2 0 0,2 0 0,-20 0-4048,-1 0 4048,32 0 290,1 0-290,1 0 0,2 0 0,2 0 0,3 0 0,10 0 6784,-4 0-6784,7 0 0,-4 0 0,9 0 0,3 0 0</inkml:trace>
-  <inkml:trace contextRef="#ctx0" brushRef="#br0" timeOffset="285969">1506 6313 24575,'0'18'0,"-8"20"0,-7 16 0,1 4 0,5-7 0,2 3 0,0 2 0,-1 3-1243,-2 1 0,0 2 1,-1 2-1,2 2 0,1 0 1243,2-6 0,1 3 0,1 0 0,1 0 0,0-2 0,0-2 0,1-3 0,1-3 0,0-1 0,1 0 0,-1 2 0,1 6 0,0 3 0,0 0 0,0-4 0,0-5 0,0 0 0,-1-5 0,2 1 0,3 10 0,2 1 0,1-11 1450,4 9-1450,1-19 0,2-2 1075,10 9-1075,4 0 0,-9-19 0,2 0 0,2 1 0,2-1 1663,11 4 1,2-1-1664,0 1 0,2-1 0,6 0 0,1-3 0,-7-6 0,-1-3-647,0 0 0,-2-3 647,20 4 0,-22-6 0,-16-10 0</inkml:trace>
-  <inkml:trace contextRef="#ctx0" brushRef="#br0" timeOffset="286998">2431 8494 8191,'11'24'0,"7"8"0,3 6 2325,2 3 1,2 4-2326,0 2 0,2 5 0,1-2 0,0-5 0,1-2 0,-2 0 0,-5 1 0,-1-1 0,0-1 0,9 11 0,-4-7 0,-5 0 2868,-11-23-2868,-7-68 0,8 0 0,3-9 0,-3-1 0,1-4 0,2-2 302,3-1 0,2 0 0,1-1-302,0-2 0,0 0 0,0 5 0,-6 15 0,-1 2 0,0 3 0,4-10 0,-2 6 6202,1-5-6202,-9 29 435,-4 10-435,-13 7 0,-26 1 0,4 1 0,-4 2-2731,-11-1 0,-1 0 2731,4 0 0,1 0 0,3-1 0,0 2 0,-1 4 0,3 0 0,-4-2 0,-13 11 0,42-14 0,5 6 0,3-5 0,5 1 0</inkml:trace>
-  <inkml:trace contextRef="#ctx0" brushRef="#br0" timeOffset="288351">2862 9923 24575,'0'58'0,"0"-18"0,0-9 0,0-18 0,9-3 0,-1-4 0,11-3 0,23-3 0,20 0 0,-16-1 0,3-2 0,-2-4 0,0-3 0,-1-1 0,-2-5 0,-9-3 0,-4-3 0,15-12 0,-15 0 0,-13 15 0,-4-12 0,-3 14 0,-1-10 0,-6 11 0,-2 3 0,-2 0 0,0 4 0,-5 6 0,-8 1 0,-1 2 0,-9 0 0,0 0 0,-24 14 0,-13 9 0,22-6 0,-1 0 0,6 0 0,1-1 0,-19 7 0,23-7 0,12-6 0,8-1 0,2-3 0,3-1 0,0 1 0,3 0 0,0 0 0,0-1 0,0 4 0,0-5 0,0 1 0</inkml:trace>
-  <inkml:trace contextRef="#ctx0" brushRef="#br0" timeOffset="319482">16133 16131 24575,'0'21'0,"0"3"0,0 27 0,0-25 0,0 9 0,0-29 0,0 0 0,0-5 0,0-7 0,0-1 0,0-4 0,0-8 0,6-10 0,-5-1 0,8-7 0,-5 20 0,-1-2 0,10 44 0,-3 20 0,1 1 0,0 3 0,-2-10 0,-1-1 0,0 3 0,0-4 0,-1-9 0,-5-6 0,-2-20 0</inkml:trace>
-  <inkml:trace contextRef="#ctx0" brushRef="#br0" timeOffset="321473">16121 15922 24575,'0'-32'0,"0"8"0,0-16 0,0-1 0,0 14 0,0-22 0</inkml:trace>
-  <inkml:trace contextRef="#ctx0" brushRef="#br0" timeOffset="322024">16083 14405 24575,'0'-36'0,"0"-11"0,0 4 0,0-6 0,0 7 0,0-4 0,0 1-2071,0 0 1,0 1 0,0-3 2070,0-2 0,0-4 0,0 1 0,0 5 0,0-9 0,0-2 4,0 6 0,0-11 0,0-2 1,0 4-1,0 13 0,0 6 1,0 3-1,0-21 0,0 0 0,0 1 1</inkml:trace>
-  <inkml:trace contextRef="#ctx0" brushRef="#br0" timeOffset="322607">16093 12248 8191,'0'-13'0,"0"-37"1388,0 10 0,0-9 0,0-2-1388,0-9 0,0-2 0,0-2 0,0-1 0,0 0 0,0-4 0,0 13 0,0-5 0,0 0 0,0 2 0,0 6 0,0-2 0,0 5 0,0-1 0,0-12 0,0-1 0,0 11 0,0-10 0</inkml:trace>
-  <inkml:trace contextRef="#ctx0" brushRef="#br0" timeOffset="323233">16087 10070 24575,'0'-59'0,"0"0"0,0 0 0,0 4 0,0-3 0,0 1 0,0 3 0,0 3 0,0 3 0,0 1 0,0-1 0,0 1 0,0 0 0</inkml:trace>
-  <inkml:trace contextRef="#ctx0" brushRef="#br0" timeOffset="324431">16008 9394 8191,'-3'5'0,"0"4"5063,3 0-5063,0 0 2818,0 0-2818,45-6 1719,-1-4-1719,-6-3 0,0-2 0,12-11 6784,-12-8-6784,-22 0 0,-3 8 0,-10 2 0,-6 12 0,-26 0 0,-1 3 0,-1 0 0,-4 0 0,-25 4 0,5 4 0,3 6 0,25 17 0,9-2 0,9 6 0,9-9 0,0 2 0,20-2 0,-1-4 0,23-9 0,-18-9 0,3-4 0,-17 0 0,2 0 0,-8-6 0,-16 5 0,2-4 0,-11 5 0,8 0 0,4 0 0,1 5 0,3-1 0,5 13 0,0-6 0,8 7 0,1-11 0,7-1 0,-1-6 0,-5 0 0,2 0 0,-9 0 0,0 0 0</inkml:trace>
-  <inkml:trace contextRef="#ctx0" brushRef="#br0" timeOffset="669016">4299 11975 24575,'0'62'0,"0"1"0,0-13 0,0 3 0,0 2 0,0 5 0,0-2-911,0-11 0,0-3 1,0 3 910,0 10 0,0 3 0,0-1-1138,0-3 1,0 1-1,0 0 1138,0 1 0,0 1 0,0 4 0,0-10 0,0 5 0,0 1 0,0-1 0,0-6 199,0 5 1,0-5 0,0 5-200,0 5 0,0 7 0,0-2 0,0-9 0,0-1 0,0-5 0,0 6 0,0-4 0,0-16 0,0-3 0,0 27 0,0-19 0,0 14 0,-3-16 1108,2 9-1108,-3-8 3473,4-7-3473,-6 9 965,5-9-965,-5 0 0,6-6 0,0-5 0,0-3 0,-3-7 0,2 4 0,-5-5 0,5 0 0,-2 0 0,1 0 0,1-4 0,-2-1 0,3-4 0,0-2 0</inkml:trace>
-  <inkml:trace contextRef="#ctx0" brushRef="#br0" timeOffset="670816">4307 11686 24575,'0'50'0,"-4"-9"0,-2 3 0,1 8 0,-1 2 0,-5 12 0,-2-3 0,3-26 0,1-2 0,0 7 0,0-3 0,-2 2 0,7 1 0,0-14 0,4-16 0,0 0 0,0-5 0,0-18 0,12-9 0,3-14 0,3-5 0,0 4 0,2-2 0,8-15 0,-1-1 0,-6 10 0,-3 3 0,0 0 0,-2 3 0,7-18 0,-9 18 0,-4 17 0,-7 7 0,0 15 0,1 16 0,4 20 0,1 7 0,3 7 0,0 10 0,-2-14 0,2 13 0,-4-23 0,0-2 0,0-8 0,-4 1 0,2-5 0,-5-5 0,5-7 0,-6-9 0,3-3 0</inkml:trace>
-  <inkml:trace contextRef="#ctx0" brushRef="#br0" timeOffset="672631">3440 14139 24575,'57'0'0,"1"0"0,-1 0 0,0 0 0,1 0 0,2 0 0,-1 0 0,1 0 0,4 0 0,7 0 0,-19 0 0,4 0 0,3 0 0,2 0 0,3 0 0,1 0 0,0 0 0,1 0 0,-1 0 0,0 0 0,-2 0-894,-2 0 0,1 0 1,1 0-1,-1 0 0,0 0 1,0 0-1,0 0 0,0 0 1,-1 0-1,0 0 0,-1 0 745,3 0 0,-1 0 0,0 0 0,0 0 0,0 0 0,-1 0 0,0 0 0,-1 0 0,1 0 0,-1 0 168,4 0 0,1 0 0,-1-1 1,0 1-1,0 0 0,-1 0 1,-2 0-1,-1 0 0,-1 1-19,3 0 0,-2-1 0,-1 2 0,-2-1 0,-1 0 0,0 1 0,-1 1-313,13 0 1,-3 1-1,0 1 1,-1 0-1,1 1 313,2 1 0,1 1 0,0 1 0,-4 0 0,-3 0 0,-5 2 0,-4 0 0,-2 1 0,-3-1-377,2 0 0,-3 1 0,1 0 377,6 5 0,1 1 0,-7-4 3287,17-2-3287,-4 5 0,11 6 0,-13-6 0,2-7 681,-12 0 0,8 3 0,-8-4-681,11 0 2764,-9-6 0,2 0-2764,-7 0 0,0 1 0,2-1 0,-2-1 2984,22 3-2984,-17 2 0,-23-6 0,-1 2 0,-8 0 0,3-2 0,-10 2 0,6-3 0,-10 0 0,2 0 0,2 3 0,-3-3 0,3 3 0,-5-3 0,0 0 0,-8 0 0,-11 0 0,-39 0 0,16 1 0,-5-2 0,-15-8 0,1-3 0,15 5 0,3-2 0,-3-7 0,3-4 0,-13-16 0,13 12 0,-6-10 0,25 19 0,7 1 0,2 4 0,6 4 0,-3 0 0,6 0 0,16 3 0,37 18 0,-20-5 0,3 0 0,9 6 0,0 1 0,-8-3 0,-3 0 0,24 9 0,-21-5 0,-6-4 0,-15-5 0,-3-5 0,-5 1 0,1-1 0,-2-1 0,4 2 0,-4-1 0,2-1 0,-3 3 0,-1-3 0,1 0 0,-3 2 0,0-2 0,-6 6 0,-27 13 0,4-2 0,-2 3 0,-5-1 0,0 0 0,-2 6 0,2-1 0,-2 0 0,14-3 0,14-17 0,4-1 0</inkml:trace>
-  <inkml:trace contextRef="#ctx0" brushRef="#br0" timeOffset="673449">9663 14050 24575,'3'12'0,"17"23"0,1 2 0,-1-7 0,1 0 0,3 10 0,15 3 0,-21-24 0,4 6 0,0 1 0,5 2 0,-3 3 0,1 2 0,17 10 0,-14-10 0,1 2 0,-1-2 0,0 0 0,1 0 0,-1 0 0,-4-6 0,-3-2 0,9 5 0,-14-13 0,-10-11 0,-3-4 0</inkml:trace>
-  <inkml:trace contextRef="#ctx0" brushRef="#br0" timeOffset="674147">9695 14819 8191,'-3'-7'0,"15"-30"0,9-10 1725,-2 13 1,3-2-1726,-1-4 0,1-3 0,2 0 1386,13-13 1,0 2-1387,-5 4 0,-2 0 0,2-4 0,-2 3 0,-6 13 0,-4 4 0,3-8 1929,-10 26-1929,-10 7 1516,0 3 1,-3 3 0,0 0 0</inkml:trace>
-  <inkml:trace contextRef="#ctx0" brushRef="#br0" timeOffset="675164">3781 11209 8191,'17'8'0,"13"4"2531,1 5 1,4 3-2532,5 1 0,0 0 1409,-3-3 0,0-1-1409,-5 3 0,-3-3 1719,3-5-1719,-12 0 6784,-8-8-6784,-3-1 0,-3-3 0,-1 0 0,1 2 0,-3-1 0,0 1 0</inkml:trace>
-  <inkml:trace contextRef="#ctx0" brushRef="#br0" timeOffset="675848">4339 11002 24575,'-36'53'0,"9"-14"0,7-9 0,1 2 0,4-1 0,1 0 0,-20 23 0,17-17 0,0 0 0,-2-3 0,0-2-4252,0 4 1,1-2 4251,-8 14 1238,-2 6-1238,12-25 0,1 3 0,3-10 0,-5 5 0,12-11 6547,-8 7-6547,12-6 179,-5 1 1,5-5-1,-2-4 1</inkml:trace>
-  <inkml:trace contextRef="#ctx0" brushRef="#br0" timeOffset="677382">5175 13180 8191,'0'-15'0,"5"1"5063,3-7-5063,2 6 0,-1 15 2818,1-3-2818,0 3 1719,3 14-1719,-2 14 6784,-1 15-6784,-5-4 0,-2-5 0,-6-21 0,-3-4 0,-4-6 0,-8-3 0,-2 0 0,2 0 0,1 0 0,8 0 0,3 0 0,2-3 0,2 0 0,2-5 0,0 1 0,2-2 0,4 6 0,-2 3 0,1 3 0,-5 3 0,-3 0 0,0 0 0,-3-3 0,3-3 0,0-10 0,19-8 0,22-10 0,24 7 0,-19 12 0,1 2 0,-7 5 0,-1 3 0,-1 8 0,-3 4 0,3 15 0,-13 7 0,-15 2 0,-4-13 0,-3 0 0,-16 3 0,-12-7 0,-14 9 0,-6-11 0,11-3 0,9-8 0,12-4 0,5-3 0,7 0 0,-2 0 0</inkml:trace>
-  <inkml:trace contextRef="#ctx0" brushRef="#br0" timeOffset="679132">5759 11821 8191,'-3'19'0,"0"2"5063,3 16-5063,0-8 0,7-3 2818,10-2-2818,13-4 0,10-6 0,-6-8 1719,-7-6-1719,-9-6 0,-8-1 0,0-6 6784,-4-1-6784,1 1 0,-3-1 0,-2-7 0,-2-8 0,-18-16 0,-6 7 0,-22 2 0,4 18 0,3 11 0,15 3 0,10 7 0,9 0 0,13 0 0,3 0 0,5-3 0,-3 0 0,-5-3 0,-2-3 0,-2-4 0,-4 4 0,-6 0 0,-1 6 0,-2 0 0,3 3 0,3 0 0,0 6 0,3-3 0,0 3 0,0 0 0,0-3 0,6 0 0,-3-3 0,6-3 0,-6-3 0,0 0 0,-3-3 0,-3 3 0,3 12 0,-6 10 0,5 8 0,-2-3 0,3-8 0,0-7 0,3-3 0,3-3 0,1 0 0,8-23 0,-10 16 0,4-16 0</inkml:trace>
-  <inkml:trace contextRef="#ctx0" brushRef="#br0" timeOffset="680881">6656 12887 8191,'5'3'0,"10"-4"5063,3-6-5063,3-3 2818,-9-12-2818,-7-1 1719,1 0-1719,-6 3 6784,-3 13-6784,-13 1 0,-3 6 0,-6 3 0,6 1 0,9 6 0,-3 6 0,5 5 0,2-1 0,3 0 0,3-1 0,0-1 0,0 1 0,2-4 0,4-8 0,1-2 0,2-5 0,-3 0 0,0 0 0,0 0 0,0-5 0,-3 1 0,0-5 0,-3 3 0,0 0 0,0 0 0,-3 3 0,-3 0 0,-7 3 0,3 0 0,-2 3 0,9 0 0,0 6 0,3-2 0,0 1 0,0 4 0,3 2 0,10 2 0,4-3 0,5-6 0,1-4 0,-9-3 0,0 0 0,-1 0 0,-6-6 0,2 2 0,-3-6 0,-2 4 0,-2-3 0,-2 3 0,-8 0 0,-6 3 0,-6 3 0,3 0 0,5 0 0,8 2 0,2 1 0,2 0 0,0 0 0</inkml:trace>
-  <inkml:trace contextRef="#ctx0" brushRef="#br0" timeOffset="682348">5144 13298 8191,'-4'2'0,"2"2"5063,10 4-5063,10 2 2818,3-2-2818,9-2 1719,-16-6-1719,2 0 6784,-7 0-6784,1 0 0,3 0 0,0-12 0,-3-6 0,-4-21 0,-3-7 0,-3-8 0,0 18 0,-3 1 0,-10 18 0,1 2 0,-4 2 0,3 10 0,0 0 0,-3 3 0,-1 0 0,4 15 0,4 13 0,5 8 0,0 10 0,4-13 0,0 9 0,0-9 0,0 8 0,0-8 0,4 4 0,3-10 0,11 6 0,-6-17 0,7 3 0,-12-13 0,5 1 0,1-4 0,1 0 0,4-15 0,-7-1 0,2-7 0,-3-11 0,-2 14 0,-1-10 0,-4 14 0,-3 0 0,0 0 0,-5 7 0,-9 0 0,-7 6 0,-7 0 0,11 3 0,1 0 0,10 3 0,3 0 0,0 3 0,3-3 0,3 0 0,-3-3 0,3-3 0</inkml:trace>
-  <inkml:trace contextRef="#ctx0" brushRef="#br0" timeOffset="685364">1870 14035 8191,'42'-31'0,"-9"8"0,7-6 504,-3 2 1,8-5 0,5-3 0,0-1-1,-1 1-504,-1 1 0,-1-1 0,1 0 0,2 0 0,2-1 0,-7 5 0,2-1 0,1 0 0,2 0 0,0 0 0,0-1 0,1 1-124,2-3 0,2 0 0,0 0 0,1 0 0,0 1 0,0 0 0,0 2 124,-1 1 0,0 2 0,0 1 0,1 0 0,0 0 0,-1 1 0,1-2 0,-1 0 0,0 0 0,0 0 0,0 0 0,0 0 0,0 0 0,1 2 0,1 0 0,2 1 0,0 0 0,0 1 0,-2 0 0,-1 2 0,-4 0 0,12-5 0,-4 2 0,-2 2 0,3-2 0,-7 4 0,3-1 0,0 0 0,-2 2 0,-5 1 0,5-1 0,-5 2 0,2 0 155,-1 0 1,2 0-1,0 0 1,-3 2-156,-1 1 0,-3 0 0,2 0 930,8-4 1,1-1 0,-1 1-931,-7 3 0,-1 1 0,0 0 0,1-2 0,-1-1 0,2 0 0,8-4 0,2 0 0,-2 0 0,-6 3 0,-1 1 0,-2 0 0,13-5 0,-5 1 0,-14 5 0,-2 0 0,0 2 0,-2 1 0,21-10-978,-20 7 1,-1 1 977,7 2 3416,6-6-3416,10 0 0,-12 2 0,-10 3 0,0-1 0,7-2 2546,4-4-2546,-4 0 524,1 2-524,-19 6 0,1-1 3392,4 2 0,0 0-3392,-1-1 0,-2 1 0,23-6 0,-8 1 0,5 3 0,-14-1 0,-3 5 0,1 0 0,2-5 0,9 2 0,-6-4 0,0 3 0,9-3 0,-6 1 0,0 3 0,-13 4 0,6-3 0,-3 5 0,-4-2 0,3 4 0,-14 0 0,9-1 0,-15 2 0,10-1 0,-12 1 0,3-1 0,-1 1 0,0-3 0,0-7 0,45-6 0,-1-7-792,-5 13 0,3 0 792,-6-2 0,3-2 0,1 1 0,3-1 0,1-1 0,-1 0 0,-1 0 0,2-1-236,-9 3 0,2 0 0,0-1 1,-2 1 235,9-4 0,0 1 0,-4 0-1983,-7 3 1,-2 1 0,-3 0 1982,8-1 0,-4 0 0,-7 1 0,-2 2 0,17-5 0,-11-1 1006,0 4-1006,-10 5 684,-9 3-684,5 2 6784,9-3-6784,3-1 0,10 1 0,-1 0 0,-12 4 0,-2 3 0,-14-8 0,-6 10 0,-9-7 0</inkml:trace>
-  <inkml:trace contextRef="#ctx0" brushRef="#br0" timeOffset="696434">868 4441 8191,'-7'-5'0,"2"-20"5063,5-15-5063,0-20 0,0 17 0,0 0 0,0-12 0,0 17 0,0 3 0,0 1 2818,-7-17-2818,5 20 1719,-9-10-1719,11 13 6784,-10 2-6784,9 2 0,-8 8 0,3 7 0,-1 6 0,-4 0 0,4 3 0,-2 0 0,3 3 0,0 0 0,0 3 0,-6 9 0,-6 7 0,-6 5 0,0 1 0,1-8 0,6-8 0,5-5 0,5-7 0,5-4 0,2-4 0,5-1 0,2-4 0,0 4 0,1 0 0,-2 3 0,1 0 0,1 0 0,-2-1 0,4 1 0,-3 2 0,8-2 0,-2 6 0,7-3 0,-1 3 0,4 0 0,-3 0 0,6 0 0,-6 0 0,-3 0 0,-2 0 0,-8 0 0,6 0 0,-6 2 0,5 2 0,-6 2 0,3-3 0,3 5 0,-2-1 0,3 3 0,-4-1 0,-1-1 0,-4-4 0,1 1 0</inkml:trace>
-  <inkml:trace contextRef="#ctx0" brushRef="#br0" timeOffset="702102">3381 14802 24575,'25'0'0,"10"0"0,10 0 0,-1 0 0,-7 0 0,-15 0 0,9 0 0,-1-7 0,14-1 0,0 0 0,0-5 0,-5 8 0,4-9 0,-7 3 0,-3 3 0,-5-2 0,-6 6 0,0-3 0,0-1 0,10-2 0,-2-1 0,9-4 0,-4 4 0,-4-2 0,3 6 0,-6-6 0,10 2 0,-15 1 0,7-1 0,-15 4 0,2 0 0,0 0 0,3-3 0,9-1 0,-2-5 0,8 1 0,-8-2 0,-2 7 0,-6 0 0,0 0 0,-4 3 0,4-6 0,-9 6 0,3-3 0,5-5 0,-5 3 0,5-7 0,-5-1 0,5-5 0,7-11 0,3-4 0,0 3 0,-8 5 0,-2 12 0,-4-4 0,-3 6 0,5-3 0,-5 0 0,3 3 0,5-4 0,7-11 0,11-9 0,2-5 0,-15 19 0,0-1 0,16-18 0,3-4 0,-9 6 0,-8 14 0,-5 0 0,-7 13 0,-2-4 0,2 0 0,-6-4 0,5 6 0,2-15 0,-1 12 0,3-11 0,-4 10 0,-3 2 0,0-1 0,-4 9 0,0-9 0,-2 12 0,2-6 0,-2 4 0,2-7 0,-2 5 0,2-4 0,-2 3 0,-1 5 0,3-1 0,-5 3 0,1 2 0,-2-1 0,3 4 0,1-19 0,-1-6 0,1-16 0,-1 1 0,2-3 0,4 2 0,0-10 0,-3 13 0,2-3 0,1 2 0,0-1 0,1-9 0,-1-1 0,0 7 0,0 3 0,-2 7 0,-2 2 0,0-13 0,2 12 0,-6 17 0,2 2 0,-3 4 0,0-1 0,0 1 0,0-1 0,0 1 0,0 0 0,0 2 0,0-11 0,0 0 0,3-18 0,1 0 0,0 0 0,2 10 0,-5 7 0,5 13 0,-6-2 0,6 5 0,-6-2 0,6 5 0,-3-4 0,3 4 0,3-7 0,-3 4 0,6-4 0,-6 4 0,3-2 0,-4 6 0,1 0 0,0 1 0,0-2 0,0 1 0,0-2 0,0 4 0,0-4 0,0 4 0,0-2 0,3 1 0,0-2 0,3 1 0,-2-3 0,1 6 0,-4-3 0,1 0 0,-2 2 0,0-1 0,0 2 0,0 0 0,0-3 0,0 2 0,3-1 0,0 2 0,3-3 0,0 2 0,-2-1 0,1 2 0,-2 0 0,1 0 0,1 0 0,-1 0 0,11 0 0,1 3 0,0 3 0,-3 1 0,-7 4 0,3-1 0,-2 5 0,0-5 0,-1 6 0,-5-6 0,6 3 0,-3 0 0,1 5 0,1-4 0,-1 13 0,5-9 0,-1 12 0,0-10 0,-1 6 0,-1-2 0,4 10 0,4 2 0,-2-2 0,2-3 0,-1-3 0,-4-5 0,8 10 0,-2 0 0,-1-7 0,-3 4 0,-3-9 0,-4 0 0,5-2 0,-4-4 0,-2-3 0,1 0 0,-4 1 0,2-3 0,6 11 0,-4-10 0,8 14 0,-7-12 0,0 2 0,4 4 0,7 1 0,1 7 0,0-6 0,0 3 0,-3-6 0,-2 1 0,7 0 0,-12-5 0,6-1 0,3 6 0,6 0 0,8 10 0,6 0 0,-6-2 0,5 1 0,-11-9 0,0 2 0,-5-6 0,12 11 0,10 0 0,-2 2 0,5-1 0,1-2 0,-19-8 0,1 0 0,9 1 0,2 0 0,0 1 0,-1 1 0,3-4 0,-3-1 0,18 6 0,-7-5 0,-23-8 0,0 0 0,0-4 0,-1-1 0,29-3 0,-2 0 0,-12 0 0,3 0 0,-8 1 0,0 2 0,14 2 0,0 4 0,-10 1 0,0 2 0,14 4 0,-3 1-381,-20-3 1,-1 0 380,6-2 0,-3-2 0,6 3 0,5-4 0,-12-1 0,0 0 0,-10 0 0,4-4 0,-9-1 0,11-3 190,-11 0 0,-4 0 0,-10 0 1</inkml:trace>
-  <inkml:trace contextRef="#ctx0" brushRef="#br0" timeOffset="772178">3776 13363 8191,'9'0'0,"47"0"5063,8 0-5063,-13 0 0,7 0 0,-4 0 0,-5 0 0,-1 0 1104,20 0 1,-4 0-1105,-11 0 1802,-11 0-1802,19 0 3262,-26 0 0,2 0-3262,9 0 0,2 0 0,7 0 0,-1 0 0,-18 0 0,-1 0 0,9 0 0,-3 0 0,0 0 0,5 0 0,10 0 786,-7 0-786,16 0 0,-9 0 0,-21 0 0,8 0 0,-23 0 0,3 0 0,-6 0 0,13 0 0,11-3 0,-8 2 0,4-5 0,-4-1 0,9-1 0,5-2 0,6 3 0,-20 0 0,-4 3 0,-10 1 0,-13 3 0,9 0 0,-8-3 0,2-2 0,-6-42 0,-3 5 0,0-9 0,-1 6 0,-1-8 0,1-1 0,-1 3-665,2-3 1,0 1 0,-1-1 664,0-5 0,-1-2 0,0 3 0,-2 3 0,-1 2 0,0 6 0,2 13 0,-1-1 0,-2-9 0,-2-6 0,0 8 0,-4-4 0,0-4 0,2 18 0,3 12 0,3 3 1993,-2-2-1993,3 4 0,-1-3 0,2 5 0,2 3 0,0 2 0,0 2 0,0-3 0,0 0 0,0 0 0,0-3 0,0 3 0,0-3 0,0 0 0,0 2 0,0 2 0,0 2 0,0 0 0,0-1 0,0 1 0,0 0 0,0 1 0,8 1 0,6 2 0,13 2 0,4 0 0,15 0 0,-9 0 0,-2 0 0,8 0 0,-11 0 0,14 0 0,-7 0 0,-8 0 0,2 0 0,-9 0 0,3-3 0,-10 2 0,-2-2 0,-9 1 0,-1 1 0,1-2 0,0 3 0,3 0 0,-4 0 0,1 0 0,0 0 0,0 3 0,-3 0 0,2 3 0,-5 0 0,3 0 0,-3-1 0,0 4 0,0-2 0,0 5 0,0-2 0,0 7 0,0 1 0,0 22 0,0 17 0,0-13 0,0 6 0,0-1 0,0 10 0,0 4-1696,0-8 0,1 8 0,0-1 0,0-8 1696,2 2 0,-1-4 0,1-2 0,-1 3 0,2-9 0,5 5 0,2 4 0,-5-22 0,1 4 0,-7-21 0,0 2 6784,0-7-6784,0-5 0,0-5 0,2-5 0,1 0 0,3 3 0,0 1 0,0-1 0,16-1 0,18-7 0,3 3 0,4 2 0,-9 1 0,1 0 0,15-2 0,1 2 0,-10 4 0,-2 1 0,-6-2 0,2 0 0,18 2 0,-2 0 0,3 0 0,-18 0 0,0 0 0,22 0 0,-27 2 0,0 0 0,3-2 0,1 1 0,8 2 0,-2 1 0,3-3 0,-13 1 0,-2-1 0,-3-1 0,7 0 0,-11 0 0,6 0 0,-4-3 0,23-5 0,-2-5 0,-15 7 0,1 0 0,-1-2 0,2 0 0,8 1 0,0 1 0,-10 0 0,1-1 0,7-1 0,-2 2 0,0 0 0,-2-3 0,-2 2 0,-12 2 0,15-5 0,-17 9 0,5-2 0,-12 3 0,5-3 0,-13 3 0,-1-3 0,-4 3 0</inkml:trace>
-  <inkml:trace contextRef="#ctx0" brushRef="#br0" timeOffset="776144">771 3525 8191,'-3'3'0,"0"44"0,3-5 0,0 5 0,0 4 0,0 3 0,0 12 0,0-2 0,0-21 0,0 1 971,0 18 0,0 2-971,0-10 0,0-1 0,0 1 0,0 0 1495,0 1 0,0-5-1495,0 13 0,0-12 4472,0-24-4472,0-14 6687,0 0-6687,0-1 293,0-9-293,-3-13 0,-3-4 0,-10-19 0,-21-16 0,15 20 0,-1-1 0,-8-12 0,1 1 0,-13-9 0,11 5 0,23 40 0,14 46 0,11 4 0,1 5 0,3 2 0,-3-19 0,0-1 0,3 8 0,-2-4 0,0-5 0,-6-7 0,-8-15 0,1 3 0,-4-2 0,1-2 0,1-2 0,-2 1 0,4 2 0,-4 0 0,7 4 0,-4-7 0,5 0 0,-4-6 0,9-28 0,4-4 0,-3 0 0,2-3 0,-3 4 0,2 0 0,7-12 0,1-1 0,-4 2 0,-1 0 0,0 6 0,-1 1 0,-2 2 0,-1 4 0,3 2 0,-5 9 0,-7 18 0,-37 43 0,9-9-3392,-6 1 0,-2 1 3392,-3 6-332,1-5 1,-1 0 331,-4 9 0,10-17 0,2-1 0,4 0 0,-2-1 0,8-8 0,-1-1 0,7-6 6455,0 0-6455,3-2 992,-3-2-992,6-7 0,-2-11 0,1-3 0,0-1 0,-4-4 0,3 5 0,-12-12 0,6 7 0,-5-6 0,7 14 0,0-11 0,2 10 0,-2-11 0,0 7 0,2-5 0,-2 5 0,6 2 0,0 4 0,3 6 0,0 0 0</inkml:trace>
-  <inkml:trace contextRef="#ctx0" brushRef="#br0" timeOffset="778270">851 3561 24575,'-5'40'0,"0"0"0,-1 2 0,-1 2 0,-6 6 0,-1 1 0,6-12 0,0 1 0,-5 16 0,1-4 0,5-9 0,2 4 0,2-35 0,3 15 0,0-15 0,0 16 0,-6 0 0,4-1 0,-11 14 0,11-1 0,-4 7 0,6-4 0,0 5 0,0-19 0,0 7 0,0-15 0,0-1 0,0 27 0,0-19 0,0 23 0,0-30 0,0 11 0,0-6 0,0 1 0,0-25 0,-3-8 0,-1-14 0,-3 1 0,-3-1 0,-4-8 0,-4-4 0,-12-16 0,7 10 0,0 1 0,-4-2 0,-7-12 0,13 25 0,-3-11 0,11 21 0,7 6 0,0 4 0,2 5 0,5 28 0,18 11 0,-4 11 0,18 3 0,-10-14 0,5 8 0,-9-16 0,0-1 0,-15-19 0,4-1 0,-7-3 0,4-3 0,-2-1 0,13-16 0,6-5 0,14-33 0,-13 25 0,2-2 0,4-14 0,2-2 0,6-3 0,1 0 0,-7 8 0,-2 0 0,5-8 0,-4 4 0,0 4 0,-4 0 0,-17 25 0,-4 12 0,4 0 0,-5 3 0,5 0 0</inkml:trace>
+  <inkml:trace contextRef="#ctx0" brushRef="#br0" timeOffset="-214180.73">2121 425 24575,'0'58'0,"0"-16"0,0-3 0,0 0 0,0 2 0,0 7 0,0 4 0,0-15 0,0 1 0,0 16 0,0-1 0,0 9 0,0-24 0,0-21 0,0-16 0,0 1 0,0-7 0</inkml:trace>
+  <inkml:trace contextRef="#ctx0" brushRef="#br0" timeOffset="-213531.73">1971 754 8191,'39'0'0,"23"-9"2491,-14 4 0,3 0-2491,5-4 0,-3-1 0,-17 5 0,-3 0 2828,23-3-2828,-30 8 432,-12 0 0,-5 0 1,-7 0-1</inkml:trace>
+  <inkml:trace contextRef="#ctx0" brushRef="#br0" timeOffset="-212692.73">2683 698 24575,'0'54'0,"0"-10"0,0 18 0,0-27 0,0-3 0,0-12 0,0-6 0,0-9 0,0-16 0,0-11 0,0-10 0,4-24 0,8-1 0,2-4 0,2 15 0,1 17 0,-9 10 0,4 3 0,-3 7 0,-2 3 0,2 2 0,0 2 0,-2 2 0,2 0 0,0 0 0,3 0 0,-1 0 0,-2 0 0,-6 0 0</inkml:trace>
+  <inkml:trace contextRef="#ctx0" brushRef="#br0" timeOffset="-211228.73">3064 709 8191,'-4'21'0,"0"-7"5063,4 4-5063,0-8 2818,0 9-2818,0-3 1719,0 0-1719,0 0 6784,0-3-6784,0-3 0,3 1 0,6-7 0,2 1 0,20-5 0,3 0 0,13 0 0,0-3 0,-9-10 0,-2-18 0,-17-2 0,-4-8 0,-12 9 0,-3-5 0,0 12 0,0-2 0,-3 11 0,-3 5 0,-7 1 0,-6 8 0,-1 2 0,0 0 0,7 0 0,0 0 0,3 0 0,-9 6 0,4-2 0,-5 9 0,1 9 0,4 0 0,1 11 0,8-7 0,6 1 0,0-4 0,6-3 0,1-7 0,6-7 0,0-3 0,4-3 0,1 0 0,10-10 0,-4-3 0,0-5 0,1-7 0,-10 7 0,5 1 0,-14 10 0,0 13 0,-3 5 0,0 8 0,4-3 0,2 0 0,1 3 0,8-3 0,3 4 0,-1-3 0,0-4 0,-1 0 0,-8-6 0,5 2 0,-7-3 0,-2-2 0,2-1 0,-3-3 0,0 0 0,2 0 0,-4 0 0,2 0 0</inkml:trace>
+  <inkml:trace contextRef="#ctx0" brushRef="#br0" timeOffset="-210547.73">3709 729 24575,'0'23'0,"0"4"0,0 13 0,0-4 0,0-11 0,0-9 0,0-10 0,0-3 0</inkml:trace>
+  <inkml:trace contextRef="#ctx0" brushRef="#br0" timeOffset="-210047.73">3709 594 24575,'0'0'0</inkml:trace>
+  <inkml:trace contextRef="#ctx0" brushRef="#br0" timeOffset="-208614.73">3882 826 8191,'3'2'0,"-1"4"5063,-2 6-5063,0 1 2818,0 3-2818,0-15 1719,4-21-1719,-4 3 6784,7-19-6784,0 16 0,4-3 0,-1 6 0,0 1 0,2 6 0,-1-3 0,7 3 0,-2 1 0,4 5 0,-1 1 0,-2 3 0,-5 0 0,4 0 0,-9 0 0,5 0 0,-1 0 0,-6 3 0,6-2 0,-8 7 0,0-2 0,3 6 0,-5 4 0,4 0 0,-2 0 0,1-3 0,-2-5 0,1 1 0,-2-2 0,1 1 0,-2-2 0,3 3 0,-2-2 0,4 1 0,-4-2 0,1 0 0,1-3 0,-2 2 0,1-2 0,-2 3 0,0 0 0,0-3 0,0 0 0</inkml:trace>
+  <inkml:trace contextRef="#ctx0" brushRef="#br0" timeOffset="-207547.73">4635 381 24575,'0'47'0,"0"0"0,0 18 0,0-18 0,0 0 0,0 17 0,0-7 0,0 2 0,0-25 0,0-7 0,0-17 0,0-1 0,0-3 0,0 0 0,0 0 0,0-1 0,0-2 0,0 0 0</inkml:trace>
+  <inkml:trace contextRef="#ctx0" brushRef="#br0" timeOffset="-206945.73">4502 621 24575,'38'0'0,"5"0"0,-7 0 0,0 0 0,-18 0 0,9 0 0,-12 0 0,9 0 0,-8 0 0,4 0 0,-8 0 0,0 0 0</inkml:trace>
+  <inkml:trace contextRef="#ctx0" brushRef="#br0" timeOffset="-205795.73">4896 727 24575,'5'0'0,"10"0"0,3 0 0,8 0 0,-6 0 0,-4 0 0,-4 0 0,-5 0 0,-6-3 0,-5 3 0,-15-6 0,-2 5 0,1-5 0,0 6 0,7-3 0,-1 3 0,1 0 0,-3 0 0,2 0 0,1 0 0,3 0 0,4 0 0,-3 0 0,0 5 0,-1-1 0,2 5 0,1-1 0,1 5 0,0 0 0,3 9 0,0-4 0,3 8 0,0 2 0,0-2 0,0-2 0,0 3 0,3-2 0,7 14 0,13 2 0,1-6 0,2-6 0,2-5 0,-9-11 0,5 3 0,-7-9 0,-3-1 0,-1 1 0,6-3 0,2-1 0,2-3 0,1-10 0,-14 8 0,0-8 0</inkml:trace>
+  <inkml:trace contextRef="#ctx0" brushRef="#br0" timeOffset="-204795.73">5338 931 24575,'-32'0'0,"6"0"0,-1 0 0,16 9 0,6 5 0,12 3 0,7 3 0,15 5 0,-5-8 0,5 8 0,8-5 0,-13-5 0,16 5 0,-20-10 0,-1 0 0,-7-7 0,-6 5 0,0-1 0,-6 8 0,0-2 0,0 3 0,-7 2 0,-4-4 0,-4 4 0,-8 1 0,5-4 0,-5 4 0,7-12 0,-3-1 0,9-6 0,1 0 0,6 0 0</inkml:trace>
+  <inkml:trace contextRef="#ctx0" brushRef="#br0" timeOffset="-203796.73">5679 671 8191,'0'8'0,"0"18"5063,0 15-5063,0 16 2818,0-29-2818,0 2 1719,0-16-1719,0 7 6784,0-2-6784,0 1 0,0 3 0,0-2 0,0 10 0,0-8 0,0 0 0,0-7 0,0-3 0,0-5 0,0-2 0,0 3 0,0-2 0,3 1 0,-2-2 0,1 0 0,1 0 0,-2 0 0,4 0 0,-4-3 0,1 0 0</inkml:trace>
+  <inkml:trace contextRef="#ctx0" brushRef="#br0" timeOffset="-202912.73">5542 913 24575,'9'0'0,"19"0"0,-6 0 0,13 0 0,-10 0 0,-1 0 0,3 0 0,-4 0 0,-3 0 0,-10 0 0,-4 0 0</inkml:trace>
+  <inkml:trace contextRef="#ctx0" brushRef="#br0" timeOffset="-201829.73">6595 783 24575,'-13'0'0,"3"0"0,-21 0 0,4 0 0,-2 0 0,6 0 0,11 0 0,3 0 0,0 0 0,3 0 0,0 6 0,0-2 0,2 5 0,2-3 0,2 0 0,0 6 0,0-2 0,0 5 0,0-3 0,2-2 0,5-4 0,7 0 0,0-6 0,3 4 0,-4-4 0,10 3 0,-10-3 0,9 6 0,-10 1 0,2 2 0,1 7 0,-5 0 0,-4 7 0,-3 0 0,-3-6 0,0 2 0,0-7 0,-6 0 0,2 0 0,-9-6 0,-7 7 0,4-5 0,-7 5 0,0-6 0,1 0 0,0-3 0,4-1 0,8-3 0,3 0 0,2 0 0</inkml:trace>
+  <inkml:trace contextRef="#ctx0" brushRef="#br0" timeOffset="-200312.73">6959 888 24575,'0'45'0,"0"13"0,0 2 0,0 0 0,0-15 0,0-17 0,0-12 0,0-4 0,0-5 0,0-20 0,0 1 0,0-23 0,0 7 0,0 1 0,0 0 0,0 5 0,0 4 0,0-5 0,5 8 0,2-3 0,2 8 0,2 2 0,-1 2 0,2-1 0,-2 4 0,8-3 0,-6 5 0,7-2 0,-6 3 0,-3 0 0,3 0 0,-6 0 0,5 0 0,-2 0 0,2 0 0,-2 0 0,-4 5 0,-4-1 0,-2 4 0,0 2 0,-3 0 0,-3 3 0,-5 0 0,-6 1 0,-7 6 0,-2-5 0,-4 5 0,9-10 0,2-3 0,7-4 0,3-3 0,0 0 0,6 0 0,0 0 0</inkml:trace>
+  <inkml:trace contextRef="#ctx0" brushRef="#br0" timeOffset="-199045.73">7310 668 8191,'0'20'0,"0"-10"5063,0 54-5063,0-11 1409,0-13 0,0 1-1409,0 25 1719,0-16-1719,0-25 6784,0-10-6784,5-12 0,8 0 0,7-3 0,10 0 0,2-3 0,-7-1 0,-2-5 0,-10-2 0,1-6 0,3-7 0,-2 0 0,2-10 0,-3 9 0,-1 1 0,-3 8 0,-2 10 0,-2 3 0,5 12 0,-3 3 0,4 5 0,-5 13 0,3 0 0,-2 10 0,-1-8 0,-1-9 0,-5-10 0,2-5 0,-1-4 0,1-2 0,3-2 0,0 0 0,-1 0 0,1-2 0,-2 1 0,-2-1 0</inkml:trace>
+  <inkml:trace contextRef="#ctx0" brushRef="#br0" timeOffset="-198464.73">7652 749 24575,'0'0'0</inkml:trace>
+  <inkml:trace contextRef="#ctx0" brushRef="#br0" timeOffset="-197729.73">7794 685 24575,'0'13'0,"0"2"0,0 35 0,0-2 0,0-12 0,0 1 0,0 14 0,0-11 0,0-19 0,0-9 0,0-4 0,0-1 0,0 1 0,0-5 0,0 0 0</inkml:trace>
+  <inkml:trace contextRef="#ctx0" brushRef="#br0" timeOffset="-196578.73">7747 908 24575,'22'0'0,"-8"0"0,1 0 0,-9 0 0,0 0 0,-3 0 0,0 0 0</inkml:trace>
+  <inkml:trace contextRef="#ctx0" brushRef="#br0" timeOffset="-194879.73">8287 951 24575,'47'0'0,"0"0"0,-7 0 0,3 0 0,3 1 0,6-1 0,-3-1 0,3-2 0,-1-1 0,11-1 0,-2-1 0,-10-4 0,-2-1 0,-1-1 0,-2 1 0,-8 1 0,-1 1 0,20-7 0,-4 5 0,-17 2 0,11 2 0,-14-4 0,-5 9 0,-1-4 0,6 3 0,2 2 0,6-2 0,-5 3 0,-8-3 0,-7 2 0,-2-4 0,-4 4 0,-2-1 0,-2 2 0,-4 0 0,0-3 0,0 2 0,0-2 0,0 3 0,2-2 0,-1-1 0,4-3 0,-5 2 0,0-1 0,-1 4 0,-4-4 0,-13 5 0,-30-7 0,-16 6 0,18-3 0,0 0 0,-17 0 0,11 0 0,23 1 0,15 3 0,24-4 0,19 3 0,20-6 0,8 2 0,-12 1 0,-7-3 0,-20 7 0,-8-3 0,-7 3 0,-3 0 0,0 0 0,-1 0 0,-1 5 0,-2 8 0,-5 1 0,-1 9 0,-9 1 0,1-5 0,-1 8 0,3-13 0,0 9 0,3-5 0,-3 1 0,7-4 0,0-5 0,3-2 0,0-2 0,0-3 0,0 0 0</inkml:trace>
+  <inkml:trace contextRef="#ctx0" brushRef="#br0" timeOffset="-193278.73">10260 433 24575,'29'53'0,"1"-1"0,-4-6 0,0-1 0,6 8 0,0-2 0,-4-9 0,-3-2 0,-4-3 0,-3-2 0,11 14 0,-15-21 0,-4-11 0,-6-6 0,2-2 0,-3-6 0,-3 3 0,6-3 0,-3 0 0,3 3 0,0-3 0,3 6 0,0 0 0,0-2 0,-3-2 0,-3-5 0</inkml:trace>
+  <inkml:trace contextRef="#ctx0" brushRef="#br0" timeOffset="-192513.73">10266 991 24575,'23'-45'0,"-1"-1"0,9-10 0,2-2 0,-8 18 0,2 0 0,-1 1-2211,11-14 0,-3 3 2211,-10 12 0,-2 5 0,9-8 1356,-11 6-1356,-4 14 180,-10 6 0,-3 11 0,-3 2 1</inkml:trace>
+  <inkml:trace contextRef="#ctx0" brushRef="#br0" timeOffset="-191795.73">10775 909 8191,'0'8'0,"0"6"5063,0-1-5063,0 27 2818,7-4-2818,0-3 0,2 2 0,16 25 0,0-9 1719,-2-11-1719,-9-18 0,0-4 0,0-1 6784,-4-3-6784,0-4 0,-7-4 0,0-3 0</inkml:trace>
+  <inkml:trace contextRef="#ctx0" brushRef="#br0" timeOffset="-191130.73">11099 634 24575,'27'15'0,"6"22"0,-13-21 0,3 10 0,0 2 0,-2 1 0,14 10 0,-22-22 0,-7-8 0,-3-9 0</inkml:trace>
+  <inkml:trace contextRef="#ctx0" brushRef="#br0" timeOffset="-190278.73">11449 677 24575,'0'34'0,"0"9"0,-3 7 0,2-7 0,-2-9 0,3-13 0,0-3 0,0-4 0,0-4 0,0 5 0,0 2 0,0 5 0,0-4 0,0-2 0,0 6 0,0-6 0,0 2 0,0-8 0</inkml:trace>
+  <inkml:trace contextRef="#ctx0" brushRef="#br0" timeOffset="-187697.73">8412 1150 24575,'22'0'0,"8"0"0,7 0 0,26-1 0,5 2-2375,-22 0 1,-1 1 0,2 0 2374,10 0 0,3-1 0,-4 3 0,3 6 0,1 2 0,1-1 0,5 2 0,-5-1 0,2 4 0,-2 0 443,-9-3 1,3-1-1,-2 1-443,-7-1 0,-2 1 0,1-1 0,3-1 0,0 1 0,3 0-40,-1 0 1,2 1 0,3 0-1,-1 0 40,3 0 0,0 0 0,1 0 0,0 0 0,2 0 0,2 0 0,-2 0 0,-4-1-880,-3-1 0,-4 0 0,2-1 880,9 1 0,2-1 0,-6-3 0,-3-1 0,-1-1 296,-9-2 1,3-1 0,-2 1-297,18 2 0,-2-1-71,-9-3 0,-2-2 71,-4 1 0,0 0 0,9 0 0,1 0-322,-3 2 1,2 1 321,8 0 0,4 1 0,-8 1 0,4 1 0,-1 1 461,-2-1 0,1 0 1,3 0-462,-12-1 0,3 0 0,1 0 0,1 0 0,-4-1 0,2 0 0,-2-1 0,0 0 0,0 0 0,6 0 0,2 1 0,-1-2 0,-4 0 0,-1-1 0,-3-1 0,-1-1 0,0 2 0,0-1 0,-4-1 0,0-2 0,-3-2 825,9-3 1,-4-2-826,5-9 0,-22 7 0,0-1 721,28-16-721,-29 14 0,2-2 1239,2-5 0,1-2-1239,-2 5 0,-2 0 0,12-17 1743,-7 13-1743,-11-5 509,-6 11-509,1-6 0,-7 10 0,-3 3 0,0-3 0,-2 4 0,2-4 0,-3-3 0,-2 0 0,-5-3 0,0-4 0,0 3 0,0 0 0,0 7 0,0 3 0,0 4 0,-3 0 0,0-3 0,0 0 0,0-4 0,0 1 0,3 0 0,-6-4 0,6-3 0,-3-5 0,3 7 0,0 1 0,0 10 0,0 0 0,0 0 0,-3 3 0,-6 0 0,-5 3 0,-10 24 0,-7 11 0,13-5 0,-1 1 0,-17 25 0,8-12-6784,7-12 6784,6-14 0,5-1 0,-3-4 0,-1 4 0,3-7 0,-1 3 0,6-5 6784,0-4-6784,3-9 0,6-14 0,9-2 0,2-6 0,9 7 0,-9 2 0,9-5 0,2-2 0,-5 5 0,8-5 0,-11 9 0,3 1 0,-3 0 0,-2 5 0,-6 4 0,0 3 0,-3 3 0,2 0 0,-1 0 0,7 0 0,-6 0 0,7 3 0,1 7 0,4 4 0,4 6 0,-2-1 0,-8-5 0,-2-2 0,-9-9 0,0 0 0</inkml:trace>
+  <inkml:trace contextRef="#ctx0" brushRef="#br0" timeOffset="-186012.73">11417 679 8191,'3'2'0,"0"20"5063,-3 22-5063,0-10 0,0 2 0,-2 5 0,0-1 0,-3 21 2818,-3-5-2818,0-28 1719,-3 12-1719,3-5 6784,-6 10-6784,6-10 0,1-14 0,1-2 0,5-10 0,-2 1 0,3-1 0,-2 0 0,1-3 0,-4 3 0,4-18 0,-1-17 0,6-16 0,9-14 0,2 6 0,8-10 0,-10 23 0,0-2 0,-1 1 0,0 0 0,1-2 0,-1 3 0,3-8 0,-7 18 0,-3 17 0,-4 1 0,2 3 0,-1 3 0,-1-9 0,1 10 0,-2-7 0</inkml:trace>
+  <inkml:trace contextRef="#ctx0" brushRef="#br0" timeOffset="-184645.73">14022 440 24575,'19'18'0,"-1"4"0,22 24 0,-1 5 0,-11-12 0,1 2 0,-3-2 0,0 0 0,-1 3 0,-1 0 0,-3-4 0,-3-2 0,2 9 0,-3-8 0,-12-24 0,-1-7 0,-2-3 0</inkml:trace>
+  <inkml:trace contextRef="#ctx0" brushRef="#br0" timeOffset="-183645.73">14047 1033 24575,'0'-9'0,"3"-14"0,6-7 0,3-3 0,20-23 0,-1 4 0,-6 18 0,0 0 0,8-21 0,-3 19 0,-19 16 0,-2 8 0,-6 5 0,6-2 0,-5 3 0,7-9 0,-4 4 0,2-11 0,3 5 0,-1-14 0,-4 7 0,-1 2 0,-6 12 0</inkml:trace>
+  <inkml:trace contextRef="#ctx0" brushRef="#br0" timeOffset="-182864.73">14475 185 24575,'0'31'0,"0"1"0,0 2 0,0-7 0,0-11 0,0-9 0,0-1 0</inkml:trace>
+  <inkml:trace contextRef="#ctx0" brushRef="#br0" timeOffset="-182046.73">14834 942 24575,'0'55'0,"0"-20"0,0 12 0,0-29 0,0-1 0,0-7 0,0-1 0,0-6 0,0 0 0</inkml:trace>
+  <inkml:trace contextRef="#ctx0" brushRef="#br0" timeOffset="-181314.73">15140 717 10710,'5'-3'0,"14"12"5025,2 5-5025,12 10 2412,-9 6-2412,6-5 0,-1 10 0,0-12 1387,0 4-1387,4 0 0,-12-7 0,1-1 0,-16-13 0</inkml:trace>
+  <inkml:trace contextRef="#ctx0" brushRef="#br0" timeOffset="-180546.73">15502 797 8191,'0'15'0,"-9"31"5063,-1 14-5063,-2-16 0,-2 2 1409,-2-2 0,0 0-1409,-1 1 0,2 0 859,-1-3 1,1-2-860,-5 20 0,9-20 0,3-16 1696,5-5 0,3-11 0,0-3 0</inkml:trace>
+  <inkml:trace contextRef="#ctx0" brushRef="#br0" timeOffset="-179547.73">15650 232 24575,'0'49'0,"0"-6"0,0 0 0,0 15 0,0-21 0,0-3 0,0-7 0,0-2 0,0 7 0,0 7 0,3-9 0,-2-8 0,3-12 0</inkml:trace>
+  <inkml:trace contextRef="#ctx0" brushRef="#br0" timeOffset="-175342.73">5682 5898 24575,'39'0'0,"5"0"0,-19 0 0,-1 0 0</inkml:trace>
+  <inkml:trace contextRef="#ctx0" brushRef="#br0" timeOffset="-174874.73">6620 5880 8191,'6'0'0,"26"0"5063,17 0-5063,-16 0 0,0 0 0,28 0 0,-30 0 0,-17 0 0</inkml:trace>
+  <inkml:trace contextRef="#ctx0" brushRef="#br0" timeOffset="-174375.73">7506 5842 24575,'29'0'0,"4"0"0,-22 0 0,8 0 0,-12 0 0,-3 0 0,4 0 0,-3 0 0,2 0 0,-1 0 0</inkml:trace>
+  <inkml:trace contextRef="#ctx0" brushRef="#br0" timeOffset="-172027.73">8948 5242 24575,'-21'27'0,"-13"9"0,0 9 0,-4-2 0,6-4 0,13-12 0,4-5 0,4-4 0,1 3 0,3-10 0,3 2 0,1-7 0,3 6 0,0-2 0,0 8 0,0-2 0,0-2 0,0 0 0,0-7 0,0 1 0,0 1 0,0-2 0,0 4 0,0-5 0,0 3 0,0-3 0,0 2 0,0 4 0,3 1 0,-2-2 0,1 1 0,-2-2 0,3 0 0,-2-1 0,1 0 0,1 0 0,1 5 0,5 7 0,1-3 0,2 7 0,-2-8 0,3-1 0,3 3 0,-4-4 0,6 4 0,-5-3 0,-2-5 0,4 4 0,-8-8 0,1 1 0,-1 1 0,-2-2 0,-1-1 0,-2-4 0</inkml:trace>
+  <inkml:trace contextRef="#ctx0" brushRef="#br0" timeOffset="-171058.73">9107 5497 8191,'0'13'0,"0"22"5063,0 15-5063,0-17 0,0 1 2818,0 25-2818,0-12 0,0-6 1719,0-21-1719,0-7 6784,0-4-6784,0-3 0,0 0 0,0-1 0,5-1 0,-1-2 0,5 1 0,3-3 0,-8 3 0,5-3 0</inkml:trace>
+  <inkml:trace contextRef="#ctx0" brushRef="#br0" timeOffset="-169994.73">9419 5736 8191,'0'15'0,"0"2"5063,0 24-5063,0-7 2818,0-5-2818,0-9 1719,0-17-1719,0-4 6784,0-10-6784,3-6 0,1 0 0,2-3 0,1 7 0,3-7 0,-1 6 0,7-8 0,-3 9 0,9-1 0,-1 2 0,3 4 0,0 2 0,-2-1 0,0 6 0,0-5 0,6 2 0,-3-3 0,-1 1 0,-8 2 0,-10 1 0,-4 3 0</inkml:trace>
+  <inkml:trace contextRef="#ctx0" brushRef="#br0" timeOffset="-169380.73">9827 5946 24575,'0'0'0</inkml:trace>
+  <inkml:trace contextRef="#ctx0" brushRef="#br0" timeOffset="-168580.73">10140 5742 24575,'0'34'0,"0"0"0,0 19 0,0-19 0,0-1 0,0 11 0,0 14 0,0-13 0,0-6 0,0-16 0,0-14 0,0-6 0,0-1 0</inkml:trace>
+  <inkml:trace contextRef="#ctx0" brushRef="#br0" timeOffset="-167664.73">10140 5722 24575,'0'-12'0,"30"-9"0,-7 2 0,27 2 0,-15 10 0,0 7 0,-7 0 0,-8 0 0,-8 0 0,-6 0 0,0 0 0,0 0 0,-2 6 0,-2-2 0,-2 4 0,0-2 0,0 6 0,0-4 0,0 7 0,0 1 0,-12 2 0,-1 2 0,-7-3 0,-1-6 0,7 2 0,-7-5 0,-3 4 0,4-4 0,-7-1 0,7-1 0,-1-5 0,1 4 0,10-4 0,5 2 0</inkml:trace>
+  <inkml:trace contextRef="#ctx0" brushRef="#br0" timeOffset="-166543.73">10447 5680 8191,'-3'5'0,"1"-1"5063,2 7-5063,0 6 2818,0-2-2818,0 5 0,0-10 1719,0 2-1719,0-5 6784,0 5-6784,0-5 0,0 1 0,0-2 0,0-5 0,2-8 0,5-12 0,0 1 0,-1-4 0,2 6 0,-1-1 0,3 1 0,2 0 0,-5 7 0,1 0 0,1 3 0,-2 2 0,1-1 0,1 1 0,1 1 0,5-3 0,-4 6 0,4-3 0,-2 3 0,1 0 0,-4 0 0,-4 0 0</inkml:trace>
+  <inkml:trace contextRef="#ctx0" brushRef="#br0" timeOffset="-165294.73">10753 5715 24575,'18'0'0,"6"0"0,-6 0 0,3 0 0,-12 0 0,3-6 0,-4-7 0,2-11 0,-6 3 0,-1-9 0,-3 15 0,0-10 0,0 10 0,0 1 0,0 1 0,0 6 0,0-2 0,-6 0 0,2 5 0,-5-1 0,3 5 0,0 0 0,-4 0 0,4 0 0,-6 0 0,-1 0 0,2 0 0,-4 0 0,2 5 0,2 3 0,-1 5 0,5-3 0,-3 8 0,3 0 0,-6 12 0,9 2 0,-6 7 0,9-3 0,-2-7 0,3 0 0,0-14 0,0 1 0,0-1 0,0-5 0,3 9 0,6-6 0,4 3 0,7-4 0,-1 1 0,3-3 0,-4-4 0,5 0 0,-9-5 0,-3 2 0,-5-3 0</inkml:trace>
+  <inkml:trace contextRef="#ctx0" brushRef="#br0" timeOffset="-163144.73">11055 5741 24575,'0'9'0,"0"3"0,0 2 0,0-2 0,0-3 0,5-4 0,8-1 0,7-2 0,5-2 0,-5 0 0,1 0 0,-1 0 0,1-8 0,-3-4 0,-3-18 0,-10 2 0,1-13 0,-6 8 0,0-17 0,-11 4 0,-7-1 0,-17 12 0,-1 21 0,6 8 0,7 6 0,4 0 0,4 0 0,-4 0 0,8 2 0,-1 5 0,5 3 0,-7 7 0,7-3 0,-7 10 0,7 0 0,0 4 0,4-1 0,3-2 0,0-4 0,0-5 0,0-4 0,3-6 0,3 0 0,17 1 0,-7-4 0,14 0 0,-6-3 0,9-17 0,5-8 0,0-21 0,-14 6 0,-3 3 0,-10 0 0,1 13 0,-5-4 0,-4 8 0,-3 9 0,0-10 0,0 10 0,0-11 0,0 12 0,0-2 0,0 6 0,0 0 0,0 0 0,0 0 0,0 1 0,0-1 0,0 0 0,0 0 0,0 0 0,0-3 0,0 2 0,0-8 0,0 7 0,0-4 0,0 3 0,0 2 0,0 6 0,0 19 0,0 16 0,0 1 0,0 1 0,0-14 0,0 6 0,0-9 0,0 4 0,0-4 0,3-5 0,-2 8 0,7-6 0,-7 1 0,8-4 0,-2 9 0,0-9 0,6 20 0,-6-18 0,3 8 0,0-3 0,0-3 0,-3 2 0,1-4 0,-7-5 0,2-1 0,-1-1 0,-1-1 0,2 1 0,-3-2 0,0 0 0,0 0 0,2-3 0,1 0 0,6-1 0,-3-1 0,0 1 0,-3-2 0</inkml:trace>
+  <inkml:trace contextRef="#ctx0" brushRef="#br0" timeOffset="-162461.73">11655 5623 24575,'0'37'0,"0"-8"0,0 31 0,0-27 0,0 11 0,0-26 0,0-5 0,0-10 0</inkml:trace>
+  <inkml:trace contextRef="#ctx0" brushRef="#br0" timeOffset="-161914.73">11683 5579 24575,'0'0'0</inkml:trace>
+  <inkml:trace contextRef="#ctx0" brushRef="#br0" timeOffset="-160961.73">12144 5591 24575,'-21'0'0,"-11"0"0,-8 0 0,-1 0 0,12 0 0,13 0 0,10 11 0,3 13 0,3 8 0,0 9 0,0-15 0,0-6 0,0-5 0,3-8 0,0 9 0,3-10 0,7 7 0,-3-9 0,6 4 0,8-4 0,-5 0 0,5-1 0,3 1 0,-2-4 0,3 4 0,-1-4 0,-14 0 0,2 0 0,-8 0 0,2-6 0,2-20 0,-7 15 0,3-13 0</inkml:trace>
+  <inkml:trace contextRef="#ctx0" brushRef="#br0" timeOffset="-160231.73">12343 5205 24575,'0'32'0,"0"1"0,0 5 0,1 14 0,3 5 0,1 4 0,3 3 0,3-5 0,2 3 0,1-5-1606,2-2 1,2-3 1605,3 9 0,-1-5 0,8-2 1010,-14-17-1010,1-9 527,-8-8-527,0-4 0,-4-9 0,0-3 0,-3-2 0,0-5 0</inkml:trace>
+  <inkml:trace contextRef="#ctx0" brushRef="#br0" timeOffset="-159344.73">12236 5618 24575,'37'-3'0,"-7"2"0,-1-2 0,-13 3 0,-4 0 0,-5 0 0,8 0 0,-2 0 0,4 0 0,-7 0 0,-4 0 0</inkml:trace>
+  <inkml:trace contextRef="#ctx0" brushRef="#br0" timeOffset="-158647.73">11611 5495 24575,'0'0'0</inkml:trace>
+  <inkml:trace contextRef="#ctx0" brushRef="#br0" timeOffset="-157728.73">12769 5181 24575,'0'30'0,"0"2"0,0 3 0,0 2 0,0 2 0,0 10 0,0 0 0,0-12 0,0-3 0,0 28 0,0-22 0,0-4 0,0-18 0,0 13 0,0-8 0,0 9 0,6-12 0,-2-2 0,11-4 0,-1 2 0,6-9 0,-3 1 0,-6-7 0,-5 2 0</inkml:trace>
+  <inkml:trace contextRef="#ctx0" brushRef="#br0" timeOffset="-156847.73">13018 5454 8191,'2'0'0,"19"26"5063,8 4-5063,10 23 2818,-2-6-2818,-14-13 1719,-6-6-1719,-6-7 6784,-5-10-6784,0 2 0,3-1 0,-4-5 0,6 9 0,-3-4 0,5 8 0,3 0 0,-5 6 0,1-12 0,-6 2 0,3-8 0,-5-1 0,1 2 0,-2-6 0,-2 2 0,2-4 0,-3 1 0</inkml:trace>
+  <inkml:trace contextRef="#ctx0" brushRef="#br0" timeOffset="-155948.73">13040 5907 24575,'27'-21'0,"3"-3"0,-14 5 0,10-7 0,4-4 0,-8 5 0,6-7 0,-14 12 0,3-4 0,-5 4 0,-1 6 0,4-4 0,-10 7 0,9-5 0,-6 0 0,2-1 0,2 3 0,-6 2 0,3 9 0,-6-2 0,0 4 0,-3-2 0</inkml:trace>
+  <inkml:trace contextRef="#ctx0" brushRef="#br0" timeOffset="-155298.73">13517 5263 24575,'0'34'0,"0"-7"0,0 10 0,0 0 0,0 21 0,0-16 0,7 8 0,-2-31 0,2-4 0,-4-9 0</inkml:trace>
+  <inkml:trace contextRef="#ctx0" brushRef="#br0" timeOffset="-154631.73">13729 5929 24575,'0'29'0,"0"-2"0,0 3 0,0-12 0,0-5 0,0-11 0</inkml:trace>
+  <inkml:trace contextRef="#ctx0" brushRef="#br0" timeOffset="-153827.73">13958 5789 24575,'25'0'0,"-1"3"0,2 1 0,-7 5 0,-6-5 0,-4 1 0,-4-5 0,1 0 0,0 0 0,0 0 0,2 0 0,-4 0 0,2 0 0</inkml:trace>
+  <inkml:trace contextRef="#ctx0" brushRef="#br0" timeOffset="-152794.73">14134 5732 24575,'0'66'0,"0"-30"0,0 1 0,0 1 0,0-1 0,0-1 0,0-1 0,0 19 0,0-21 0,0-13 0,0-11 0,0-4 0,0-2 0,0 0 0</inkml:trace>
+  <inkml:trace contextRef="#ctx0" brushRef="#br0" timeOffset="-151915.73">14272 5199 24575,'0'27'0,"0"3"0,0-12 0,0-2 0,0-4 0,0-3 0,0 8 0,0 4 0,0 3 0,0-8 0,0-6 0,0-8 0</inkml:trace>
+  <inkml:trace contextRef="#ctx0" brushRef="#br0" timeOffset="-150412.73">14598 5145 24575,'4'26'0,"-3"-1"0,5-6 0,-6 7 0,6-4 0,-5 16 0,2-5 0,-3 4 0,0-12 0,0 5 0,0-10 0,0 11 0,0-9 0,0 9 0,0-8 0,3-3 0,-3 0 0,3-12 0,-3 8 0,0-6 0,0 9 0,0 6 0,0 6 0,0 4 0,0-3 0,0-11 0,0-3 0,0-11 0,0 2 0,0-3 0,0 0 0,0 0 0,0 0 0,-3 3 0,3-2 0,-3 4 0,3-4 0,-3-1 0,3-1 0,-3-2 0,3 3 0,0 2 0,0-1 0,0 1 0,-6-1 0,4 8 0,-4-7 0,6 11 0,0-6 0,-2 0 0,1 2 0,-2 11 0,3-10 0,0 5 0,0-15 0</inkml:trace>
+  <inkml:trace contextRef="#ctx0" brushRef="#br0" timeOffset="-148398.73">13603 5190 8191,'-3'3'0,"1"0"5063,2 12-5063,0 6 2818,0 15-2818,0-2 1719,0-1-1719,0-6 6784,0-6-6784,0 1 0,0 10 0,0 3 0,0-2 0,3 4 0,-2-12 0,2-4 0,-3-3 0,0-8 0,0 4 0,0 5 0,0-8 0,0 8 0,0-9 0,0 6 0,0 4 0,0 3 0,0 4 0,0-1 0,0-2 0,-3 1 0,0-10 0,-1 3 0,1-8 0,0 0 0,3 3 0,-6-7 0,3 7 0,-4 0 0,1 3 0,2 1 0,-1-2 0,-2 5 0,0-3 0,-6 9 0,6-9 0,0 2 0,4-9 0,1-1 0,1-3 0,-2 0 0,3 0 0,-2-3 0,1 3 0,-2-3 0,3 3 0,0-3 0,0 0 0</inkml:trace>
+  <inkml:trace contextRef="#ctx0" brushRef="#br0" timeOffset="-147429.73">13376 5231 24575,'0'12'0,"0"-1"0,0-1 0,0 2 0,0 3 0,0 3 0,0-4 0,0 1 0,0-6 0,0-1 0,0 1 0,0-5 0,0 1 0</inkml:trace>
+  <inkml:trace contextRef="#ctx0" brushRef="#br0" timeOffset="-145231.73">2046 6232 8191,'21'3'0,"33"0"1164,-13-3 1,8 0-1,4 0-1164,3 0 0,4 0 0,4 0 0,2 0 0,-13 1 0,3 0 0,1 0 0,1 0 0,-2 0 0,-3 0-7,11 1 0,-3-1 1,-1 0-1,2 1 7,6 1 0,3-1 0,-4 2 0,-10 1 0,-5 3 0,-5-1 427,-2-4 0,2-1 1,-3 2-428,4 5 0,-1 1 2079,18-7 1,3-1-2080,-6 3 0,1 0 0,-19-3 0,1-1 0,0 0 0,1-1 0,0 0 0,-2 0 0,7 0 0,-2 0 640,-7 0 1,-1 0-641,25 0 0,-33 0 4073,-13 0-4073,-8 3 1779,-5-3-1779,2 3 0,-3-3 0,0 3 344,0-2-344,-57 1 0,11-1 0,-7-1 0,-4-1 0,2 1 0,-4 0 0,-2 0 0,-2 0-530,-2 0 0,-4 1 1,-1-1-1,1 0 1,5-1 529,3 0 0,3 0 0,2 0 0,-1 0 0,-16 0 0,0 2 0,5-3 0,-1-3 0,4 0 0,3 4 0,-2 0-126,6-2 0,-4-1 0,3 0 126,-12 1 0,4 1 0,5-1 0,4 0 0,15 0 0,2 1 0,-27 2 0,-4 0 0,23 0 0,-1 0 0,-2 0 0,2 0 0,-20 0-4048,-1 0 4048,32 0 290,1 0-290,1 0 0,2 0 0,2 0 0,3 0 0,10 0 6784,-4 0-6784,7 0 0,-4 0 0,9 0 0,3 0 0</inkml:trace>
+  <inkml:trace contextRef="#ctx0" brushRef="#br0" timeOffset="-143527.73">1506 6313 24575,'0'18'0,"-8"20"0,-7 16 0,1 4 0,5-7 0,2 3 0,0 2 0,-1 3-1243,-2 1 0,0 2 1,-1 2-1,2 2 0,1 0 1243,2-6 0,1 3 0,1 0 0,1 0 0,0-2 0,0-2 0,1-3 0,1-3 0,0-1 0,1 0 0,-1 2 0,1 6 0,0 3 0,0 0 0,0-4 0,0-5 0,0 0 0,-1-5 0,2 1 0,3 10 0,2 1 0,1-11 1450,4 9-1450,1-19 0,2-2 1075,10 9-1075,4 0 0,-9-19 0,2 0 0,2 1 0,2-1 1663,11 4 1,2-1-1664,0 1 0,2-1 0,6 0 0,1-3 0,-7-6 0,-1-3-647,0 0 0,-2-3 647,20 4 0,-22-6 0,-16-10 0</inkml:trace>
+  <inkml:trace contextRef="#ctx0" brushRef="#br0" timeOffset="-142498.73">2431 8494 8191,'11'24'0,"7"8"0,3 6 2325,2 3 1,2 4-2326,0 2 0,2 5 0,1-2 0,0-5 0,1-2 0,-2 0 0,-5 1 0,-1-1 0,0-1 0,9 11 0,-4-7 0,-5 0 2868,-11-23-2868,-7-68 0,8 0 0,3-9 0,-3-1 0,1-4 0,2-2 302,3-1 0,2 0 0,1-1-302,0-2 0,0 0 0,0 5 0,-6 15 0,-1 2 0,0 3 0,4-10 0,-2 6 6202,1-5-6202,-9 29 435,-4 10-435,-13 7 0,-26 1 0,4 1 0,-4 2-2731,-11-1 0,-1 0 2731,4 0 0,1 0 0,3-1 0,0 2 0,-1 4 0,3 0 0,-4-2 0,-13 11 0,42-14 0,5 6 0,3-5 0,5 1 0</inkml:trace>
+  <inkml:trace contextRef="#ctx0" brushRef="#br0" timeOffset="-141145.73">2862 9923 24575,'0'58'0,"0"-18"0,0-9 0,0-18 0,9-3 0,-1-4 0,11-3 0,23-3 0,20 0 0,-16-1 0,3-2 0,-2-4 0,0-3 0,-1-1 0,-2-5 0,-9-3 0,-4-3 0,15-12 0,-15 0 0,-13 15 0,-4-12 0,-3 14 0,-1-10 0,-6 11 0,-2 3 0,-2 0 0,0 4 0,-5 6 0,-8 1 0,-1 2 0,-9 0 0,0 0 0,-24 14 0,-13 9 0,22-6 0,-1 0 0,6 0 0,1-1 0,-19 7 0,23-7 0,12-6 0,8-1 0,2-3 0,3-1 0,0 1 0,3 0 0,0 0 0,0-1 0,0 4 0,0-5 0,0 1 0</inkml:trace>
+  <inkml:trace contextRef="#ctx0" brushRef="#br0" timeOffset="-110014.73">16133 16131 24575,'0'21'0,"0"3"0,0 27 0,0-25 0,0 9 0,0-29 0,0 0 0,0-5 0,0-7 0,0-1 0,0-4 0,0-8 0,6-10 0,-5-1 0,8-7 0,-5 20 0,-1-2 0,10 44 0,-3 20 0,1 1 0,0 3 0,-2-10 0,-1-1 0,0 3 0,0-4 0,-1-9 0,-5-6 0,-2-20 0</inkml:trace>
+  <inkml:trace contextRef="#ctx0" brushRef="#br0" timeOffset="-108023.73">16121 15922 24575,'0'-32'0,"0"8"0,0-16 0,0-1 0,0 14 0,0-22 0</inkml:trace>
+  <inkml:trace contextRef="#ctx0" brushRef="#br0" timeOffset="-107472.73">16083 14405 24575,'0'-36'0,"0"-11"0,0 4 0,0-6 0,0 7 0,0-4 0,0 1-2071,0 0 1,0 1 0,0-3 2070,0-2 0,0-4 0,0 1 0,0 5 0,0-9 0,0-2 4,0 6 0,0-11 0,0-2 1,0 4-1,0 13 0,0 6 1,0 3-1,0-21 0,0 0 0,0 1 1</inkml:trace>
+  <inkml:trace contextRef="#ctx0" brushRef="#br0" timeOffset="-106889.73">16093 12248 8191,'0'-13'0,"0"-37"1388,0 10 0,0-9 0,0-2-1388,0-9 0,0-2 0,0-2 0,0-1 0,0 0 0,0-4 0,0 13 0,0-5 0,0 0 0,0 2 0,0 6 0,0-2 0,0 5 0,0-1 0,0-12 0,0-1 0,0 11 0,0-10 0</inkml:trace>
+  <inkml:trace contextRef="#ctx0" brushRef="#br0" timeOffset="-106263.73">16087 10070 24575,'0'-59'0,"0"0"0,0 0 0,0 4 0,0-3 0,0 1 0,0 3 0,0 3 0,0 3 0,0 1 0,0-1 0,0 1 0,0 0 0</inkml:trace>
+  <inkml:trace contextRef="#ctx0" brushRef="#br0" timeOffset="-105065.73">16008 9394 8191,'-3'5'0,"0"4"5063,3 0-5063,0 0 2818,0 0-2818,45-6 1719,-1-4-1719,-6-3 0,0-2 0,12-11 6784,-12-8-6784,-22 0 0,-3 8 0,-10 2 0,-6 12 0,-26 0 0,-1 3 0,-1 0 0,-4 0 0,-25 4 0,5 4 0,3 6 0,25 17 0,9-2 0,9 6 0,9-9 0,0 2 0,20-2 0,-1-4 0,23-9 0,-18-9 0,3-4 0,-17 0 0,2 0 0,-8-6 0,-16 5 0,2-4 0,-11 5 0,8 0 0,4 0 0,1 5 0,3-1 0,5 13 0,0-6 0,8 7 0,1-11 0,7-1 0,-1-6 0,-5 0 0,2 0 0,-9 0 0,0 0 0</inkml:trace>
+  <inkml:trace contextRef="#ctx0" brushRef="#br0" timeOffset="-189977.46">4299 11975 24575,'0'62'0,"0"1"0,0-13 0,0 3 0,0 2 0,0 5 0,0-2-911,0-11 0,0-3 1,0 3 910,0 10 0,0 3 0,0-1-1138,0-3 1,0 1-1,0 0 1138,0 1 0,0 1 0,0 4 0,0-10 0,0 5 0,0 1 0,0-1 0,0-6 199,0 5 1,0-5 0,0 5-200,0 5 0,0 7 0,0-2 0,0-9 0,0-1 0,0-5 0,0 6 0,0-4 0,0-16 0,0-3 0,0 27 0,0-19 0,0 14 0,-3-16 1108,2 9-1108,-3-8 3473,4-7-3473,-6 9 965,5-9-965,-5 0 0,6-6 0,0-5 0,0-3 0,-3-7 0,2 4 0,-5-5 0,5 0 0,-2 0 0,1 0 0,1-4 0,-2-1 0,3-4 0,0-2 0</inkml:trace>
+  <inkml:trace contextRef="#ctx0" brushRef="#br0" timeOffset="-188177.46">4307 11686 24575,'0'50'0,"-4"-9"0,-2 3 0,1 8 0,-1 2 0,-5 12 0,-2-3 0,3-26 0,1-2 0,0 7 0,0-3 0,-2 2 0,7 1 0,0-14 0,4-16 0,0 0 0,0-5 0,0-18 0,12-9 0,3-14 0,3-5 0,0 4 0,2-2 0,8-15 0,-1-1 0,-6 10 0,-3 3 0,0 0 0,-2 3 0,7-18 0,-9 18 0,-4 17 0,-7 7 0,0 15 0,1 16 0,4 20 0,1 7 0,3 7 0,0 10 0,-2-14 0,2 13 0,-4-23 0,0-2 0,0-8 0,-4 1 0,2-5 0,-5-5 0,5-7 0,-6-9 0,3-3 0</inkml:trace>
+  <inkml:trace contextRef="#ctx0" brushRef="#br0" timeOffset="-186362.46">3440 14139 24575,'57'0'0,"1"0"0,-1 0 0,0 0 0,1 0 0,2 0 0,-1 0 0,1 0 0,4 0 0,7 0 0,-19 0 0,4 0 0,3 0 0,2 0 0,3 0 0,1 0 0,0 0 0,1 0 0,-1 0 0,0 0 0,-2 0-894,-2 0 0,1 0 1,1 0-1,-1 0 0,0 0 1,0 0-1,0 0 0,0 0 1,-1 0-1,0 0 0,-1 0 745,3 0 0,-1 0 0,0 0 0,0 0 0,0 0 0,-1 0 0,0 0 0,-1 0 0,1 0 0,-1 0 168,4 0 0,1 0 0,-1-1 1,0 1-1,0 0 0,-1 0 1,-2 0-1,-1 0 0,-1 1-19,3 0 0,-2-1 0,-1 2 0,-2-1 0,-1 0 0,0 1 0,-1 1-313,13 0 1,-3 1-1,0 1 1,-1 0-1,1 1 313,2 1 0,1 1 0,0 1 0,-4 0 0,-3 0 0,-5 2 0,-4 0 0,-2 1 0,-3-1-377,2 0 0,-3 1 0,1 0 377,6 5 0,1 1 0,-7-4 3287,17-2-3287,-4 5 0,11 6 0,-13-6 0,2-7 681,-12 0 0,8 3 0,-8-4-681,11 0 2764,-9-6 0,2 0-2764,-7 0 0,0 1 0,2-1 0,-2-1 2984,22 3-2984,-17 2 0,-23-6 0,-1 2 0,-8 0 0,3-2 0,-10 2 0,6-3 0,-10 0 0,2 0 0,2 3 0,-3-3 0,3 3 0,-5-3 0,0 0 0,-8 0 0,-11 0 0,-39 0 0,16 1 0,-5-2 0,-15-8 0,1-3 0,15 5 0,3-2 0,-3-7 0,3-4 0,-13-16 0,13 12 0,-6-10 0,25 19 0,7 1 0,2 4 0,6 4 0,-3 0 0,6 0 0,16 3 0,37 18 0,-20-5 0,3 0 0,9 6 0,0 1 0,-8-3 0,-3 0 0,24 9 0,-21-5 0,-6-4 0,-15-5 0,-3-5 0,-5 1 0,1-1 0,-2-1 0,4 2 0,-4-1 0,2-1 0,-3 3 0,-1-3 0,1 0 0,-3 2 0,0-2 0,-6 6 0,-27 13 0,4-2 0,-2 3 0,-5-1 0,0 0 0,-2 6 0,2-1 0,-2 0 0,14-3 0,14-17 0,4-1 0</inkml:trace>
+  <inkml:trace contextRef="#ctx0" brushRef="#br0" timeOffset="-185544.46">9663 14050 24575,'3'12'0,"17"23"0,1 2 0,-1-7 0,1 0 0,3 10 0,15 3 0,-21-24 0,4 6 0,0 1 0,5 2 0,-3 3 0,1 2 0,17 10 0,-14-10 0,1 2 0,-1-2 0,0 0 0,1 0 0,-1 0 0,-4-6 0,-3-2 0,9 5 0,-14-13 0,-10-11 0,-3-4 0</inkml:trace>
+  <inkml:trace contextRef="#ctx0" brushRef="#br0" timeOffset="-184846.46">9695 14819 8191,'-3'-7'0,"15"-30"0,9-10 1725,-2 13 1,3-2-1726,-1-4 0,1-3 0,2 0 1386,13-13 1,0 2-1387,-5 4 0,-2 0 0,2-4 0,-2 3 0,-6 13 0,-4 4 0,3-8 1929,-10 26-1929,-10 7 1516,0 3 1,-3 3 0,0 0 0</inkml:trace>
+  <inkml:trace contextRef="#ctx0" brushRef="#br0" timeOffset="-183829.46">3781 11209 8191,'17'8'0,"13"4"2531,1 5 1,4 3-2532,5 1 0,0 0 1409,-3-3 0,0-1-1409,-5 3 0,-3-3 1719,3-5-1719,-12 0 6784,-8-8-6784,-3-1 0,-3-3 0,-1 0 0,1 2 0,-3-1 0,0 1 0</inkml:trace>
+  <inkml:trace contextRef="#ctx0" brushRef="#br0" timeOffset="-183145.46">4339 11002 24575,'-36'53'0,"9"-14"0,7-9 0,1 2 0,4-1 0,1 0 0,-20 23 0,17-17 0,0 0 0,-2-3 0,0-2-4252,0 4 1,1-2 4251,-8 14 1238,-2 6-1238,12-25 0,1 3 0,3-10 0,-5 5 0,12-11 6547,-8 7-6547,12-6 179,-5 1 1,5-5-1,-2-4 1</inkml:trace>
+  <inkml:trace contextRef="#ctx0" brushRef="#br0" timeOffset="-181611.46">5175 13180 8191,'0'-15'0,"5"1"5063,3-7-5063,2 6 0,-1 15 2818,1-3-2818,0 3 1719,3 14-1719,-2 14 6784,-1 15-6784,-5-4 0,-2-5 0,-6-21 0,-3-4 0,-4-6 0,-8-3 0,-2 0 0,2 0 0,1 0 0,8 0 0,3 0 0,2-3 0,2 0 0,2-5 0,0 1 0,2-2 0,4 6 0,-2 3 0,1 3 0,-5 3 0,-3 0 0,0 0 0,-3-3 0,3-3 0,0-10 0,19-8 0,22-10 0,24 7 0,-19 12 0,1 2 0,-7 5 0,-1 3 0,-1 8 0,-3 4 0,3 15 0,-13 7 0,-15 2 0,-4-13 0,-3 0 0,-16 3 0,-12-7 0,-14 9 0,-6-11 0,11-3 0,9-8 0,12-4 0,5-3 0,7 0 0,-2 0 0</inkml:trace>
+  <inkml:trace contextRef="#ctx0" brushRef="#br0" timeOffset="-179861.46">5759 11821 8191,'-3'19'0,"0"2"5063,3 16-5063,0-8 0,7-3 2818,10-2-2818,13-4 0,10-6 0,-6-8 1719,-7-6-1719,-9-6 0,-8-1 0,0-6 6784,-4-1-6784,1 1 0,-3-1 0,-2-7 0,-2-8 0,-18-16 0,-6 7 0,-22 2 0,4 18 0,3 11 0,15 3 0,10 7 0,9 0 0,13 0 0,3 0 0,5-3 0,-3 0 0,-5-3 0,-2-3 0,-2-4 0,-4 4 0,-6 0 0,-1 6 0,-2 0 0,3 3 0,3 0 0,0 6 0,3-3 0,0 3 0,0 0 0,0-3 0,6 0 0,-3-3 0,6-3 0,-6-3 0,0 0 0,-3-3 0,-3 3 0,3 12 0,-6 10 0,5 8 0,-2-3 0,3-8 0,0-7 0,3-3 0,3-3 0,1 0 0,8-23 0,-10 16 0,4-16 0</inkml:trace>
+  <inkml:trace contextRef="#ctx0" brushRef="#br0" timeOffset="-178112.46">6656 12887 8191,'5'3'0,"10"-4"5063,3-6-5063,3-3 2818,-9-12-2818,-7-1 1719,1 0-1719,-6 3 6784,-3 13-6784,-13 1 0,-3 6 0,-6 3 0,6 1 0,9 6 0,-3 6 0,5 5 0,2-1 0,3 0 0,3-1 0,0-1 0,0 1 0,2-4 0,4-8 0,1-2 0,2-5 0,-3 0 0,0 0 0,0 0 0,0-5 0,-3 1 0,0-5 0,-3 3 0,0 0 0,0 0 0,-3 3 0,-3 0 0,-7 3 0,3 0 0,-2 3 0,9 0 0,0 6 0,3-2 0,0 1 0,0 4 0,3 2 0,10 2 0,4-3 0,5-6 0,1-4 0,-9-3 0,0 0 0,-1 0 0,-6-6 0,2 2 0,-3-6 0,-2 4 0,-2-3 0,-2 3 0,-8 0 0,-6 3 0,-6 3 0,3 0 0,5 0 0,8 2 0,2 1 0,2 0 0,0 0 0</inkml:trace>
+  <inkml:trace contextRef="#ctx0" brushRef="#br0" timeOffset="-176645.46">5144 13298 8191,'-4'2'0,"2"2"5063,10 4-5063,10 2 2818,3-2-2818,9-2 1719,-16-6-1719,2 0 6784,-7 0-6784,1 0 0,3 0 0,0-12 0,-3-6 0,-4-21 0,-3-7 0,-3-8 0,0 18 0,-3 1 0,-10 18 0,1 2 0,-4 2 0,3 10 0,0 0 0,-3 3 0,-1 0 0,4 15 0,4 13 0,5 8 0,0 10 0,4-13 0,0 9 0,0-9 0,0 8 0,0-8 0,4 4 0,3-10 0,11 6 0,-6-17 0,7 3 0,-12-13 0,5 1 0,1-4 0,1 0 0,4-15 0,-7-1 0,2-7 0,-3-11 0,-2 14 0,-1-10 0,-4 14 0,-3 0 0,0 0 0,-5 7 0,-9 0 0,-7 6 0,-7 0 0,11 3 0,1 0 0,10 3 0,3 0 0,0 3 0,3-3 0,3 0 0,-3-3 0,3-3 0</inkml:trace>
+  <inkml:trace contextRef="#ctx0" brushRef="#br0" timeOffset="-173629.46">1870 14035 8191,'42'-31'0,"-9"8"0,7-6 504,-3 2 1,8-5 0,5-3 0,0-1-1,-1 1-504,-1 1 0,-1-1 0,1 0 0,2 0 0,2-1 0,-7 5 0,2-1 0,1 0 0,2 0 0,0 0 0,0-1 0,1 1-124,2-3 0,2 0 0,0 0 0,1 0 0,0 1 0,0 0 0,0 2 124,-1 1 0,0 2 0,0 1 0,1 0 0,0 0 0,-1 1 0,1-2 0,-1 0 0,0 0 0,0 0 0,0 0 0,0 0 0,0 0 0,1 2 0,1 0 0,2 1 0,0 0 0,0 1 0,-2 0 0,-1 2 0,-4 0 0,12-5 0,-4 2 0,-2 2 0,3-2 0,-7 4 0,3-1 0,0 0 0,-2 2 0,-5 1 0,5-1 0,-5 2 0,2 0 155,-1 0 1,2 0-1,0 0 1,-3 2-156,-1 1 0,-3 0 0,2 0 930,8-4 1,1-1 0,-1 1-931,-7 3 0,-1 1 0,0 0 0,1-2 0,-1-1 0,2 0 0,8-4 0,2 0 0,-2 0 0,-6 3 0,-1 1 0,-2 0 0,13-5 0,-5 1 0,-14 5 0,-2 0 0,0 2 0,-2 1 0,21-10-978,-20 7 1,-1 1 977,7 2 3416,6-6-3416,10 0 0,-12 2 0,-10 3 0,0-1 0,7-2 2546,4-4-2546,-4 0 524,1 2-524,-19 6 0,1-1 3392,4 2 0,0 0-3392,-1-1 0,-2 1 0,23-6 0,-8 1 0,5 3 0,-14-1 0,-3 5 0,1 0 0,2-5 0,9 2 0,-6-4 0,0 3 0,9-3 0,-6 1 0,0 3 0,-13 4 0,6-3 0,-3 5 0,-4-2 0,3 4 0,-14 0 0,9-1 0,-15 2 0,10-1 0,-12 1 0,3-1 0,-1 1 0,0-3 0,0-7 0,45-6 0,-1-7-792,-5 13 0,3 0 792,-6-2 0,3-2 0,1 1 0,3-1 0,1-1 0,-1 0 0,-1 0 0,2-1-236,-9 3 0,2 0 0,0-1 1,-2 1 235,9-4 0,0 1 0,-4 0-1983,-7 3 1,-2 1 0,-3 0 1982,8-1 0,-4 0 0,-7 1 0,-2 2 0,17-5 0,-11-1 1006,0 4-1006,-10 5 684,-9 3-684,5 2 6784,9-3-6784,3-1 0,10 1 0,-1 0 0,-12 4 0,-2 3 0,-14-8 0,-6 10 0,-9-7 0</inkml:trace>
+  <inkml:trace contextRef="#ctx0" brushRef="#br0" timeOffset="-162559.46">868 4441 8191,'-7'-5'0,"2"-20"5063,5-15-5063,0-20 0,0 17 0,0 0 0,0-12 0,0 17 0,0 3 0,0 1 2818,-7-17-2818,5 20 1719,-9-10-1719,11 13 6784,-10 2-6784,9 2 0,-8 8 0,3 7 0,-1 6 0,-4 0 0,4 3 0,-2 0 0,3 3 0,0 0 0,0 3 0,-6 9 0,-6 7 0,-6 5 0,0 1 0,1-8 0,6-8 0,5-5 0,5-7 0,5-4 0,2-4 0,5-1 0,2-4 0,0 4 0,1 0 0,-2 3 0,1 0 0,1 0 0,-2-1 0,4 1 0,-3 2 0,8-2 0,-2 6 0,7-3 0,-1 3 0,4 0 0,-3 0 0,6 0 0,-6 0 0,-3 0 0,-2 0 0,-8 0 0,6 0 0,-6 2 0,5 2 0,-6 2 0,3-3 0,3 5 0,-2-1 0,3 3 0,-4-1 0,-1-1 0,-4-4 0,1 1 0</inkml:trace>
+  <inkml:trace contextRef="#ctx0" brushRef="#br0" timeOffset="-156891.46">3381 14802 24575,'25'0'0,"10"0"0,10 0 0,-1 0 0,-7 0 0,-15 0 0,9 0 0,-1-7 0,14-1 0,0 0 0,0-5 0,-5 8 0,4-9 0,-7 3 0,-3 3 0,-5-2 0,-6 6 0,0-3 0,0-1 0,10-2 0,-2-1 0,9-4 0,-4 4 0,-4-2 0,3 6 0,-6-6 0,10 2 0,-15 1 0,7-1 0,-15 4 0,2 0 0,0 0 0,3-3 0,9-1 0,-2-5 0,8 1 0,-8-2 0,-2 7 0,-6 0 0,0 0 0,-4 3 0,4-6 0,-9 6 0,3-3 0,5-5 0,-5 3 0,5-7 0,-5-1 0,5-5 0,7-11 0,3-4 0,0 3 0,-8 5 0,-2 12 0,-4-4 0,-3 6 0,5-3 0,-5 0 0,3 3 0,5-4 0,7-11 0,11-9 0,2-5 0,-15 19 0,0-1 0,16-18 0,3-4 0,-9 6 0,-8 14 0,-5 0 0,-7 13 0,-2-4 0,2 0 0,-6-4 0,5 6 0,2-15 0,-1 12 0,3-11 0,-4 10 0,-3 2 0,0-1 0,-4 9 0,0-9 0,-2 12 0,2-6 0,-2 4 0,2-7 0,-2 5 0,2-4 0,-2 3 0,-1 5 0,3-1 0,-5 3 0,1 2 0,-2-1 0,3 4 0,1-19 0,-1-6 0,1-16 0,-1 1 0,2-3 0,4 2 0,0-10 0,-3 13 0,2-3 0,1 2 0,0-1 0,1-9 0,-1-1 0,0 7 0,0 3 0,-2 7 0,-2 2 0,0-13 0,2 12 0,-6 17 0,2 2 0,-3 4 0,0-1 0,0 1 0,0-1 0,0 1 0,0 0 0,0 2 0,0-11 0,0 0 0,3-18 0,1 0 0,0 0 0,2 10 0,-5 7 0,5 13 0,-6-2 0,6 5 0,-6-2 0,6 5 0,-3-4 0,3 4 0,3-7 0,-3 4 0,6-4 0,-6 4 0,3-2 0,-4 6 0,1 0 0,0 1 0,0-2 0,0 1 0,0-2 0,0 4 0,0-4 0,0 4 0,0-2 0,3 1 0,0-2 0,3 1 0,-2-3 0,1 6 0,-4-3 0,1 0 0,-2 2 0,0-1 0,0 2 0,0 0 0,0-3 0,0 2 0,3-1 0,0 2 0,3-3 0,0 2 0,-2-1 0,1 2 0,-2 0 0,1 0 0,1 0 0,-1 0 0,11 0 0,1 3 0,0 3 0,-3 1 0,-7 4 0,3-1 0,-2 5 0,0-5 0,-1 6 0,-5-6 0,6 3 0,-3 0 0,1 5 0,1-4 0,-1 13 0,5-9 0,-1 12 0,0-10 0,-1 6 0,-1-2 0,4 10 0,4 2 0,-2-2 0,2-3 0,-1-3 0,-4-5 0,8 10 0,-2 0 0,-1-7 0,-3 4 0,-3-9 0,-4 0 0,5-2 0,-4-4 0,-2-3 0,1 0 0,-4 1 0,2-3 0,6 11 0,-4-10 0,8 14 0,-7-12 0,0 2 0,4 4 0,7 1 0,1 7 0,0-6 0,0 3 0,-3-6 0,-2 1 0,7 0 0,-12-5 0,6-1 0,3 6 0,6 0 0,8 10 0,6 0 0,-6-2 0,5 1 0,-11-9 0,0 2 0,-5-6 0,12 11 0,10 0 0,-2 2 0,5-1 0,1-2 0,-19-8 0,1 0 0,9 1 0,2 0 0,0 1 0,-1 1 0,3-4 0,-3-1 0,18 6 0,-7-5 0,-23-8 0,0 0 0,0-4 0,-1-1 0,29-3 0,-2 0 0,-12 0 0,3 0 0,-8 1 0,0 2 0,14 2 0,0 4 0,-10 1 0,0 2 0,14 4 0,-3 1-381,-20-3 1,-1 0 380,6-2 0,-3-2 0,6 3 0,5-4 0,-12-1 0,0 0 0,-10 0 0,4-4 0,-9-1 0,11-3 190,-11 0 0,-4 0 0,-10 0 1</inkml:trace>
+  <inkml:trace contextRef="#ctx0" brushRef="#br0" timeOffset="-86815.46">3776 13363 8191,'9'0'0,"47"0"5063,8 0-5063,-13 0 0,7 0 0,-4 0 0,-5 0 0,-1 0 1104,20 0 1,-4 0-1105,-11 0 1802,-11 0-1802,19 0 3262,-26 0 0,2 0-3262,9 0 0,2 0 0,7 0 0,-1 0 0,-18 0 0,-1 0 0,9 0 0,-3 0 0,0 0 0,5 0 0,10 0 786,-7 0-786,16 0 0,-9 0 0,-21 0 0,8 0 0,-23 0 0,3 0 0,-6 0 0,13 0 0,11-3 0,-8 2 0,4-5 0,-4-1 0,9-1 0,5-2 0,6 3 0,-20 0 0,-4 3 0,-10 1 0,-13 3 0,9 0 0,-8-3 0,2-2 0,-6-42 0,-3 5 0,0-9 0,-1 6 0,-1-8 0,1-1 0,-1 3-665,2-3 1,0 1 0,-1-1 664,0-5 0,-1-2 0,0 3 0,-2 3 0,-1 2 0,0 6 0,2 13 0,-1-1 0,-2-9 0,-2-6 0,0 8 0,-4-4 0,0-4 0,2 18 0,3 12 0,3 3 1993,-2-2-1993,3 4 0,-1-3 0,2 5 0,2 3 0,0 2 0,0 2 0,0-3 0,0 0 0,0 0 0,0-3 0,0 3 0,0-3 0,0 0 0,0 2 0,0 2 0,0 2 0,0 0 0,0-1 0,0 1 0,0 0 0,0 1 0,8 1 0,6 2 0,13 2 0,4 0 0,15 0 0,-9 0 0,-2 0 0,8 0 0,-11 0 0,14 0 0,-7 0 0,-8 0 0,2 0 0,-9 0 0,3-3 0,-10 2 0,-2-2 0,-9 1 0,-1 1 0,1-2 0,0 3 0,3 0 0,-4 0 0,1 0 0,0 0 0,0 3 0,-3 0 0,2 3 0,-5 0 0,3 0 0,-3-1 0,0 4 0,0-2 0,0 5 0,0-2 0,0 7 0,0 1 0,0 22 0,0 17 0,0-13 0,0 6 0,0-1 0,0 10 0,0 4-1696,0-8 0,1 8 0,0-1 0,0-8 1696,2 2 0,-1-4 0,1-2 0,-1 3 0,2-9 0,5 5 0,2 4 0,-5-22 0,1 4 0,-7-21 0,0 2 6784,0-7-6784,0-5 0,0-5 0,2-5 0,1 0 0,3 3 0,0 1 0,0-1 0,16-1 0,18-7 0,3 3 0,4 2 0,-9 1 0,1 0 0,15-2 0,1 2 0,-10 4 0,-2 1 0,-6-2 0,2 0 0,18 2 0,-2 0 0,3 0 0,-18 0 0,0 0 0,22 0 0,-27 2 0,0 0 0,3-2 0,1 1 0,8 2 0,-2 1 0,3-3 0,-13 1 0,-2-1 0,-3-1 0,7 0 0,-11 0 0,6 0 0,-4-3 0,23-5 0,-2-5 0,-15 7 0,1 0 0,-1-2 0,2 0 0,8 1 0,0 1 0,-10 0 0,1-1 0,7-1 0,-2 2 0,0 0 0,-2-3 0,-2 2 0,-12 2 0,15-5 0,-17 9 0,5-2 0,-12 3 0,5-3 0,-13 3 0,-1-3 0,-4 3 0</inkml:trace>
+  <inkml:trace contextRef="#ctx0" brushRef="#br0" timeOffset="-82849.46">771 3525 8191,'-3'3'0,"0"44"0,3-5 0,0 5 0,0 4 0,0 3 0,0 12 0,0-2 0,0-21 0,0 1 971,0 18 0,0 2-971,0-10 0,0-1 0,0 1 0,0 0 1495,0 1 0,0-5-1495,0 13 0,0-12 4472,0-24-4472,0-14 6687,0 0-6687,0-1 293,0-9-293,-3-13 0,-3-4 0,-10-19 0,-21-16 0,15 20 0,-1-1 0,-8-12 0,1 1 0,-13-9 0,11 5 0,23 40 0,14 46 0,11 4 0,1 5 0,3 2 0,-3-19 0,0-1 0,3 8 0,-2-4 0,0-5 0,-6-7 0,-8-15 0,1 3 0,-4-2 0,1-2 0,1-2 0,-2 1 0,4 2 0,-4 0 0,7 4 0,-4-7 0,5 0 0,-4-6 0,9-28 0,4-4 0,-3 0 0,2-3 0,-3 4 0,2 0 0,7-12 0,1-1 0,-4 2 0,-1 0 0,0 6 0,-1 1 0,-2 2 0,-1 4 0,3 2 0,-5 9 0,-7 18 0,-37 43 0,9-9-3392,-6 1 0,-2 1 3392,-3 6-332,1-5 1,-1 0 331,-4 9 0,10-17 0,2-1 0,4 0 0,-2-1 0,8-8 0,-1-1 0,7-6 6455,0 0-6455,3-2 992,-3-2-992,6-7 0,-2-11 0,1-3 0,0-1 0,-4-4 0,3 5 0,-12-12 0,6 7 0,-5-6 0,7 14 0,0-11 0,2 10 0,-2-11 0,0 7 0,2-5 0,-2 5 0,6 2 0,0 4 0,3 6 0,0 0 0</inkml:trace>
+  <inkml:trace contextRef="#ctx0" brushRef="#br0" timeOffset="-80723.46">851 3561 24575,'-5'40'0,"0"0"0,-1 2 0,-1 2 0,-6 6 0,-1 1 0,6-12 0,0 1 0,-5 16 0,1-4 0,5-9 0,2 4 0,2-35 0,3 15 0,0-15 0,0 16 0,-6 0 0,4-1 0,-11 14 0,11-1 0,-4 7 0,6-4 0,0 5 0,0-19 0,0 7 0,0-15 0,0-1 0,0 27 0,0-19 0,0 23 0,0-30 0,0 11 0,0-6 0,0 1 0,0-25 0,-3-8 0,-1-14 0,-3 1 0,-3-1 0,-4-8 0,-4-4 0,-12-16 0,7 10 0,0 1 0,-4-2 0,-7-12 0,13 25 0,-3-11 0,11 21 0,7 6 0,0 4 0,2 5 0,5 28 0,18 11 0,-4 11 0,18 3 0,-10-14 0,5 8 0,-9-16 0,0-1 0,-15-19 0,4-1 0,-7-3 0,4-3 0,-2-1 0,13-16 0,6-5 0,14-33 0,-13 25 0,2-2 0,4-14 0,2-2 0,6-3 0,1 0 0,-7 8 0,-2 0 0,5-8 0,-4 4 0,0 4 0,-4 0 0,-17 25 0,-4 12 0,4 0 0,-5 3 0,5 0 0</inkml:trace>
 </inkml:ink>
 </file>
 
@@ -607,9 +607,9 @@
   <inkml:trace contextRef="#ctx0" brushRef="#br0" timeOffset="20240">8075 8053 24575,'47'14'0,"2"4"0,-16-2 0,-9-1 0,-15-9 0,-9 0 0,0 0 0,-3-1 0,2 4 0,-8 1 0,2 5 0,-1-7 0,2 1 0</inkml:trace>
   <inkml:trace contextRef="#ctx0" brushRef="#br0" timeOffset="21457">8306 7754 24575,'0'59'0,"0"-2"0,0 4 0,0-21 0,0 1 0,0 24 0,0-25 0,0-1 0,-3 27 0,2-26 0,-9 8 0,2-10 0,-2-2 0,-1 1 0,-9 18 0,1 6 0,8-29 0,5-14 0,-4 14 0,2-5 0,-5 5 0,3-3 0,-1 4 0,1-4 0,0 6 0,1 0 0,4-16 0,0 5 0,5-18 0,0-3 0</inkml:trace>
   <inkml:trace contextRef="#ctx0" brushRef="#br0" timeOffset="24784">15047 15178 8191,'-5'3'0,"0"0"0,8-3 0</inkml:trace>
-  <inkml:trace contextRef="#ctx0" brushRef="#br0" timeOffset="303834">21511 8360 24575,'-5'0'0,"-1"0"0,-2 0 0,4 3 0,2-11 0,35-41-3392,-14 20 0,1-3 3392,8-9 0,1-3-377,6-10 1,-3 4 376,-12 22 0,-2 0 0,5-10 0,-2 1 0,-1 5 0,11-21 0,-13 19 0,1 5 0,0 2 6412,-4 2-6412,11-6 1125,-17 17-1125,4 0 0,-10 11 0,3-5 0,-2 4 0,-2-5 0,-42 62 0,18-17-868,-8 6 0,-1 4 868,13-13 0,0 3-248,-9 9 0,-4 6 1,1-2 247,1 8 0,-2 1 0,3-11 0,-5 6 0,1-2 0,5-5 0,1 3 0,1-2 0,-1-3 0,-3 2 0,6-6 0,-2 10 0,7-19 0,2-2 0,7-7 0,-7 9 0,8-11 0,-8 9 1666,6-13-1666,3-3 813,-1-4-813,15-31 0,4 1 0,11-18 0,8-12 0,-1 2 0,2 5 0,2-3 0,1-3 0,6-9 0,-1-1 0,-4 8 0,4-3 0,-3 3 0,0 1 0,2-3 0,-6 7 0,-12 15 0,-3 4 0,22-26 0,-24 29 0,11-9 0,-8 11 0,11-12 0,-7 9 0,-4 7 0,8-13 0,-15 20 0,1-6 0,-7 15 0,-5-5 0,-8 6 0,-4 4 0,-17 14 0,0 19 0,-3 15 0,1-4 0,5-8 0,-1 1-701,-3 8 0,-4 5 0,4-4 701,1-1 0,4-2-730,1 3 0,0 1 730,-2-5 0,1 1 0,1 8 0,2 1 0,4-8 0,2-1 0,0-4 0,1 0 0,2 1 0,1-1 0,-1-2 0,0-3 0,-1 3 0,-5 16 0,4-24 0,-3 12 0,4-12 1935,-6 17-1935,-1-7 1628,5-3-1628,-14 21 0,15-23 0,-5 11 0,10-27 0,4-10 0,16-53 0,10-10 0,8-14 0,0 2 0,-8 12 0,0 1 0,4-6-1089,-2 6 0,4-8 0,2-3 1,-1 0-1,-1 4 0,-4 8 1089,-1 0 0,-3 6 0,2-2 0,1-2 0,3-5 0,-2 4 0,-5 10 0,2-5 0,-1 7 0,1 0 0,4-8 0,1 5 0,-1 1 0,2-2 0,1 5 0,-8 5 0,-10 16 6533,5-5-6533,-7 7 0,10-25 0,-7 13 0,2-11 0,-2 0 0,-5 14 0,2-17 0</inkml:trace>
-  <inkml:trace contextRef="#ctx0" brushRef="#br0" timeOffset="310967">21097 8248 8191,'-10'-3'0,"-5"1"1883,-29 1 1,-9 2-1884,15-1 0,-1 0 0,-9 0 0,-6 0 0,4 0 0,1 0 0,-6 0 0,5 0 0,-11 1 0,-7 0 0,-2 0 0,0 0 0,4 0 0,10-1 0,2 0 0,0 0 0,0 1 0,-5-1 0,-5 0-123,8 0 1,-5 1 0,-4 0 0,-2-1-1,-3 1 1,0 0 0,0-1 0,0 1-1,3-1 1,3 0 0,3 0 122,-10 0 0,4-1 0,3 1 0,1-1 0,0 0 0,-3 0 0,-4-1 0,7 0 0,-4-1 0,-3 0 0,-1 0 0,-1 0 0,1-1 0,2 1 0,4-1 0,5 1 0,6 0 0,-17-2 0,10 1 0,2 0 0,-5-1 0,5 0 0,-4-1 0,-2 0 0,1-1 0,4 1 0,7 1 589,-6-2 1,6 1 0,1 0-590,-1 2 0,-1 0 0,-1 0 0,2-1 0,-4-1 0,2 0 0,6 1 0,-7 0 0,3 0 0,1-1 0,-3 0 0,7 2 0,-16-2 0,22 2 0,5 1 4104,14 3-4104,-33 0 982,12 0-982,-6 0 0,-3 0 3092,18 0 0,-2 0-3092,-10 0 0,-6 0 0,4 0 0,4 0 0,2 0 461,-13 0 1,1 0-462,15 0 0,3 0 0,-6 0 0,-9 0 0,26 0 0,-12 0 0,16 3 0,-14 0 0,19 3 0,7 0 0,1 3 0,19 4 0,24 10 0,7 3 0,6 5-357,1-4 0,0-2 357,-5 0-127,-11-10 1,-1-2 126,7 6 0,9 2 0,-30-14 0,-1 0 0,-5-4 704,0 0-704,-19-3 263,-54-11-263,7-2 0,-4-2 0,0-1 0,7-6 0,-5-4 0,44 15 0,7 0 0,6 5 0,0 0 0,29-22 0,17-9 0,-4 5 0,8-3 0,-3 5 0,7-5 0,2 1 0,-5 2 0,-2 2 0,-4 3 0,2 1 0,12 1 0,3 2 0,-9 5 0,-18 6 0,-5 4 0,21 4 0,-36 4 0</inkml:trace>
-  <inkml:trace contextRef="#ctx0" brushRef="#br0" timeOffset="316232">20986 8130 24575,'-17'-7'0,"-38"-14"0,-10-3 0,32 11 0,-1 0 0,-19-7 0,-9-2 0,-3 2 0,8 6 0,-4 1 0,1 2 0,1 0-312,-2 2 1,3 1 0,-9 0 311,15 2 0,-7-1 0,-4 0 0,-2 0 0,1 1 0,5 3 0,6 3 0,-2 3 0,7 3 0,1 3 0,-6 1 0,-3 1 0,-7 2 0,-3 2 0,2 0 0,4 2 0,9 0-1285,-3 5 1,9 1-1,-1 4 1285,0 0 0,-2 3 0,2 0 0,7-3 0,3 1 0,4 3 0,2 4 0,-3 7 0,1 2 0,3-4 0,-10 13 0,0 2 0,12-15 0,-3 5 0,-1 3 0,0 2 0,2 0 0,1 2 0,2 2 0,1 1 0,0 0 0,0-1 0,1-3 0,1-1 0,0 1 0,-1 1 0,-1 4-640,2-3 1,-1 5 0,-2 2-1,1 1 1,1-2 0,2-3-1,1-6 640,1 3 0,1-5 0,2-2 0,-1 2 0,-3 8 0,-2 3 0,2-3 0,3-9 0,4-7 0,2-1 0,-4 10 0,-2 7 0,1-4 0,0 1 0,0 3 0,2-3 0,-1 8 0,0 1 0,3-7 0,-1 9 0,2-2 0,4-12 0,-1 6 0,1-1 0,2-8 0,3 0 0,0-4 0,-1 14 0,0-7 0,4-17 265,-3 12-265,2-22 2215,-2 18-2215,3-30 6784,0 23-6784,-3-17 0,2 20 0,-1-33 0,2-29 0,0-19 0,-8-5 0,-4-8 0,0-1 0,2 1 0,1 0 0,-3-2-1696,-3 3 0,-4-4 0,0 3 0,1 9 1696,0 3 0,0 5-718,-2-2 0,2 9 718,5 23 0,3 3 0,0 4 0,17 63 0,14-12 0,9 7 0,-8-12 0,3 6 0,2 4 0,0-2 0,-2-4 0,7 8 0,-1-3 0,1 1 0,-1-4 0,2 3 0,-1-2 0,-5-6 480,0 8 0,-5-10-480,5 1 0,-11-10 0,-3-6 0,-7-20 0,0 2 0,16-64 0,-8 12 0,3-9 0,0 1 0,3-7 0,0-2 0,-2 4 1120,-2 5 0,-1 2 1,0 0-1121,6-13 0,2-1 0,-5 10 0,0-3 119,-2 20 0,-1 3 1,-3 4-1,8-11 0</inkml:trace>
+  <inkml:trace contextRef="#ctx0" brushRef="#br0" timeOffset="-125662.73">21511 8360 24575,'-5'0'0,"-1"0"0,-2 0 0,4 3 0,2-11 0,35-41-3392,-14 20 0,1-3 3392,8-9 0,1-3-377,6-10 1,-3 4 376,-12 22 0,-2 0 0,5-10 0,-2 1 0,-1 5 0,11-21 0,-13 19 0,1 5 0,0 2 6412,-4 2-6412,11-6 1125,-17 17-1125,4 0 0,-10 11 0,3-5 0,-2 4 0,-2-5 0,-42 62 0,18-17-868,-8 6 0,-1 4 868,13-13 0,0 3-248,-9 9 0,-4 6 1,1-2 247,1 8 0,-2 1 0,3-11 0,-5 6 0,1-2 0,5-5 0,1 3 0,1-2 0,-1-3 0,-3 2 0,6-6 0,-2 10 0,7-19 0,2-2 0,7-7 0,-7 9 0,8-11 0,-8 9 1666,6-13-1666,3-3 813,-1-4-813,15-31 0,4 1 0,11-18 0,8-12 0,-1 2 0,2 5 0,2-3 0,1-3 0,6-9 0,-1-1 0,-4 8 0,4-3 0,-3 3 0,0 1 0,2-3 0,-6 7 0,-12 15 0,-3 4 0,22-26 0,-24 29 0,11-9 0,-8 11 0,11-12 0,-7 9 0,-4 7 0,8-13 0,-15 20 0,1-6 0,-7 15 0,-5-5 0,-8 6 0,-4 4 0,-17 14 0,0 19 0,-3 15 0,1-4 0,5-8 0,-1 1-701,-3 8 0,-4 5 0,4-4 701,1-1 0,4-2-730,1 3 0,0 1 730,-2-5 0,1 1 0,1 8 0,2 1 0,4-8 0,2-1 0,0-4 0,1 0 0,2 1 0,1-1 0,-1-2 0,0-3 0,-1 3 0,-5 16 0,4-24 0,-3 12 0,4-12 1935,-6 17-1935,-1-7 1628,5-3-1628,-14 21 0,15-23 0,-5 11 0,10-27 0,4-10 0,16-53 0,10-10 0,8-14 0,0 2 0,-8 12 0,0 1 0,4-6-1089,-2 6 0,4-8 0,2-3 1,-1 0-1,-1 4 0,-4 8 1089,-1 0 0,-3 6 0,2-2 0,1-2 0,3-5 0,-2 4 0,-5 10 0,2-5 0,-1 7 0,1 0 0,4-8 0,1 5 0,-1 1 0,2-2 0,1 5 0,-8 5 0,-10 16 6533,5-5-6533,-7 7 0,10-25 0,-7 13 0,2-11 0,-2 0 0,-5 14 0,2-17 0</inkml:trace>
+  <inkml:trace contextRef="#ctx0" brushRef="#br0" timeOffset="-118529.73">21097 8248 8191,'-10'-3'0,"-5"1"1883,-29 1 1,-9 2-1884,15-1 0,-1 0 0,-9 0 0,-6 0 0,4 0 0,1 0 0,-6 0 0,5 0 0,-11 1 0,-7 0 0,-2 0 0,0 0 0,4 0 0,10-1 0,2 0 0,0 0 0,0 1 0,-5-1 0,-5 0-123,8 0 1,-5 1 0,-4 0 0,-2-1-1,-3 1 1,0 0 0,0-1 0,0 1-1,3-1 1,3 0 0,3 0 122,-10 0 0,4-1 0,3 1 0,1-1 0,0 0 0,-3 0 0,-4-1 0,7 0 0,-4-1 0,-3 0 0,-1 0 0,-1 0 0,1-1 0,2 1 0,4-1 0,5 1 0,6 0 0,-17-2 0,10 1 0,2 0 0,-5-1 0,5 0 0,-4-1 0,-2 0 0,1-1 0,4 1 0,7 1 589,-6-2 1,6 1 0,1 0-590,-1 2 0,-1 0 0,-1 0 0,2-1 0,-4-1 0,2 0 0,6 1 0,-7 0 0,3 0 0,1-1 0,-3 0 0,7 2 0,-16-2 0,22 2 0,5 1 4104,14 3-4104,-33 0 982,12 0-982,-6 0 0,-3 0 3092,18 0 0,-2 0-3092,-10 0 0,-6 0 0,4 0 0,4 0 0,2 0 461,-13 0 1,1 0-462,15 0 0,3 0 0,-6 0 0,-9 0 0,26 0 0,-12 0 0,16 3 0,-14 0 0,19 3 0,7 0 0,1 3 0,19 4 0,24 10 0,7 3 0,6 5-357,1-4 0,0-2 357,-5 0-127,-11-10 1,-1-2 126,7 6 0,9 2 0,-30-14 0,-1 0 0,-5-4 704,0 0-704,-19-3 263,-54-11-263,7-2 0,-4-2 0,0-1 0,7-6 0,-5-4 0,44 15 0,7 0 0,6 5 0,0 0 0,29-22 0,17-9 0,-4 5 0,8-3 0,-3 5 0,7-5 0,2 1 0,-5 2 0,-2 2 0,-4 3 0,2 1 0,12 1 0,3 2 0,-9 5 0,-18 6 0,-5 4 0,21 4 0,-36 4 0</inkml:trace>
+  <inkml:trace contextRef="#ctx0" brushRef="#br0" timeOffset="-113264.73">20986 8130 24575,'-17'-7'0,"-38"-14"0,-10-3 0,32 11 0,-1 0 0,-19-7 0,-9-2 0,-3 2 0,8 6 0,-4 1 0,1 2 0,1 0-312,-2 2 1,3 1 0,-9 0 311,15 2 0,-7-1 0,-4 0 0,-2 0 0,1 1 0,5 3 0,6 3 0,-2 3 0,7 3 0,1 3 0,-6 1 0,-3 1 0,-7 2 0,-3 2 0,2 0 0,4 2 0,9 0-1285,-3 5 1,9 1-1,-1 4 1285,0 0 0,-2 3 0,2 0 0,7-3 0,3 1 0,4 3 0,2 4 0,-3 7 0,1 2 0,3-4 0,-10 13 0,0 2 0,12-15 0,-3 5 0,-1 3 0,0 2 0,2 0 0,1 2 0,2 2 0,1 1 0,0 0 0,0-1 0,1-3 0,1-1 0,0 1 0,-1 1 0,-1 4-640,2-3 1,-1 5 0,-2 2-1,1 1 1,1-2 0,2-3-1,1-6 640,1 3 0,1-5 0,2-2 0,-1 2 0,-3 8 0,-2 3 0,2-3 0,3-9 0,4-7 0,2-1 0,-4 10 0,-2 7 0,1-4 0,0 1 0,0 3 0,2-3 0,-1 8 0,0 1 0,3-7 0,-1 9 0,2-2 0,4-12 0,-1 6 0,1-1 0,2-8 0,3 0 0,0-4 0,-1 14 0,0-7 0,4-17 265,-3 12-265,2-22 2215,-2 18-2215,3-30 6784,0 23-6784,-3-17 0,2 20 0,-1-33 0,2-29 0,0-19 0,-8-5 0,-4-8 0,0-1 0,2 1 0,1 0 0,-3-2-1696,-3 3 0,-4-4 0,0 3 0,1 9 1696,0 3 0,0 5-718,-2-2 0,2 9 718,5 23 0,3 3 0,0 4 0,17 63 0,14-12 0,9 7 0,-8-12 0,3 6 0,2 4 0,0-2 0,-2-4 0,7 8 0,-1-3 0,1 1 0,-1-4 0,2 3 0,-1-2 0,-5-6 480,0 8 0,-5-10-480,5 1 0,-11-10 0,-3-6 0,-7-20 0,0 2 0,16-64 0,-8 12 0,3-9 0,0 1 0,3-7 0,0-2 0,-2 4 1120,-2 5 0,-1 2 1,0 0-1121,6-13 0,2-1 0,-5 10 0,0-3 119,-2 20 0,-1 3 1,-3 4-1,8-11 0</inkml:trace>
 </inkml:ink>
 </file>
 
@@ -1091,52 +1091,52 @@
   <inkml:trace contextRef="#ctx0" brushRef="#br0" timeOffset="204886">15284 8457 8191,'-8'-3'0,"-36"0"1300,5 5 1,-8 1-1,-3 2-1300,-8 3 0,-3 2 0,-6 2 0,16-3 0,-5 2 0,-2 0 0,-2 1 0,0 0 0,1 1 30,-3 2 0,0 0 0,0 1 0,-1 0 0,-1 0 1,1-1-31,7-2 0,1-1 0,0 1 0,-1-1 0,-1 0 0,0 1 0,-2 0 0,-1 1 0,-1 0 0,-1 1 0,-1 0 0,0 1 0,0-2 0,1 1 0,1-2 0,-1 0 0,2-1 0,0 0 0,0 0 0,0 0 0,0 0 0,-3 1 0,0 2 0,-2 0 0,-1 1 0,-1 0 0,1 0 0,1 0 0,3 0 0,2-2-155,0 0 1,3-1 0,1 0 0,1 0 0,1 0 0,-1 0 154,0 1 0,-2 0 0,1 1 0,1-1 0,3 0 0,3-1 0,-13 4 0,5-2 0,-8 3 155,13-4 0,-7 2 0,-4 2 0,-3 0 0,0 1 1,2 0-1,3-1-155,2 0 0,2 0 0,2-1 0,-2 2 0,-1-1 0,-5 2-105,10-4 0,-2 1 1,-3 1-1,-2 0 0,0 0 1,-1 0-1,0 0 1,1 0-1,2 0 0,3 0 105,-4 0 0,1 1 0,1 0 0,1 0 0,1-1 0,0 0 0,1-1 0,0 0 0,-9 2 0,1-1 0,1 0 0,0-1 0,0 0 0,-2 1 0,3-2 0,-2 2 0,0-1 0,-1 0 0,2 0 0,1-2 0,4 0-119,-5-1 1,3-1 0,2-2 0,1 1 0,-1 0 118,2-1 0,1 1 0,0-1 0,-2 1 0,-4-1 0,2 0 0,-4 0 0,-3 0 0,-1 0 0,2-1 0,1-1 0,5-1 0,-2-1 0,4-2 0,1-1 0,0 1 0,-4 1 0,-3 1 0,-4 1 0,-2 1 0,1-1 0,1 0 0,5-1 0,-6-2 0,4 0 0,2-1 0,-1 1 0,-2 0 0,0 0 0,0-1 0,4 0 808,-3-1 1,2 0 0,-2 0-809,5 0 0,-4 2 0,1-1 0,4-1 0,3-2 0,3-1 0,1 1 870,0 0 0,0 1 0,4-1-870,-9-1 0,3 0 0,5 2 0,4 0 2626,-3-2-2626,-1 4 5083,9-4-5083,-1 0 804,11 0-804,-6 0 230,7 0-230,-21 0 0,23 0 0,-7 0 0,-14 0 0,12 0 0,-16 0 0,25 0 0,8 0 0,10 2 0,7 10 0,20 10 0,6 5 0,13 4 0,1-6 0,12 11 0,-11-8 0,-9-6 0,0-1 0,-2 1 0,6 0 0,-12-3 0,-10-8 0,6 2 0,-12-8 0,-6-13 0,-22-15 0,-19-17 0,12 15 0,-1 1 0,-19-14 0,9 9 0,19 15 0,-5-3 0,11 6 0,-3-1 0,9 6 0,3 0 0,1 1 0,2-1 0,0-6 0,2-1 0,6-8 0,6 4 0,1-4 0,18-10 0,-6 4 0,18-8 0,-3 19 0,-2 4 0,-5-1 0,27 1 0</inkml:trace>
   <inkml:trace contextRef="#ctx0" brushRef="#br0" timeOffset="207681">5112 9719 8191,'-3'5'0,"-6"-1"5063,8-7-5063,-5-1 2818,8-2-2818,-4 9 1719,-2 1-1719,-5 1 6784,-1-2-6784,2-3 0,4-2 0,1-4 0,9-1 0,0 1 0,3 3 0,-3 6 0,-3 5 0,-3 5 0,0 6 0,0-6 0,-3 1 0,0-10 0,0-1 0,0-9 0,3-1 0,3 1 0,3 4 0,0 2 0,5 0 0,-7 14 0,1-2 0,-5 11 0,0-10 0,0-1 0,-5-2 0,1-3 0,-8-2 0,3-5 0,-1 0 0,4-8 0,4 3 0,2-12 0,0 7 0,0-3 0,0 12 0,0 19 0,-16 5 0,2 3 0,-10-10 0,3-8 0,-5-4 0,5-1 0,-4-3 0,15-12 0,4-12 0,3 2 0,3-3 0,2 19 0,2 0 0,7 6 0,-1-3 0,2 3 0,0 2 0,-8 7 0,1-2 0,-5 8 0,0-9 0,0 3 0,-5-3 0,-2-3 0,-2 0 0,0-20 0,5 0 0,2-6 0,2 5 0,3 11 0,8 1 0,1 4 0,6 2 0,-3 8 0,-4-4 0,0 8 0,-5-1 0,-3-4 0,0 2 0,-3-7 0</inkml:trace>
   <inkml:trace contextRef="#ctx0" brushRef="#br0" timeOffset="209413">5718 9648 8191,'0'5'0,"0"19"5063,0-11-5063,-10 21 2818,3-19-2818,-7-1 1719,5-6-1719,6-10 6784,0 2-6784,3-9 0,3 5 0,0-1 0,1 7 0,-7 2 0,-7 2 0,-4-3 0,-2 0 0,6-3 0,4-5 0,3-2 0,3-11 0,0 3 0,6 0 0,-3 9 0,6 3 0,-6 11 0,-1-3 0,-2 6 0,3-19 0,0 3 0,3-7 0,-2 6 0,-2 6 0</inkml:trace>
-  <inkml:trace contextRef="#ctx0" brushRef="#br0" timeOffset="218353">3656 11379 8191,'-6'0'0,"-25"18"5063,21-4-5063,-15 7 0,-1 4 2818,11 15-2818,-3-7 0,1 1 1719,5 11-1719,2-1 6784,10-25-6784,0 0 0,0-6 0,0 5 0,0-9 0,0 8 0,3-6 0,0 3 0,3-5 0,4-5 0,12 1 0,18-4 0,14 1 0,-7-12 0,0-4 0,16-6 0,-27 5 0,-4-1 0,-8 0 0,-12 9 0,1-5 0,-3-1 0,2-6 0,-8-3 0,-2 8 0,-2-4 0,0 9 0,0-6 0,0 2 0,0-2 0,-2 9 0,-2-2 0,-14 1 0,0-3 0,-10-1 0,-2-2 0,0 1 0,-17-8 0,12 5 0,1-2 0,15 10 0,13 2 0,-13 1 0,6 1 0,-4 0 0,6 3 0,8 0 0,0 0 0</inkml:trace>
-  <inkml:trace contextRef="#ctx0" brushRef="#br0" timeOffset="219528">3924 11405 24575,'22'44'0,"11"11"0,-14-26 0,0 1 0,19 22 0,-22-22 0,-4-17 0,-11-10 0,1-15 0,-2-23 0,0 7 0,3-10 0,2-1 0,5-2 0,-1 7 0,0-1 0,4-3 0,12-19 0,-11 26 0,7-8 0,-12 27 0,-4 6 0,-1 2 0,-2 2 0</inkml:trace>
-  <inkml:trace contextRef="#ctx0" brushRef="#br0" timeOffset="220971">4333 11401 24575,'40'0'0,"-1"-4"0,6-2 0,-14-2 0,-15-1 0,-9 2 0,-2-11 0,-5-4 0,0-7 0,-3-14 0,-3 11 0,1-3 0,-3 13 0,2 15 0,-9 1 0,4 6 0,-13 0 0,7 3 0,-4 1 0,-7 11 0,9 3 0,-4 3 0,9-2 0,2-6 0,-2 16 0,3-8 0,-6 15 0,10-8 0,-6 16 0,5-10 0,1 2 0,4-16 0,3-10 0,0 11 0,0-12 0,0 8 0,0-11 0,0 3 0,5 0 0,-1 1 0,5-5 0,5 3 0,3-3 0,6 0 0,7 2 0,1-1 0,-5 2 0,2-1 0,-15-4 0,18-3 0,-18 0 0,8 0 0,-19 0 0</inkml:trace>
-  <inkml:trace contextRef="#ctx0" brushRef="#br0" timeOffset="222132">4634 11243 24575,'2'35'0,"0"1"0,6 15 0,-1-10 0,0-1 0,6 4 0,-5-12 0,-1 2 0,-6-17 0,2-1 0,-3-30 0,0-21 0,0-8 0,-2 5 0,0-1 0,0-25 0,0 19 0,0 2 0,2-8 0,0 9 0,5 33 0,2 7 0,14 2 0,-3 0 0,1 0 0,-7 0 0,-6 0 0,0 0 0,-2 0 0,-2 0 0</inkml:trace>
-  <inkml:trace contextRef="#ctx0" brushRef="#br0" timeOffset="223664">5174 10889 8191,'-3'-3'0,"0"1"5063,-5 2-5063,-1 0 2818,-6 0-2818,3 0 1719,-1 0-1719,-5 5 6784,13-1-6784,-7 15 0,9 2 0,2 5 0,-5 13 0,5-12 0,-2 3 0,3-14 0,0-3 0,0 2 0,0-3 0,0 8 0,0-9 0,0 13 0,0-7 0,0 5 0,0-9 0,0-1 0,0 10 0,0 6 0,0 14 0,0 16 0,0-18 0,0 10 0,0-30 0,0 2 0,0-3 0,0-6 0,0 2 0,0-12 0,0 0 0</inkml:trace>
-  <inkml:trace contextRef="#ctx0" brushRef="#br0" timeOffset="224568">4933 11214 24575,'26'0'0,"3"0"0,1 0 0,3 0 0,-22 0 0,10 0 0,-14 0 0,2 0 0,-7 0 0</inkml:trace>
-  <inkml:trace contextRef="#ctx0" brushRef="#br0" timeOffset="225379">5301 11214 24575,'0'26'0,"0"13"0,0 8 0,0 4 0,0-15 0,0-13 0,0-8 0,0-3 0,0-2 0,0 2 0,0-3 0,0-6 0,0-1 0</inkml:trace>
-  <inkml:trace contextRef="#ctx0" brushRef="#br0" timeOffset="225978">5301 11010 24575,'0'0'0</inkml:trace>
-  <inkml:trace contextRef="#ctx0" brushRef="#br0" timeOffset="226629">5655 10942 24575,'0'42'0,"0"-10"0,0 11 0,0 6 0,0-8 0,0 0 0,0 9 0,0-1 0,0-11 0,0-2 0,0 23 0,0-38 0,0-3 0,0-15 0</inkml:trace>
-  <inkml:trace contextRef="#ctx0" brushRef="#br0" timeOffset="227418">5561 11277 8191,'5'-3'0,"16"1"5063,23 2-5063,-1 0 0,1 0 2818,-24 0-2818,-11 0 1719,-3 0-1719,0 0 1696,-1 0 0,-1 0 0,-2 0 0</inkml:trace>
-  <inkml:trace contextRef="#ctx0" brushRef="#br0" timeOffset="228183">5888 11034 24575,'0'33'0,"0"0"0,0 26 0,0 3 0,0 3 0,2-16 0,-1-3 0,0-6 0,-1-2 0,7 26 0,-6-41 0,2 10 0,-3-22 0,0 0 0</inkml:trace>
-  <inkml:trace contextRef="#ctx0" brushRef="#br0" timeOffset="228901">5826 11385 24575,'49'0'0,"-21"0"0,24 0 0,-36 0 0,-7 0 0,-3 0 0,-3 0 0,0 0 0</inkml:trace>
-  <inkml:trace contextRef="#ctx0" brushRef="#br0" timeOffset="229867">6040 11367 8191,'3'10'0,"0"-3"5063,-3 19-5063,0-6 2818,0 0-2818,0-2 1719,0-3-1719,0-5 6784,0 1-6784,0-5 0,0 5 0,0-4 0,0 10 0,0 0 0,0 8 0,0-4 0,0 0 0,0-12 0,0-3 0,0-4 0</inkml:trace>
-  <inkml:trace contextRef="#ctx0" brushRef="#br0" timeOffset="230551">6109 11263 24575,'0'0'0</inkml:trace>
-  <inkml:trace contextRef="#ctx0" brushRef="#br0" timeOffset="231733">6287 11395 24575,'0'56'0,"0"-19"0,0-1 0,0 10 0,0 0 0,0 2 0,0-53 0,3-9 0,2-27 0,2-11 0,2 14-6784,9-23 6784,-8 28 0,13-16 0,-9 31 0,14 5 0,-4 6 0,-2 4 0,-7 3 6784,-4 3-6784,2 6 0,-3-2 0,2 12 0,-3 17 0,-3-6 0,6 13 0,-9-15 0,0-11 0,3 4 0,-5-8 0,5 4 0,4 17 0,8 3 0,0 3 0,2-11 0,-14-19 0,0-5 0</inkml:trace>
-  <inkml:trace contextRef="#ctx0" brushRef="#br0" timeOffset="233684">6742 11486 24575,'0'30'0,"0"-5"0,0 15 0,0-16 0,5-6 0,17-8 0,-3-2 0,7-4 0,-14-1 0,-3-3 0,4 0 0,3-9 0,0-5 0,-3-29 0,-6 11 0,-4-8 0,-3 24 0,0 3 0,0-3 0,-8-1 0,0 1 0,-7 7 0,-10 4 0,3 4 0,-4-2 0,2 3 0,10 0 0,-1 0 0,9 3 0,4 0 0,2 2 0,0 4 0,2-3 0,4 0 0,4-4 0,11-2 0,-5 0 0,8 0 0,-10 0 0,4 0 0,-8 0 0,4-5 0,-7 3 0,-1-6 0,1 5 0,-3 0 0,5 0 0,-3 3 0,-1 0 0,4 0 0,2 32 0,1 13 0,0-14 0,1 3 0,2 16 0,1 8 0,0-5 0,1-6 0,1 0 0,-1 1 0,1 2 0,-3-4 0,-1-10 0,-2-2 0,4 8 0,-3-5 0,-6-4 0,-3-19 0,-4 7 0,0-9 0,-20 14 0,5-14 0,-21 2 0,-29-7 0,18-5 0,-19-6 0,38-11 0,10 0 0,4-40 0,6 10 0,2 6 0,5-5 0,16-7 0,4 1-3392,-9 15 0,1 2 3392,10-9 0,1 5 0,-1 9 0,-7 11 0,8-5 0,26-8 0,-24 10 0,14-1 0</inkml:trace>
-  <inkml:trace contextRef="#ctx0" brushRef="#br0" timeOffset="257499">10041 6590 24575,'44'-3'0,"-13"-4"0,6-3 0,14-4 0,12-2 0,3-3 0,-5 1-2898,-2-2 1,-4 0-1,6-1 2898,-7 3 0,5 0 0,2-1 0,-1 0 0,-6 2 0,5-5 0,-5 2 0,8 0 0,-9 5 0,8-1 0,3 1 0,0-1 0,-1 2 0,-6 2 0,1-1 0,-5 2 0,1 0 0,8 0 0,-8 2 0,6-1 0,6 0 0,1 0 0,1 0 0,-2 1 0,-3 2 0,-7 1 201,13 1 1,-7 3 0,0 1 0,9 0-202,-17-1 0,5 1 0,5-1 0,2 1 0,1 0 0,0 0 0,-1 1 0,-4 0 0,-5 1 0,4 2 0,-5 1 0,-2 0 0,0 1 0,1 0 0,4-1 0,-3 0 0,3 0 0,2-1 0,1 1 0,0 0 0,-1 0 0,-2 2 0,-2 0 0,7 3 0,-1 2 0,-2 0 0,-1 1 0,-2-1 0,-2 0 0,0 0 0,-3-1 0,-1 1 0,0-1 0,0 0-108,14 2 1,2-1-1,-3 1 1,-9-2 107,4 3 0,-8-1 0,-13-5 0,2 1-83,9 1 0,5 1 0,-2 0 83,6 2 0,1-1 0,-1 0 0,3 1 0,-4-2 0,6 0 0,-6-2 0,-18-1 0,-2-1 0,3-2 0,-4 0 3790,-1 3-3790,-18-6 1453,8 2-1453,4-3 0,8 0 0,11 0 0,-2 0-605,3 0 0,2 0 605,10 0 0,8 0 0,-4 0 0,-15 0 0,-3 0 0,5 0 0,6-1 0,5 0 0,1-1 0,-5 0 0,-3 0 0,-4 0 0,2 0 0,-3-1 0,3 0 0,-2 0 0,-7 0 166,-1 0 1,-4-1-167,19-6 0,-2 0 0,-19 7 0,0-1 0,19-10 0,-5-1 0,-8 6 0,-6-7 0,-23 9 4199,-9 1-4199,1 3 0,-8-2 0,3 1 0,-3-5 0,0-49 0,-5 0 0,-3 11 0,-5-8 0,-3-5-576,-4 3 0,-3-4 1,-3-2-1,1-4 576,4 9 0,0-4 0,-1-1 0,0-2 0,0 3 0,1 3 0,-1 2 0,0 3 0,1 1 0,0 0 0,0-3 0,1 1 0,0-4 0,0-1 0,1 2 0,1 5 0,3 7 0,-5-12 0,0 4 0,-1 0 0,-3-3 0,3 7 0,4 8 0,1 7 0,-13-23 0,20 43 0,3 8 0,0 2 2303,0 5-2303,1 0 0,-4 0 0,-7 0 0,-17 0 0,-6 0 0,-27 0-1054,9 0 1,-4 0 1053,12 0 0,-4 0 0,-1 1 0,-9 0 0,-2 1 0,2 0-1330,7 0 0,2 0 0,-2 0 0,-2 1 1330,-2-1 0,-3 1 0,-2-1 0,3 1 0,4 0 0,4 1 0,4 0 0,1 0 0,1-1-896,-15 0 0,2-1 1,0 1 895,5-1 0,1-1 0,-9 1-491,13-2 1,-8 1-1,-4-1 1,-2-1-1,0 1 1,2 0-1,6 0 491,-2 0 0,6 0 0,0 0 0,-2 0 0,-8 0 0,11 0 0,-6 0 0,-3 0 0,-4 0 0,-1 0 0,0 0 0,1 0 0,3 0 0,2 0 0,6 0-62,-7 0 1,6 0 0,3 1 0,0-1 0,-3 0 0,-5-1 61,3 0 0,-5-1 0,-3 0 0,-3-1 0,1 0 0,0 1 0,2-1 0,4 1 0,5 1 0,-9-1 0,5 2 0,3-1 0,-1 1 0,-4-2 0,6 0 0,-4-1 0,-2 0 0,0-1 0,1 1 0,4 1 0,6 0 649,-4 1 0,7 1 0,0 1 1,-3-1-650,-4 0 0,-4 0 0,-2 0 0,2 0 0,3 0 0,2 0 0,2 0 0,2 0 0,-1 0 593,-1 0 1,0 0 0,-1 0 0,0 0-594,-5 0 0,-2 0 0,2 0 0,3 0 0,2 0 0,4 0 0,-3 0 1428,1 0 1,-3 0-1,0 0 1,1 0-1429,-10 0 0,1-1 0,3 2 0,12 1 0,2 2 0,-1-2 1018,-11-1 0,-2-1 0,3 2-1018,8 1 0,2 2 0,4-1 0,-2-1 0,2-1 0,-7 0 0,5 1 0,1 5 175,0-7-175,5 2 0,4 0 0,-2-2 0,-19 0 0,-9 3 0,23-4 0,19 0 0,-15 0 0,8 0 0,-8 0 0,17 3 0,10 0 0,1 22 0,-5 39 0,7-11 0,0 13 0,0 5 0,0-8 0,0-5 0,-1-4 0,0 6 0,2-6 0,0 6 0,0 3 0,1-3 0,0-4 0,0 12 0,2-6 0,-1-3-922,1 1 0,-1-1 922,1-8 0,0 3 0,0-8 0,2 17-40,-3-8 40,4-6 0,-4 17 0,3-17 0,-2 14 0,3-9 1840,0-14-1840,0 19 22,0-24 0,0-1-22,0 18 0,0 12 0,0-38 0,0-9 0,0-6 0,60 1 0,-15-4 0,8-1 0,7 1 0,-13-1 0,2 2 0,-3-2 0,4 0 0,1 0 0,2 2 0,4 2 0,-4-3 0,3-2 0,-3-1 0,-7 0 0,-2-1 0,0-1 0,-6-2 0,0-1 0,13 0 0,-18 0 0,13 0 0,-28 0 0,3 0 0,-7 0 0,15 0 0,-9 0 0,7 0 0,-10 0 0,0-3 0,-3 2 0,23-9 0,-15 9 0,12-9 0,-13 9 0,-6-5 0,6 6 0,9-9 0,-5 4 0,24-10 0,-14 1 0,-6 4 0,-9 3 0</inkml:trace>
-  <inkml:trace contextRef="#ctx0" brushRef="#br0" timeOffset="260832">15748 15259 24575,'0'0'0</inkml:trace>
-  <inkml:trace contextRef="#ctx0" brushRef="#br0" timeOffset="311413">2660 10081 24575,'-19'0'0,"-44"0"0,27 0 0,-1 0 0,-7 0 0,-3 0 0,-2 1 0,-4-1 0,4 3 0,6 4 0,-1 3-3277,-12 1 0,-7 2 0,9 1 2532,17 0 0,4 2 745,-11 5 0,5 0 2818,11 3-2818,4 4 0,1 4 0,3-1 0,1 2 859,-4 0 1,0 3-860,-1 14 0,5-1 0,-1 4 0,6-6 0,2 1 6784,4-1-6784,6-11 0,1-1 0,1-1 0,7 14 0,1-26 0,19 9 0,7 3 0,-12-9 0,3 0 0,12 7 0,7 2 0,-2-3 0,-5-4 0,2-3 0,4-1 0,6 1 0,-3-4 0,-2-5 0,1-1 0,3-1 0,5 2 0,-6-5 0,-8-3 0,-2-3-228,12 2 1,-2-1 227,-4-5 0,4 0 0,2 0 0,-15 0 0,3 0 0,12 0 0,7 0 0,-4 0 0,-5 1 0,3-2 0,-3-3 0,7-2 0,0 0 0,-8 1 0,-2 1 0,-1-1-410,4-5 1,5-1-1,-10 1 410,4 0 0,4-5 0,2-2 0,-16 6 0,0-2 213,23-12 1,-1-2-214,-28 9 0,-2-2 0,21-19 0,-2 0 0,-4-1 0,-2 3 0,0-4 0,-12 10 0,-2-1 628,3-3 1,0-3-629,4-4 0,-3 1 0,4-11 0,-8 11 0,-12 19 0,13-23 0,-10 16 0,10-20 0,-12 21 0,12-23 0,-9 19 0,12-24 0,-7 7 0,-3 1 0,-10 12 0,-2 1 0,-2 1 0,-4-4 0,-3 27 0,0-9 0,0 8 0,0-12 0,-8 11 0,-26-18 0,-13-3 0,19 13 0,-4-2 0,-17-12 0,1 1 0,-2 0 0,7 7 0,1 3 0,5 4 0,-11-1 0,-4 1 0,17 6 0,-1 2 0,-10-3 0,-6-1 0,4 3 0,7 5 0,1 2 0,-4 0 0,0 1 0,-5 2 0,3 2 0,-12 1 0,17 0 0,0 0 0,-7 0 0,-5-1 0,-4 2 0,19 2 0,-3 1 0,-15 3 0,-8 1 0,7 2 0,7 4 0,4 1 0,-7-1 0,1 2 0,5 3 0,6 0 0,1-3 0,9-2 0,2 1 0,-2 1 0,-7 8 0,8-7 0,-4 6 0,13-5 0,-3 5 0,3 2 0,1-2 0,7-6 0,-2 24 0,6-27 0,-2 19 0</inkml:trace>
-  <inkml:trace contextRef="#ctx0" brushRef="#br0" timeOffset="357176">5374 9274 24575,'0'0'0</inkml:trace>
-  <inkml:trace contextRef="#ctx0" brushRef="#br0" timeOffset="359129">5204 9274 8191,'-8'-4'0,"-3"2"5063,-8 2-5063,2 0 2818,-4 0-2818,-12 0 1719,-2 0-1719,-17 0 6784,7 0-6784,-8 0 0,18 0 0,-5 0 0,10 6 0,6-1 0,1 2 0,6 3 0,2-3 0,-6 8 0,-3 8 0,3-2 0,-7 8 0,6 3 0,-2 2 0,-1 10 0,6-4 0,2 2 0,5-6 0,5-2 0,4-7 0,3-5 0,0 10 0,0-8 0,0 7 0,0 6 0,10 2 0,10 15 0,8 0 0,9-4 0,1-4 0,-10-15 0,4-6 0,-1-4 0,-5-5 0,14 3 0,-17-9 0,22 5 0,5-2 0,-14-3 0,2 0 0,-1-1 0,1-1 0,4-1 0,0-1 0,-4-2 0,1 0 0,3-2 0,-1 0 0,17-2 0,1 0 0,-26 0 0,9 0 0,-10 0 0,10 0 0,7 0 0,2-4 0,0 3 0,-13-7 0,1-1 0,-5 4 0,2-1 0,15-6 0,2-2 0,-9 5 0,-1 0 0,-1-5 0,-4 0 0,17 0 0,-9-8 0,-4-1 0,-6-1 0,3-7 0,-11 6 0,3-8 0,-4-2 0,4-15 0,-9 1 0,-6-10 0,-8 4 0,-4 1 0,-4 19 0,0 8 0,0 8 0,-8-4 0,1 1 0,-12-4 0,-1 7 0,-3-5 0,-21-16 0,18 16 0,-3-2 0,-9-4 0,-2-2 0,-4 1 0,-2 0 0,0 3 0,-2 3 0,2 2 0,0 2-314,9 6 1,1 3 313,-20-8 0,5 12 0,15 3 0,-9 2 0,17 3 0,-2 0 0,3 0 0,-20 0 0,-2 10 627,-14 3-627,28-1 0,1 1 0,-1-1 0,1 0 0,-2 1 0,2-1 0,-20 5 0,22-6 0,18-8 0</inkml:trace>
-  <inkml:trace contextRef="#ctx0" brushRef="#br0" timeOffset="380910">2250 9473 24575,'-11'3'0,"-1"0"0,5-9 0,2-3 0,5-1 0,2 1 0,-1 4 0,7 4 0,-4-1 0,5 2 0,-4 0 0,-2 5 0,0 1 0,-3 4 0,0 1 0,0-4 0,0 1 0,0 1 0,-3-2 0,0 1 0,-6-4 0,2-2 0,-2-2 0,6-2 0,3 1 0,9-4 0,15 5 0,5-6 0,1 5 0,-7-2 0,-10 3 0,0 0 0,-3 0 0,-1 0 0,-6 3 0,0 0 0,-12 5 0,1-3 0,-8 0 0,-4-2 0,-1-2 0,4 2 0,1-3 0,13 0 0,0 0 0</inkml:trace>
-  <inkml:trace contextRef="#ctx0" brushRef="#br0" timeOffset="381811">2513 8612 24575,'0'-16'0,"0"-2"0,-10-6 0,-17-2 0,-4 3 0,-7 9 0,1 10 0,11 4 0,-2 0 0,12 0 0,7 17 0,6 15 0,0 30 0,3-10 0,-1-15 0,2 1 0,14 23 0,3-13 0,4 3 0,2-2 0,2 2 0,0-10 0,3 0 0,-2 0 0,6 13 0,-1-1 0,1-1 0,-1-2 0,-9-12 0,-2-2 0,6 14 0,-11-22 0,-9-12 0,-1-8 0,-6 1 0,2 0 0,-1 1 0,2-2 0,2 0 0,-1-1 0,2-1 0,-3-4 0</inkml:trace>
-  <inkml:trace contextRef="#ctx0" brushRef="#br0" timeOffset="382566">2367 9097 24575,'32'0'0,"-9"0"0,1 0 0,-14 0 0,-1 0 0,0 0 0,-2 0 0,2 0 0,-3 0 0,6-3 0,5-7 0,3-1 0,0-5 0,-4 3 0,-6 3 0,8-12 0,-9 9 0,3-4 0,-9 11 0</inkml:trace>
-  <inkml:trace contextRef="#ctx0" brushRef="#br0" timeOffset="383394">2754 8976 8191,'3'3'0,"0"7"5063,-3-2-5063,0 12 2818,0 1-2818,0 4 1719,0 2-1719,0-8 6784,0-6-6784,0-4 0,0-4 0,0 1 0,0 3 0,0-3 0,0 2 0,0-2 0,0-1 0,0 1 0,0-3 0,0 0 0</inkml:trace>
-  <inkml:trace contextRef="#ctx0" brushRef="#br0" timeOffset="384211">2729 8842 8191,'-6'-4'0,"-2"5"0,4-1 0,-1 3 0</inkml:trace>
-  <inkml:trace contextRef="#ctx0" brushRef="#br0" timeOffset="385227">2927 8500 24575,'0'39'0,"0"13"0,0 10 0,0-23 0,0-1 0,0 14 0,0 2 0,0-17 0,0-11 0,0-6 0,0 3 0,0-6 0,0 13 0,0-12 0,0 8 0,0-6 0,0-1 0,0-3 0,0 3 0,0-7 0,0 1 0,0-4 0,0-1 0,2-1 0,-1 2 0,2-3 0,-3 2 0,0-1 0,0 1 0,0-5 0,0 0 0</inkml:trace>
-  <inkml:trace contextRef="#ctx0" brushRef="#br0" timeOffset="386062">2862 8830 8191,'4'0'0,"4"0"5063,7 0-5063,-3 0 2818,-3 0-2818,-3 0 1719,-1 0-1719,4 0 6784,1 0-6784,0 0 0,8 0 0,-12 0 0,6 0 0</inkml:trace>
-  <inkml:trace contextRef="#ctx0" brushRef="#br0" timeOffset="386910">3141 8553 24575,'0'46'0,"0"-17"0,0 17 0,0-14 0,0 2 0,0 6 0,0 3 0,0-13 0,0 3 0,0-6 0,0-3 0,3-3 0,0-1 0,4-3 0,0 1 0,-1-2 0,0-4 0,3-2 0,-2-1 0,1-3 0,-2-3 0,3-3 0,7 0 0,8 3 0,-6-3 0,-1 3 0,-15-3 0</inkml:trace>
-  <inkml:trace contextRef="#ctx0" brushRef="#br0" timeOffset="387784">3442 8511 8191,'5'-3'0,"6"1"5063,2 2-5063,8 0 2818,-1 3-2818,0 7 1719,-1 7-1719,-11 2 6784,1 0-6784,-6 4 0,1-7 0,2 11 0,-5-7 0,2 12 0,0 1 0,-2 2 0,5-5 0,-2 1 0,2-10 0,-2 6 0,-1-13 0,0 3 0,-2-3 0,2 2 0,-3-5 0,0 0 0,2-5 0,-1 0 0,4 0 0,-4-2 0,2-1 0</inkml:trace>
-  <inkml:trace contextRef="#ctx0" brushRef="#br0" timeOffset="388310">3176 8974 24575,'0'0'0</inkml:trace>
-  <inkml:trace contextRef="#ctx0" brushRef="#br0" timeOffset="388761">3315 8974 24575,'0'0'0</inkml:trace>
-  <inkml:trace contextRef="#ctx0" brushRef="#br0" timeOffset="389161">3367 8968 8191,'3'-7'0,"0"1"0</inkml:trace>
-  <inkml:trace contextRef="#ctx0" brushRef="#br0" timeOffset="424761">4911 8672 24575,'16'22'0,"7"6"0,0 3 0,6-3 0,-18-11 0,5-5 0,-11 4 0,3-12 0,-5-1 0,3-13 0,4-9 0,10-23 0,-2 6 0,-1 6 0,1-2 0,11-14 0,0-2 0,-5 15 0,-14 20 0,-4 8 0,-3 5 0</inkml:trace>
-  <inkml:trace contextRef="#ctx0" brushRef="#br0" timeOffset="425983">5372 8708 24575,'0'23'0,"0"-4"0,0 16 0,0-13 0,0 18 0,0-21 0,0 10 0,10-13 0,8 9 0,15-10 0,12-5 0,1-4 0,-7-6 0,-3 0 0,-13-3 0,-1-1 0,5-16 0,-6 2 0,1-7 0,-5 7 0,-9 1 0,1 3 0,-2-4 0,0 8 0,-4-2 0,0 5 0,-3-6 0,0 6 0,0-8 0,0 4 0,0-1 0,-10-1 0,-12-4 0,-7 4 0,-9-8 0,7 12-6784,-1-6 6784,0 6 0,0 1 0,5 1 0,-9 6 0,9-2 0,-4 3 0,14 0 6784,5 0-6784,6 3 0,3 9 0,1-4 0,2 11 0,0 3 0,0-4 0,0 11 0,0-16 0,2-1 0,4-3 0,4-2 0,2-1 0,3-4 0,4-2 0,8 0 0,-5 0 0,1 0 0,-6 0 0,-2-3 0,2-3 0,6-11 0,-8 2 0,2 1 0,-11 8 0</inkml:trace>
-  <inkml:trace contextRef="#ctx0" brushRef="#br0" timeOffset="426963">5695 8166 8191,'0'15'0,"0"10"5063,0 14-5063,0-2 0,0-11 2818,0-4-2818,0 0 1719,0 5-1719,0-7 6784,0 6-6784,3-5 0,4 7 0,7 3 0,1-2 0,3-1 0,3 4 0,0-2 0,5 3 0,-5-5 0,-3-9 0,-4 2 0,6-1 0,-5-5 0,4 4 0,-3-9 0,4 3 0,0-3 0,3-4 0,-1-3 0,6-3 0,-1 0 0,-2 0 0,-6 0 0,-6 0 0,-3 0 0,-1 0 0,0 0 0,-2 0 0,-1 0 0,-4 0 0</inkml:trace>
-  <inkml:trace contextRef="#ctx0" brushRef="#br0" timeOffset="428195">5618 8664 24575,'6'29'0,"8"4"0,-2-5 0,0-5 0,-6-8 0,-3-8 0,3 2 0,0-3 0,-3 2 0,0-1 0,-3 1 0,0-2 0,0-1 0,3-2 0,-3 2 0,3-1 0,-1-1 0,2 5 0,4-4 0,-1 4 0,2-2 0,-3 0 0,0 0 0,0 0 0,2 0 0,-1 0 0,2-2 0,-1 1 0,-1-4 0,2 1 0,-4-2 0,-1 0 0,-2 0 0</inkml:trace>
-  <inkml:trace contextRef="#ctx0" brushRef="#br0" timeOffset="428977">6265 8419 24575,'0'13'0,"0"2"0,0-2 0,0 0 0,0 1 0,0 3 0,0 10 0,0 12 0,11-6 0,8 14 0,2-22 0,1 7 0,-3-14 0,-10-1 0,9-7 0,-14-4 0,1-4 0</inkml:trace>
-  <inkml:trace contextRef="#ctx0" brushRef="#br0" timeOffset="429478">6271 8299 24575,'0'0'0</inkml:trace>
-  <inkml:trace contextRef="#ctx0" brushRef="#br0" timeOffset="431378">6569 8381 24575,'0'16'0,"0"4"0,0-6 0,0 9 0,0-2 0,0 3 0,0-8 0,0-4 0,0-6 0,9-3 0,-1 0 0,7-3 0,3 0 0,-4 0 0,7 0 0,8 0 0,5 0 0,11-4 0,-9-6 0,-2-4 0,-13-13 0,-4-10 0,-10-9 0,-4-19 0,-10 13 0,-6-6 0,-9 19 0,-8 4 0,-6 0 0,0 13 0,0 0 0,6 16 0,6 3 0,1 3 0,4 3 0,-1 10 0,5-1 0,-1 18 0,8-11 0,-2 5 0,6 3 0,-2-2 0,5 4 0,-2-3 0,6-7 0,13-2 0,14 0 0,1-6 0,9-3 0,-21-5 0,6-3 0,-11 0 0,7 0 0,-10 0 0,9-9 0,-5-22 0,-3-24 0,-6 18 0,-2-1 0,-3-6 0,-2 1 0,1-23 0,0 9 0,-3 11 0,-1 16 0,-6-8 0,2 19 0,1 3 0,1 4 0,3 5 0,-3 1 0,3 6 0,0 3 0,3 6 0,0 5 0,0 14 0,0 6 0,0 10 0,7 0 0,1 0 0,6-10 0,2 2 0,10 7 0,-7-8-6784,13 14 6784,-10-12-56,15 14 56,-13-14 0,7 6 0,-17-19 0,-1-6 0,0 0 6756,-6-8-6756,-2-2 84,-3-5-84,2 0 0,-1-3 0,-1 0 0</inkml:trace>
-  <inkml:trace contextRef="#ctx0" brushRef="#br0" timeOffset="432944">7135 8223 8191,'0'11'0,"0"-5"5063,0 22-5063,0-11 0,0 7 2818,0-7-2818,3-4 1719,4 0-1719,3-3 6784,17 4-6784,-2 1 0,8-7 0,8 2 0,-2-9 0,11 3 0,3-14 0,-10-13 0,4-22 0,-19 8 0,-1-9 0,-16 22 0,1-6 0,1-9 0,-7 10 0,3-7 0,-9 20 0,-2 3 0,-5 4 0,-13-1 0,-9 2 0,-2 1 0,0 4 0,-1 3 0,7 0 0,-6 0 0,9 0 0,-4 0 0,3 0 0,-18 7 0,13 6 0,-11 6 0,21 3 0,3-5 0,11-2 0,2-3 0,2-3 0,0 0 0,2-6 0,9 0 0,-1-3 0,21 0 0,-4 0 0,8 0 0,-5 0 0,-12-3 0,-3 2 0,-9-4 0,0 4 0,3-2 0,7 3 0,-2 0 0,13 0 0,-7 7 0,16 11 0,-5 5 0,-2 2 0,4-2 0,-15-9 0,9-1 0,-11-7 0,-1-3 0,1-15 0,-2-6 0,-1-4 0,-3-2 0,-3 11 0,2 0 0,-5 3 0,4 4 0,-8 4 0,3 2 0</inkml:trace>
-  <inkml:trace contextRef="#ctx0" brushRef="#br0" timeOffset="433962">7675 7491 8191,'-3'10'0,"1"26"2531,13 0 1,3 3-2532,-7 1 0,0 1-1078,10 10 1,0-4 1077,-4 5 2155,-5-11-2155,-5-21 4537,-3-10-4537,0 8 0,0-5 0,0 5 6784,0 5-6784,3 0 0,0 1 0,3-8 0,0-1 0,-2-5 0,-1-1 0,2 10 0,3 7 0,7 15 0,2 4 0,-1-1 0,-2-14 0,-4-4 0,-4-15 0,-2-1 0,-1-7 0</inkml:trace>
-  <inkml:trace contextRef="#ctx0" brushRef="#br0" timeOffset="434844">7685 8020 8191,'4'0'0,"7"-6"5063,19 1-5063,-1-11 0,0 8 0,-13-5 0,-3 9 2818,-6-1-2818,2 4 1719,-3-4-1719,0 4 6784,3-2-6784,-3 3 0,6 0 0,-5-2 0,-1 1 0,-3-2 0</inkml:trace>
-  <inkml:trace contextRef="#ctx0" brushRef="#br0" timeOffset="435994">8025 7983 8191,'17'0'0,"-2"-6"5063,9-4-5063,-8-6 2818,-3-7-2818,-4 3 0,-5 0 1719,-1 7-1719,-3 3 6784,0 4-6784,0-3 0,-3-3 0,-4 4 0,-9-7 0,-5 14 0,-2-5 0,0 6 0,3 0 0,1 0 0,-1 0 0,7 0 0,1 2 0,5 2 0,1 2 0,0 3 0,-3 7 0,4-1 0,-4 4 0,5 4 0,1 10 0,0 8 0,3 2 0,0-10 0,0-2 0,0-9 0,3 5 0,1-9 0,18 12 0,-8-14 0,11 7 0,-5-10 0,0-3 0,11 1 0,4-1 0,5-6 0,3-1 0,-9-3 0,-2 3 0,0-2 0,-8 2 0,13 0 0,-13-2 0,0 2 0,-13-3 0,-5 0 0</inkml:trace>
-  <inkml:trace contextRef="#ctx0" brushRef="#br0" timeOffset="436678">8483 7216 8191,'-3'15'0,"1"-6"3575,2 21-3575,0-6-1447,0 8 1447,0 0 2158,0-1-2158,0 11 0,7 16 0,8 1 0,-5-28 0,2 1 2076,6 8 0,5 1-2076,5 4 0,1-1 0,-5-4 0,-1-3 0,0-3 0,-3-7 0,-10-17 0</inkml:trace>
-  <inkml:trace contextRef="#ctx0" brushRef="#br0" timeOffset="437761">8763 8359 8191,'15'3'0,"0"0"5063,5-3-5063,-5 0 2818,-12 15-2818,0-9 1719,-3 15-1719,0-10 6784,-3-2-6784,3 1 0,-3-4 0,0-3 0,-2 2 0,-11 5 0,-4 1 0,-15-1 0,-3-34 0,6 2 0,1-31 0,11 6 0,6 6 0,3 4 0,4 15 0,6 12 0,-2 0 0,3 7 0,0 0 0</inkml:trace>
+  <inkml:trace contextRef="#ctx0" brushRef="#br0" timeOffset="-211143.73">3656 11379 8191,'-6'0'0,"-25"18"5063,21-4-5063,-15 7 0,-1 4 2818,11 15-2818,-3-7 0,1 1 1719,5 11-1719,2-1 6784,10-25-6784,0 0 0,0-6 0,0 5 0,0-9 0,0 8 0,3-6 0,0 3 0,3-5 0,4-5 0,12 1 0,18-4 0,14 1 0,-7-12 0,0-4 0,16-6 0,-27 5 0,-4-1 0,-8 0 0,-12 9 0,1-5 0,-3-1 0,2-6 0,-8-3 0,-2 8 0,-2-4 0,0 9 0,0-6 0,0 2 0,0-2 0,-2 9 0,-2-2 0,-14 1 0,0-3 0,-10-1 0,-2-2 0,0 1 0,-17-8 0,12 5 0,1-2 0,15 10 0,13 2 0,-13 1 0,6 1 0,-4 0 0,6 3 0,8 0 0,0 0 0</inkml:trace>
+  <inkml:trace contextRef="#ctx0" brushRef="#br0" timeOffset="-209968.73">3924 11405 24575,'22'44'0,"11"11"0,-14-26 0,0 1 0,19 22 0,-22-22 0,-4-17 0,-11-10 0,1-15 0,-2-23 0,0 7 0,3-10 0,2-1 0,5-2 0,-1 7 0,0-1 0,4-3 0,12-19 0,-11 26 0,7-8 0,-12 27 0,-4 6 0,-1 2 0,-2 2 0</inkml:trace>
+  <inkml:trace contextRef="#ctx0" brushRef="#br0" timeOffset="-208525.73">4333 11401 24575,'40'0'0,"-1"-4"0,6-2 0,-14-2 0,-15-1 0,-9 2 0,-2-11 0,-5-4 0,0-7 0,-3-14 0,-3 11 0,1-3 0,-3 13 0,2 15 0,-9 1 0,4 6 0,-13 0 0,7 3 0,-4 1 0,-7 11 0,9 3 0,-4 3 0,9-2 0,2-6 0,-2 16 0,3-8 0,-6 15 0,10-8 0,-6 16 0,5-10 0,1 2 0,4-16 0,3-10 0,0 11 0,0-12 0,0 8 0,0-11 0,0 3 0,5 0 0,-1 1 0,5-5 0,5 3 0,3-3 0,6 0 0,7 2 0,1-1 0,-5 2 0,2-1 0,-15-4 0,18-3 0,-18 0 0,8 0 0,-19 0 0</inkml:trace>
+  <inkml:trace contextRef="#ctx0" brushRef="#br0" timeOffset="-207364.73">4634 11243 24575,'2'35'0,"0"1"0,6 15 0,-1-10 0,0-1 0,6 4 0,-5-12 0,-1 2 0,-6-17 0,2-1 0,-3-30 0,0-21 0,0-8 0,-2 5 0,0-1 0,0-25 0,0 19 0,0 2 0,2-8 0,0 9 0,5 33 0,2 7 0,14 2 0,-3 0 0,1 0 0,-7 0 0,-6 0 0,0 0 0,-2 0 0,-2 0 0</inkml:trace>
+  <inkml:trace contextRef="#ctx0" brushRef="#br0" timeOffset="-205832.73">5174 10889 8191,'-3'-3'0,"0"1"5063,-5 2-5063,-1 0 2818,-6 0-2818,3 0 1719,-1 0-1719,-5 5 6784,13-1-6784,-7 15 0,9 2 0,2 5 0,-5 13 0,5-12 0,-2 3 0,3-14 0,0-3 0,0 2 0,0-3 0,0 8 0,0-9 0,0 13 0,0-7 0,0 5 0,0-9 0,0-1 0,0 10 0,0 6 0,0 14 0,0 16 0,0-18 0,0 10 0,0-30 0,0 2 0,0-3 0,0-6 0,0 2 0,0-12 0,0 0 0</inkml:trace>
+  <inkml:trace contextRef="#ctx0" brushRef="#br0" timeOffset="-204928.73">4933 11214 24575,'26'0'0,"3"0"0,1 0 0,3 0 0,-22 0 0,10 0 0,-14 0 0,2 0 0,-7 0 0</inkml:trace>
+  <inkml:trace contextRef="#ctx0" brushRef="#br0" timeOffset="-204117.73">5301 11214 24575,'0'26'0,"0"13"0,0 8 0,0 4 0,0-15 0,0-13 0,0-8 0,0-3 0,0-2 0,0 2 0,0-3 0,0-6 0,0-1 0</inkml:trace>
+  <inkml:trace contextRef="#ctx0" brushRef="#br0" timeOffset="-203518.73">5301 11010 24575,'0'0'0</inkml:trace>
+  <inkml:trace contextRef="#ctx0" brushRef="#br0" timeOffset="-202867.73">5655 10942 24575,'0'42'0,"0"-10"0,0 11 0,0 6 0,0-8 0,0 0 0,0 9 0,0-1 0,0-11 0,0-2 0,0 23 0,0-38 0,0-3 0,0-15 0</inkml:trace>
+  <inkml:trace contextRef="#ctx0" brushRef="#br0" timeOffset="-202078.73">5561 11277 8191,'5'-3'0,"16"1"5063,23 2-5063,-1 0 0,1 0 2818,-24 0-2818,-11 0 1719,-3 0-1719,0 0 1696,-1 0 0,-1 0 0,-2 0 0</inkml:trace>
+  <inkml:trace contextRef="#ctx0" brushRef="#br0" timeOffset="-201313.73">5888 11034 24575,'0'33'0,"0"0"0,0 26 0,0 3 0,0 3 0,2-16 0,-1-3 0,0-6 0,-1-2 0,7 26 0,-6-41 0,2 10 0,-3-22 0,0 0 0</inkml:trace>
+  <inkml:trace contextRef="#ctx0" brushRef="#br0" timeOffset="-200595.73">5826 11385 24575,'49'0'0,"-21"0"0,24 0 0,-36 0 0,-7 0 0,-3 0 0,-3 0 0,0 0 0</inkml:trace>
+  <inkml:trace contextRef="#ctx0" brushRef="#br0" timeOffset="-199629.73">6040 11367 8191,'3'10'0,"0"-3"5063,-3 19-5063,0-6 2818,0 0-2818,0-2 1719,0-3-1719,0-5 6784,0 1-6784,0-5 0,0 5 0,0-4 0,0 10 0,0 0 0,0 8 0,0-4 0,0 0 0,0-12 0,0-3 0,0-4 0</inkml:trace>
+  <inkml:trace contextRef="#ctx0" brushRef="#br0" timeOffset="-198945.73">6109 11263 24575,'0'0'0</inkml:trace>
+  <inkml:trace contextRef="#ctx0" brushRef="#br0" timeOffset="-197763.73">6287 11395 24575,'0'56'0,"0"-19"0,0-1 0,0 10 0,0 0 0,0 2 0,0-53 0,3-9 0,2-27 0,2-11 0,2 14-6784,9-23 6784,-8 28 0,13-16 0,-9 31 0,14 5 0,-4 6 0,-2 4 0,-7 3 6784,-4 3-6784,2 6 0,-3-2 0,2 12 0,-3 17 0,-3-6 0,6 13 0,-9-15 0,0-11 0,3 4 0,-5-8 0,5 4 0,4 17 0,8 3 0,0 3 0,2-11 0,-14-19 0,0-5 0</inkml:trace>
+  <inkml:trace contextRef="#ctx0" brushRef="#br0" timeOffset="-195812.73">6742 11486 24575,'0'30'0,"0"-5"0,0 15 0,0-16 0,5-6 0,17-8 0,-3-2 0,7-4 0,-14-1 0,-3-3 0,4 0 0,3-9 0,0-5 0,-3-29 0,-6 11 0,-4-8 0,-3 24 0,0 3 0,0-3 0,-8-1 0,0 1 0,-7 7 0,-10 4 0,3 4 0,-4-2 0,2 3 0,10 0 0,-1 0 0,9 3 0,4 0 0,2 2 0,0 4 0,2-3 0,4 0 0,4-4 0,11-2 0,-5 0 0,8 0 0,-10 0 0,4 0 0,-8 0 0,4-5 0,-7 3 0,-1-6 0,1 5 0,-3 0 0,5 0 0,-3 3 0,-1 0 0,4 0 0,2 32 0,1 13 0,0-14 0,1 3 0,2 16 0,1 8 0,0-5 0,1-6 0,1 0 0,-1 1 0,1 2 0,-3-4 0,-1-10 0,-2-2 0,4 8 0,-3-5 0,-6-4 0,-3-19 0,-4 7 0,0-9 0,-20 14 0,5-14 0,-21 2 0,-29-7 0,18-5 0,-19-6 0,38-11 0,10 0 0,4-40 0,6 10 0,2 6 0,5-5 0,16-7 0,4 1-3392,-9 15 0,1 2 3392,10-9 0,1 5 0,-1 9 0,-7 11 0,8-5 0,26-8 0,-24 10 0,14-1 0</inkml:trace>
+  <inkml:trace contextRef="#ctx0" brushRef="#br0" timeOffset="-171997.73">10041 6590 24575,'44'-3'0,"-13"-4"0,6-3 0,14-4 0,12-2 0,3-3 0,-5 1-2898,-2-2 1,-4 0-1,6-1 2898,-7 3 0,5 0 0,2-1 0,-1 0 0,-6 2 0,5-5 0,-5 2 0,8 0 0,-9 5 0,8-1 0,3 1 0,0-1 0,-1 2 0,-6 2 0,1-1 0,-5 2 0,1 0 0,8 0 0,-8 2 0,6-1 0,6 0 0,1 0 0,1 0 0,-2 1 0,-3 2 0,-7 1 201,13 1 1,-7 3 0,0 1 0,9 0-202,-17-1 0,5 1 0,5-1 0,2 1 0,1 0 0,0 0 0,-1 1 0,-4 0 0,-5 1 0,4 2 0,-5 1 0,-2 0 0,0 1 0,1 0 0,4-1 0,-3 0 0,3 0 0,2-1 0,1 1 0,0 0 0,-1 0 0,-2 2 0,-2 0 0,7 3 0,-1 2 0,-2 0 0,-1 1 0,-2-1 0,-2 0 0,0 0 0,-3-1 0,-1 1 0,0-1 0,0 0-108,14 2 1,2-1-1,-3 1 1,-9-2 107,4 3 0,-8-1 0,-13-5 0,2 1-83,9 1 0,5 1 0,-2 0 83,6 2 0,1-1 0,-1 0 0,3 1 0,-4-2 0,6 0 0,-6-2 0,-18-1 0,-2-1 0,3-2 0,-4 0 3790,-1 3-3790,-18-6 1453,8 2-1453,4-3 0,8 0 0,11 0 0,-2 0-605,3 0 0,2 0 605,10 0 0,8 0 0,-4 0 0,-15 0 0,-3 0 0,5 0 0,6-1 0,5 0 0,1-1 0,-5 0 0,-3 0 0,-4 0 0,2 0 0,-3-1 0,3 0 0,-2 0 0,-7 0 166,-1 0 1,-4-1-167,19-6 0,-2 0 0,-19 7 0,0-1 0,19-10 0,-5-1 0,-8 6 0,-6-7 0,-23 9 4199,-9 1-4199,1 3 0,-8-2 0,3 1 0,-3-5 0,0-49 0,-5 0 0,-3 11 0,-5-8 0,-3-5-576,-4 3 0,-3-4 1,-3-2-1,1-4 576,4 9 0,0-4 0,-1-1 0,0-2 0,0 3 0,1 3 0,-1 2 0,0 3 0,1 1 0,0 0 0,0-3 0,1 1 0,0-4 0,0-1 0,1 2 0,1 5 0,3 7 0,-5-12 0,0 4 0,-1 0 0,-3-3 0,3 7 0,4 8 0,1 7 0,-13-23 0,20 43 0,3 8 0,0 2 2303,0 5-2303,1 0 0,-4 0 0,-7 0 0,-17 0 0,-6 0 0,-27 0-1054,9 0 1,-4 0 1053,12 0 0,-4 0 0,-1 1 0,-9 0 0,-2 1 0,2 0-1330,7 0 0,2 0 0,-2 0 0,-2 1 1330,-2-1 0,-3 1 0,-2-1 0,3 1 0,4 0 0,4 1 0,4 0 0,1 0 0,1-1-896,-15 0 0,2-1 1,0 1 895,5-1 0,1-1 0,-9 1-491,13-2 1,-8 1-1,-4-1 1,-2-1-1,0 1 1,2 0-1,6 0 491,-2 0 0,6 0 0,0 0 0,-2 0 0,-8 0 0,11 0 0,-6 0 0,-3 0 0,-4 0 0,-1 0 0,0 0 0,1 0 0,3 0 0,2 0 0,6 0-62,-7 0 1,6 0 0,3 1 0,0-1 0,-3 0 0,-5-1 61,3 0 0,-5-1 0,-3 0 0,-3-1 0,1 0 0,0 1 0,2-1 0,4 1 0,5 1 0,-9-1 0,5 2 0,3-1 0,-1 1 0,-4-2 0,6 0 0,-4-1 0,-2 0 0,0-1 0,1 1 0,4 1 0,6 0 649,-4 1 0,7 1 0,0 1 1,-3-1-650,-4 0 0,-4 0 0,-2 0 0,2 0 0,3 0 0,2 0 0,2 0 0,2 0 0,-1 0 593,-1 0 1,0 0 0,-1 0 0,0 0-594,-5 0 0,-2 0 0,2 0 0,3 0 0,2 0 0,4 0 0,-3 0 1428,1 0 1,-3 0-1,0 0 1,1 0-1429,-10 0 0,1-1 0,3 2 0,12 1 0,2 2 0,-1-2 1018,-11-1 0,-2-1 0,3 2-1018,8 1 0,2 2 0,4-1 0,-2-1 0,2-1 0,-7 0 0,5 1 0,1 5 175,0-7-175,5 2 0,4 0 0,-2-2 0,-19 0 0,-9 3 0,23-4 0,19 0 0,-15 0 0,8 0 0,-8 0 0,17 3 0,10 0 0,1 22 0,-5 39 0,7-11 0,0 13 0,0 5 0,0-8 0,0-5 0,-1-4 0,0 6 0,2-6 0,0 6 0,0 3 0,1-3 0,0-4 0,0 12 0,2-6 0,-1-3-922,1 1 0,-1-1 922,1-8 0,0 3 0,0-8 0,2 17-40,-3-8 40,4-6 0,-4 17 0,3-17 0,-2 14 0,3-9 1840,0-14-1840,0 19 22,0-24 0,0-1-22,0 18 0,0 12 0,0-38 0,0-9 0,0-6 0,60 1 0,-15-4 0,8-1 0,7 1 0,-13-1 0,2 2 0,-3-2 0,4 0 0,1 0 0,2 2 0,4 2 0,-4-3 0,3-2 0,-3-1 0,-7 0 0,-2-1 0,0-1 0,-6-2 0,0-1 0,13 0 0,-18 0 0,13 0 0,-28 0 0,3 0 0,-7 0 0,15 0 0,-9 0 0,7 0 0,-10 0 0,0-3 0,-3 2 0,23-9 0,-15 9 0,12-9 0,-13 9 0,-6-5 0,6 6 0,9-9 0,-5 4 0,24-10 0,-14 1 0,-6 4 0,-9 3 0</inkml:trace>
+  <inkml:trace contextRef="#ctx0" brushRef="#br0" timeOffset="-168664.73">15748 15259 24575,'0'0'0</inkml:trace>
+  <inkml:trace contextRef="#ctx0" brushRef="#br0" timeOffset="-118083.73">2660 10081 24575,'-19'0'0,"-44"0"0,27 0 0,-1 0 0,-7 0 0,-3 0 0,-2 1 0,-4-1 0,4 3 0,6 4 0,-1 3-3277,-12 1 0,-7 2 0,9 1 2532,17 0 0,4 2 745,-11 5 0,5 0 2818,11 3-2818,4 4 0,1 4 0,3-1 0,1 2 859,-4 0 1,0 3-860,-1 14 0,5-1 0,-1 4 0,6-6 0,2 1 6784,4-1-6784,6-11 0,1-1 0,1-1 0,7 14 0,1-26 0,19 9 0,7 3 0,-12-9 0,3 0 0,12 7 0,7 2 0,-2-3 0,-5-4 0,2-3 0,4-1 0,6 1 0,-3-4 0,-2-5 0,1-1 0,3-1 0,5 2 0,-6-5 0,-8-3 0,-2-3-228,12 2 1,-2-1 227,-4-5 0,4 0 0,2 0 0,-15 0 0,3 0 0,12 0 0,7 0 0,-4 0 0,-5 1 0,3-2 0,-3-3 0,7-2 0,0 0 0,-8 1 0,-2 1 0,-1-1-410,4-5 1,5-1-1,-10 1 410,4 0 0,4-5 0,2-2 0,-16 6 0,0-2 213,23-12 1,-1-2-214,-28 9 0,-2-2 0,21-19 0,-2 0 0,-4-1 0,-2 3 0,0-4 0,-12 10 0,-2-1 628,3-3 1,0-3-629,4-4 0,-3 1 0,4-11 0,-8 11 0,-12 19 0,13-23 0,-10 16 0,10-20 0,-12 21 0,12-23 0,-9 19 0,12-24 0,-7 7 0,-3 1 0,-10 12 0,-2 1 0,-2 1 0,-4-4 0,-3 27 0,0-9 0,0 8 0,0-12 0,-8 11 0,-26-18 0,-13-3 0,19 13 0,-4-2 0,-17-12 0,1 1 0,-2 0 0,7 7 0,1 3 0,5 4 0,-11-1 0,-4 1 0,17 6 0,-1 2 0,-10-3 0,-6-1 0,4 3 0,7 5 0,1 2 0,-4 0 0,0 1 0,-5 2 0,3 2 0,-12 1 0,17 0 0,0 0 0,-7 0 0,-5-1 0,-4 2 0,19 2 0,-3 1 0,-15 3 0,-8 1 0,7 2 0,7 4 0,4 1 0,-7-1 0,1 2 0,5 3 0,6 0 0,1-3 0,9-2 0,2 1 0,-2 1 0,-7 8 0,8-7 0,-4 6 0,13-5 0,-3 5 0,3 2 0,1-2 0,7-6 0,-2 24 0,6-27 0,-2 19 0</inkml:trace>
+  <inkml:trace contextRef="#ctx0" brushRef="#br0" timeOffset="-72320.73">5374 9274 24575,'0'0'0</inkml:trace>
+  <inkml:trace contextRef="#ctx0" brushRef="#br0" timeOffset="-70367.73">5204 9274 8191,'-8'-4'0,"-3"2"5063,-8 2-5063,2 0 2818,-4 0-2818,-12 0 1719,-2 0-1719,-17 0 6784,7 0-6784,-8 0 0,18 0 0,-5 0 0,10 6 0,6-1 0,1 2 0,6 3 0,2-3 0,-6 8 0,-3 8 0,3-2 0,-7 8 0,6 3 0,-2 2 0,-1 10 0,6-4 0,2 2 0,5-6 0,5-2 0,4-7 0,3-5 0,0 10 0,0-8 0,0 7 0,0 6 0,10 2 0,10 15 0,8 0 0,9-4 0,1-4 0,-10-15 0,4-6 0,-1-4 0,-5-5 0,14 3 0,-17-9 0,22 5 0,5-2 0,-14-3 0,2 0 0,-1-1 0,1-1 0,4-1 0,0-1 0,-4-2 0,1 0 0,3-2 0,-1 0 0,17-2 0,1 0 0,-26 0 0,9 0 0,-10 0 0,10 0 0,7 0 0,2-4 0,0 3 0,-13-7 0,1-1 0,-5 4 0,2-1 0,15-6 0,2-2 0,-9 5 0,-1 0 0,-1-5 0,-4 0 0,17 0 0,-9-8 0,-4-1 0,-6-1 0,3-7 0,-11 6 0,3-8 0,-4-2 0,4-15 0,-9 1 0,-6-10 0,-8 4 0,-4 1 0,-4 19 0,0 8 0,0 8 0,-8-4 0,1 1 0,-12-4 0,-1 7 0,-3-5 0,-21-16 0,18 16 0,-3-2 0,-9-4 0,-2-2 0,-4 1 0,-2 0 0,0 3 0,-2 3 0,2 2 0,0 2-314,9 6 1,1 3 313,-20-8 0,5 12 0,15 3 0,-9 2 0,17 3 0,-2 0 0,3 0 0,-20 0 0,-2 10 627,-14 3-627,28-1 0,1 1 0,-1-1 0,1 0 0,-2 1 0,2-1 0,-20 5 0,22-6 0,18-8 0</inkml:trace>
+  <inkml:trace contextRef="#ctx0" brushRef="#br0" timeOffset="-48586.73">2250 9473 24575,'-11'3'0,"-1"0"0,5-9 0,2-3 0,5-1 0,2 1 0,-1 4 0,7 4 0,-4-1 0,5 2 0,-4 0 0,-2 5 0,0 1 0,-3 4 0,0 1 0,0-4 0,0 1 0,0 1 0,-3-2 0,0 1 0,-6-4 0,2-2 0,-2-2 0,6-2 0,3 1 0,9-4 0,15 5 0,5-6 0,1 5 0,-7-2 0,-10 3 0,0 0 0,-3 0 0,-1 0 0,-6 3 0,0 0 0,-12 5 0,1-3 0,-8 0 0,-4-2 0,-1-2 0,4 2 0,1-3 0,13 0 0,0 0 0</inkml:trace>
+  <inkml:trace contextRef="#ctx0" brushRef="#br0" timeOffset="-47685.73">2513 8612 24575,'0'-16'0,"0"-2"0,-10-6 0,-17-2 0,-4 3 0,-7 9 0,1 10 0,11 4 0,-2 0 0,12 0 0,7 17 0,6 15 0,0 30 0,3-10 0,-1-15 0,2 1 0,14 23 0,3-13 0,4 3 0,2-2 0,2 2 0,0-10 0,3 0 0,-2 0 0,6 13 0,-1-1 0,1-1 0,-1-2 0,-9-12 0,-2-2 0,6 14 0,-11-22 0,-9-12 0,-1-8 0,-6 1 0,2 0 0,-1 1 0,2-2 0,2 0 0,-1-1 0,2-1 0,-3-4 0</inkml:trace>
+  <inkml:trace contextRef="#ctx0" brushRef="#br0" timeOffset="-46930.73">2367 9097 24575,'32'0'0,"-9"0"0,1 0 0,-14 0 0,-1 0 0,0 0 0,-2 0 0,2 0 0,-3 0 0,6-3 0,5-7 0,3-1 0,0-5 0,-4 3 0,-6 3 0,8-12 0,-9 9 0,3-4 0,-9 11 0</inkml:trace>
+  <inkml:trace contextRef="#ctx0" brushRef="#br0" timeOffset="-46102.73">2754 8976 8191,'3'3'0,"0"7"5063,-3-2-5063,0 12 2818,0 1-2818,0 4 1719,0 2-1719,0-8 6784,0-6-6784,0-4 0,0-4 0,0 1 0,0 3 0,0-3 0,0 2 0,0-2 0,0-1 0,0 1 0,0-3 0,0 0 0</inkml:trace>
+  <inkml:trace contextRef="#ctx0" brushRef="#br0" timeOffset="-45285.73">2729 8842 8191,'-6'-4'0,"-2"5"0,4-1 0,-1 3 0</inkml:trace>
+  <inkml:trace contextRef="#ctx0" brushRef="#br0" timeOffset="-44269.73">2927 8500 24575,'0'39'0,"0"13"0,0 10 0,0-23 0,0-1 0,0 14 0,0 2 0,0-17 0,0-11 0,0-6 0,0 3 0,0-6 0,0 13 0,0-12 0,0 8 0,0-6 0,0-1 0,0-3 0,0 3 0,0-7 0,0 1 0,0-4 0,0-1 0,2-1 0,-1 2 0,2-3 0,-3 2 0,0-1 0,0 1 0,0-5 0,0 0 0</inkml:trace>
+  <inkml:trace contextRef="#ctx0" brushRef="#br0" timeOffset="-43434.73">2862 8830 8191,'4'0'0,"4"0"5063,7 0-5063,-3 0 2818,-3 0-2818,-3 0 1719,-1 0-1719,4 0 6784,1 0-6784,0 0 0,8 0 0,-12 0 0,6 0 0</inkml:trace>
+  <inkml:trace contextRef="#ctx0" brushRef="#br0" timeOffset="-42586.73">3141 8553 24575,'0'46'0,"0"-17"0,0 17 0,0-14 0,0 2 0,0 6 0,0 3 0,0-13 0,0 3 0,0-6 0,0-3 0,3-3 0,0-1 0,4-3 0,0 1 0,-1-2 0,0-4 0,3-2 0,-2-1 0,1-3 0,-2-3 0,3-3 0,7 0 0,8 3 0,-6-3 0,-1 3 0,-15-3 0</inkml:trace>
+  <inkml:trace contextRef="#ctx0" brushRef="#br0" timeOffset="-41712.73">3442 8511 8191,'5'-3'0,"6"1"5063,2 2-5063,8 0 2818,-1 3-2818,0 7 1719,-1 7-1719,-11 2 6784,1 0-6784,-6 4 0,1-7 0,2 11 0,-5-7 0,2 12 0,0 1 0,-2 2 0,5-5 0,-2 1 0,2-10 0,-2 6 0,-1-13 0,0 3 0,-2-3 0,2 2 0,-3-5 0,0 0 0,2-5 0,-1 0 0,4 0 0,-4-2 0,2-1 0</inkml:trace>
+  <inkml:trace contextRef="#ctx0" brushRef="#br0" timeOffset="-41186.73">3176 8974 24575,'0'0'0</inkml:trace>
+  <inkml:trace contextRef="#ctx0" brushRef="#br0" timeOffset="-40735.73">3315 8974 24575,'0'0'0</inkml:trace>
+  <inkml:trace contextRef="#ctx0" brushRef="#br0" timeOffset="-40335.73">3367 8968 8191,'3'-7'0,"0"1"0</inkml:trace>
+  <inkml:trace contextRef="#ctx0" brushRef="#br0" timeOffset="-4735.73">4911 8672 24575,'16'22'0,"7"6"0,0 3 0,6-3 0,-18-11 0,5-5 0,-11 4 0,3-12 0,-5-1 0,3-13 0,4-9 0,10-23 0,-2 6 0,-1 6 0,1-2 0,11-14 0,0-2 0,-5 15 0,-14 20 0,-4 8 0,-3 5 0</inkml:trace>
+  <inkml:trace contextRef="#ctx0" brushRef="#br0" timeOffset="-3513.73">5372 8708 24575,'0'23'0,"0"-4"0,0 16 0,0-13 0,0 18 0,0-21 0,0 10 0,10-13 0,8 9 0,15-10 0,12-5 0,1-4 0,-7-6 0,-3 0 0,-13-3 0,-1-1 0,5-16 0,-6 2 0,1-7 0,-5 7 0,-9 1 0,1 3 0,-2-4 0,0 8 0,-4-2 0,0 5 0,-3-6 0,0 6 0,0-8 0,0 4 0,0-1 0,-10-1 0,-12-4 0,-7 4 0,-9-8 0,7 12-6784,-1-6 6784,0 6 0,0 1 0,5 1 0,-9 6 0,9-2 0,-4 3 0,14 0 6784,5 0-6784,6 3 0,3 9 0,1-4 0,2 11 0,0 3 0,0-4 0,0 11 0,0-16 0,2-1 0,4-3 0,4-2 0,2-1 0,3-4 0,4-2 0,8 0 0,-5 0 0,1 0 0,-6 0 0,-2-3 0,2-3 0,6-11 0,-8 2 0,2 1 0,-11 8 0</inkml:trace>
+  <inkml:trace contextRef="#ctx0" brushRef="#br0" timeOffset="-2533.73">5695 8166 8191,'0'15'0,"0"10"5063,0 14-5063,0-2 0,0-11 2818,0-4-2818,0 0 1719,0 5-1719,0-7 6784,0 6-6784,3-5 0,4 7 0,7 3 0,1-2 0,3-1 0,3 4 0,0-2 0,5 3 0,-5-5 0,-3-9 0,-4 2 0,6-1 0,-5-5 0,4 4 0,-3-9 0,4 3 0,0-3 0,3-4 0,-1-3 0,6-3 0,-1 0 0,-2 0 0,-6 0 0,-6 0 0,-3 0 0,-1 0 0,0 0 0,-2 0 0,-1 0 0,-4 0 0</inkml:trace>
+  <inkml:trace contextRef="#ctx0" brushRef="#br0" timeOffset="-1301.73">5618 8664 24575,'6'29'0,"8"4"0,-2-5 0,0-5 0,-6-8 0,-3-8 0,3 2 0,0-3 0,-3 2 0,0-1 0,-3 1 0,0-2 0,0-1 0,3-2 0,-3 2 0,3-1 0,-1-1 0,2 5 0,4-4 0,-1 4 0,2-2 0,-3 0 0,0 0 0,0 0 0,2 0 0,-1 0 0,2-2 0,-1 1 0,-1-4 0,2 1 0,-4-2 0,-1 0 0,-2 0 0</inkml:trace>
+  <inkml:trace contextRef="#ctx0" brushRef="#br0" timeOffset="-519.73">6265 8419 24575,'0'13'0,"0"2"0,0-2 0,0 0 0,0 1 0,0 3 0,0 10 0,0 12 0,11-6 0,8 14 0,2-22 0,1 7 0,-3-14 0,-10-1 0,9-7 0,-14-4 0,1-4 0</inkml:trace>
+  <inkml:trace contextRef="#ctx0" brushRef="#br0" timeOffset="-18.73">6271 8299 24575,'0'0'0</inkml:trace>
+  <inkml:trace contextRef="#ctx0" brushRef="#br0" timeOffset="1881.27">6569 8381 24575,'0'16'0,"0"4"0,0-6 0,0 9 0,0-2 0,0 3 0,0-8 0,0-4 0,0-6 0,9-3 0,-1 0 0,7-3 0,3 0 0,-4 0 0,7 0 0,8 0 0,5 0 0,11-4 0,-9-6 0,-2-4 0,-13-13 0,-4-10 0,-10-9 0,-4-19 0,-10 13 0,-6-6 0,-9 19 0,-8 4 0,-6 0 0,0 13 0,0 0 0,6 16 0,6 3 0,1 3 0,4 3 0,-1 10 0,5-1 0,-1 18 0,8-11 0,-2 5 0,6 3 0,-2-2 0,5 4 0,-2-3 0,6-7 0,13-2 0,14 0 0,1-6 0,9-3 0,-21-5 0,6-3 0,-11 0 0,7 0 0,-10 0 0,9-9 0,-5-22 0,-3-24 0,-6 18 0,-2-1 0,-3-6 0,-2 1 0,1-23 0,0 9 0,-3 11 0,-1 16 0,-6-8 0,2 19 0,1 3 0,1 4 0,3 5 0,-3 1 0,3 6 0,0 3 0,3 6 0,0 5 0,0 14 0,0 6 0,0 10 0,7 0 0,1 0 0,6-10 0,2 2 0,10 7 0,-7-8-6784,13 14 6784,-10-12-56,15 14 56,-13-14 0,7 6 0,-17-19 0,-1-6 0,0 0 6756,-6-8-6756,-2-2 84,-3-5-84,2 0 0,-1-3 0,-1 0 0</inkml:trace>
+  <inkml:trace contextRef="#ctx0" brushRef="#br0" timeOffset="3447.27">7135 8223 8191,'0'11'0,"0"-5"5063,0 22-5063,0-11 0,0 7 2818,0-7-2818,3-4 1719,4 0-1719,3-3 6784,17 4-6784,-2 1 0,8-7 0,8 2 0,-2-9 0,11 3 0,3-14 0,-10-13 0,4-22 0,-19 8 0,-1-9 0,-16 22 0,1-6 0,1-9 0,-7 10 0,3-7 0,-9 20 0,-2 3 0,-5 4 0,-13-1 0,-9 2 0,-2 1 0,0 4 0,-1 3 0,7 0 0,-6 0 0,9 0 0,-4 0 0,3 0 0,-18 7 0,13 6 0,-11 6 0,21 3 0,3-5 0,11-2 0,2-3 0,2-3 0,0 0 0,2-6 0,9 0 0,-1-3 0,21 0 0,-4 0 0,8 0 0,-5 0 0,-12-3 0,-3 2 0,-9-4 0,0 4 0,3-2 0,7 3 0,-2 0 0,13 0 0,-7 7 0,16 11 0,-5 5 0,-2 2 0,4-2 0,-15-9 0,9-1 0,-11-7 0,-1-3 0,1-15 0,-2-6 0,-1-4 0,-3-2 0,-3 11 0,2 0 0,-5 3 0,4 4 0,-8 4 0,3 2 0</inkml:trace>
+  <inkml:trace contextRef="#ctx0" brushRef="#br0" timeOffset="4465.27">7675 7491 8191,'-3'10'0,"1"26"2531,13 0 1,3 3-2532,-7 1 0,0 1-1078,10 10 1,0-4 1077,-4 5 2155,-5-11-2155,-5-21 4537,-3-10-4537,0 8 0,0-5 0,0 5 6784,0 5-6784,3 0 0,0 1 0,3-8 0,0-1 0,-2-5 0,-1-1 0,2 10 0,3 7 0,7 15 0,2 4 0,-1-1 0,-2-14 0,-4-4 0,-4-15 0,-2-1 0,-1-7 0</inkml:trace>
+  <inkml:trace contextRef="#ctx0" brushRef="#br0" timeOffset="5347.27">7685 8020 8191,'4'0'0,"7"-6"5063,19 1-5063,-1-11 0,0 8 0,-13-5 0,-3 9 2818,-6-1-2818,2 4 1719,-3-4-1719,0 4 6784,3-2-6784,-3 3 0,6 0 0,-5-2 0,-1 1 0,-3-2 0</inkml:trace>
+  <inkml:trace contextRef="#ctx0" brushRef="#br0" timeOffset="6497.27">8025 7983 8191,'17'0'0,"-2"-6"5063,9-4-5063,-8-6 2818,-3-7-2818,-4 3 0,-5 0 1719,-1 7-1719,-3 3 6784,0 4-6784,0-3 0,-3-3 0,-4 4 0,-9-7 0,-5 14 0,-2-5 0,0 6 0,3 0 0,1 0 0,-1 0 0,7 0 0,1 2 0,5 2 0,1 2 0,0 3 0,-3 7 0,4-1 0,-4 4 0,5 4 0,1 10 0,0 8 0,3 2 0,0-10 0,0-2 0,0-9 0,3 5 0,1-9 0,18 12 0,-8-14 0,11 7 0,-5-10 0,0-3 0,11 1 0,4-1 0,5-6 0,3-1 0,-9-3 0,-2 3 0,0-2 0,-8 2 0,13 0 0,-13-2 0,0 2 0,-13-3 0,-5 0 0</inkml:trace>
+  <inkml:trace contextRef="#ctx0" brushRef="#br0" timeOffset="7181.27">8483 7216 8191,'-3'15'0,"1"-6"3575,2 21-3575,0-6-1447,0 8 1447,0 0 2158,0-1-2158,0 11 0,7 16 0,8 1 0,-5-28 0,2 1 2076,6 8 0,5 1-2076,5 4 0,1-1 0,-5-4 0,-1-3 0,0-3 0,-3-7 0,-10-17 0</inkml:trace>
+  <inkml:trace contextRef="#ctx0" brushRef="#br0" timeOffset="8264.27">8763 8359 8191,'15'3'0,"0"0"5063,5-3-5063,-5 0 2818,-12 15-2818,0-9 1719,-3 15-1719,0-10 6784,-3-2-6784,3 1 0,-3-4 0,0-3 0,-2 2 0,-11 5 0,-4 1 0,-15-1 0,-3-34 0,6 2 0,1-31 0,11 6 0,6 6 0,3 4 0,4 15 0,6 12 0,-2 0 0,3 7 0,0 0 0</inkml:trace>
 </inkml:ink>
 </file>
 
@@ -1263,7 +1263,7 @@
           <a:p>
             <a:fld id="{E691C826-9C88-984B-BA00-2A3D70B841ED}" type="datetimeFigureOut">
               <a:rPr lang="en-US" smtClean="0"/>
-              <a:t>6/22/23</a:t>
+              <a:t>6/27/23</a:t>
             </a:fld>
             <a:endParaRPr lang="en-US"/>
           </a:p>
@@ -2275,7 +2275,7 @@
           <a:p>
             <a:fld id="{3ECF9910-9118-6047-80D8-08D486144324}" type="datetime1">
               <a:rPr lang="en-US" smtClean="0"/>
-              <a:t>6/23/23</a:t>
+              <a:t>6/27/23</a:t>
             </a:fld>
             <a:endParaRPr lang="en-US" dirty="0"/>
           </a:p>
@@ -2488,7 +2488,7 @@
           <a:p>
             <a:fld id="{6E7F7261-D227-6B4F-B4BA-68C1AB5DFDB7}" type="datetime1">
               <a:rPr lang="en-US" smtClean="0"/>
-              <a:t>6/23/23</a:t>
+              <a:t>6/27/23</a:t>
             </a:fld>
             <a:endParaRPr lang="en-US"/>
           </a:p>
@@ -2701,7 +2701,7 @@
           <a:p>
             <a:fld id="{43182D05-B876-FF48-B69D-489DD6904A32}" type="datetime1">
               <a:rPr lang="en-US" smtClean="0"/>
-              <a:t>6/23/23</a:t>
+              <a:t>6/27/23</a:t>
             </a:fld>
             <a:endParaRPr lang="en-US"/>
           </a:p>
@@ -2908,7 +2908,7 @@
           <a:p>
             <a:fld id="{22A58416-982B-1E40-A575-362FA593E35A}" type="datetime1">
               <a:rPr lang="en-US" smtClean="0"/>
-              <a:t>6/23/23</a:t>
+              <a:t>6/27/23</a:t>
             </a:fld>
             <a:endParaRPr lang="en-US" dirty="0"/>
           </a:p>
@@ -3201,7 +3201,7 @@
           <a:p>
             <a:fld id="{C026C5D1-E1DB-164A-BED2-08EC0D3C7143}" type="datetime1">
               <a:rPr lang="en-US" smtClean="0"/>
-              <a:t>6/23/23</a:t>
+              <a:t>6/27/23</a:t>
             </a:fld>
             <a:endParaRPr lang="en-US" dirty="0"/>
           </a:p>
@@ -3486,7 +3486,7 @@
           <a:p>
             <a:fld id="{A947BE17-3A09-1841-A696-42FA8AE7A3F9}" type="datetime1">
               <a:rPr lang="en-US" smtClean="0"/>
-              <a:t>6/23/23</a:t>
+              <a:t>6/27/23</a:t>
             </a:fld>
             <a:endParaRPr lang="en-US" dirty="0"/>
           </a:p>
@@ -3918,7 +3918,7 @@
           <a:p>
             <a:fld id="{EDA75318-04AE-1641-97A5-0211657347C7}" type="datetime1">
               <a:rPr lang="en-US" smtClean="0"/>
-              <a:t>6/23/23</a:t>
+              <a:t>6/27/23</a:t>
             </a:fld>
             <a:endParaRPr lang="en-US" dirty="0"/>
           </a:p>
@@ -4073,7 +4073,7 @@
           <a:p>
             <a:fld id="{0E4F491B-69A1-6746-B8E7-D0F6EAA6945A}" type="datetime1">
               <a:rPr lang="en-US" smtClean="0"/>
-              <a:t>6/23/23</a:t>
+              <a:t>6/27/23</a:t>
             </a:fld>
             <a:endParaRPr lang="en-US"/>
           </a:p>
@@ -4189,7 +4189,7 @@
           <a:p>
             <a:fld id="{40F6338E-F71A-034D-BEE0-A2C8E7AE71F7}" type="datetime1">
               <a:rPr lang="en-US" smtClean="0"/>
-              <a:t>6/23/23</a:t>
+              <a:t>6/27/23</a:t>
             </a:fld>
             <a:endParaRPr lang="en-US"/>
           </a:p>
@@ -4505,7 +4505,7 @@
           <a:p>
             <a:fld id="{5944C3FD-87FD-DB47-9A44-FDF2434DFA6B}" type="datetime1">
               <a:rPr lang="en-US" smtClean="0"/>
-              <a:t>6/23/23</a:t>
+              <a:t>6/27/23</a:t>
             </a:fld>
             <a:endParaRPr lang="en-US"/>
           </a:p>
@@ -4797,7 +4797,7 @@
           <a:p>
             <a:fld id="{A4928FB5-5E97-6747-9EB1-FB2D82C1CA56}" type="datetime1">
               <a:rPr lang="en-US" smtClean="0"/>
-              <a:t>6/23/23</a:t>
+              <a:t>6/27/23</a:t>
             </a:fld>
             <a:endParaRPr lang="en-US"/>
           </a:p>
@@ -5043,7 +5043,7 @@
           <a:p>
             <a:fld id="{41384EA5-EF8E-AF47-B625-F343896D2868}" type="datetime1">
               <a:rPr lang="en-US" smtClean="0"/>
-              <a:t>6/23/23</a:t>
+              <a:t>6/27/23</a:t>
             </a:fld>
             <a:endParaRPr lang="en-US"/>
           </a:p>
@@ -5635,7 +5635,7 @@
           <a:p>
             <a:fld id="{5C826693-43BE-3542-95BD-E284C103E836}" type="datetime1">
               <a:rPr lang="en-US" smtClean="0"/>
-              <a:t>6/23/23</a:t>
+              <a:t>6/27/23</a:t>
             </a:fld>
             <a:endParaRPr lang="en-US" dirty="0"/>
           </a:p>
@@ -5962,14 +5962,14 @@
           <a:p>
             <a:fld id="{9BDC9017-1EAE-7045-828E-563853016B1B}" type="datetime1">
               <a:rPr lang="en-US" smtClean="0"/>
-              <a:t>6/23/23</a:t>
+              <a:t>6/27/23</a:t>
             </a:fld>
             <a:endParaRPr lang="en-US"/>
           </a:p>
         </p:txBody>
       </p:sp>
-      <mc:AlternateContent xmlns:mc="http://schemas.openxmlformats.org/markup-compatibility/2006">
-        <mc:Choice xmlns:p14="http://schemas.microsoft.com/office/powerpoint/2010/main" Requires="p14">
+      <mc:AlternateContent xmlns:mc="http://schemas.openxmlformats.org/markup-compatibility/2006" xmlns:p14="http://schemas.microsoft.com/office/powerpoint/2010/main">
+        <mc:Choice Requires="p14">
           <p:contentPart p14:bwMode="auto" r:id="rId3">
             <p14:nvContentPartPr>
               <p14:cNvPr id="7" name="Ink 6">
@@ -5988,7 +5988,7 @@
             </p14:xfrm>
           </p:contentPart>
         </mc:Choice>
-        <mc:Fallback>
+        <mc:Fallback xmlns="">
           <p:pic>
             <p:nvPicPr>
               <p:cNvPr id="7" name="Ink 6">
@@ -6352,14 +6352,14 @@
           <a:p>
             <a:fld id="{B4061236-7A16-8C4F-8268-31FB3109CC44}" type="datetime1">
               <a:rPr lang="en-US" smtClean="0"/>
-              <a:t>6/23/23</a:t>
+              <a:t>6/27/23</a:t>
             </a:fld>
             <a:endParaRPr lang="en-US"/>
           </a:p>
         </p:txBody>
       </p:sp>
-      <mc:AlternateContent xmlns:mc="http://schemas.openxmlformats.org/markup-compatibility/2006">
-        <mc:Choice xmlns:p14="http://schemas.microsoft.com/office/powerpoint/2010/main" Requires="p14">
+      <mc:AlternateContent xmlns:mc="http://schemas.openxmlformats.org/markup-compatibility/2006" xmlns:p14="http://schemas.microsoft.com/office/powerpoint/2010/main">
+        <mc:Choice Requires="p14">
           <p:contentPart p14:bwMode="auto" r:id="rId5">
             <p14:nvContentPartPr>
               <p14:cNvPr id="12" name="Ink 11">
@@ -6378,7 +6378,7 @@
             </p14:xfrm>
           </p:contentPart>
         </mc:Choice>
-        <mc:Fallback>
+        <mc:Fallback xmlns="">
           <p:pic>
             <p:nvPicPr>
               <p:cNvPr id="12" name="Ink 11">
@@ -6591,14 +6591,14 @@
           <a:p>
             <a:fld id="{DA125093-46B4-DD4D-A2C9-3F50F9AA7C2A}" type="datetime1">
               <a:rPr lang="en-US" smtClean="0"/>
-              <a:t>6/23/23</a:t>
+              <a:t>6/27/23</a:t>
             </a:fld>
             <a:endParaRPr lang="en-US"/>
           </a:p>
         </p:txBody>
       </p:sp>
-      <mc:AlternateContent xmlns:mc="http://schemas.openxmlformats.org/markup-compatibility/2006">
-        <mc:Choice xmlns:p14="http://schemas.microsoft.com/office/powerpoint/2010/main" Requires="p14">
+      <mc:AlternateContent xmlns:mc="http://schemas.openxmlformats.org/markup-compatibility/2006" xmlns:p14="http://schemas.microsoft.com/office/powerpoint/2010/main">
+        <mc:Choice Requires="p14">
           <p:contentPart p14:bwMode="auto" r:id="rId3">
             <p14:nvContentPartPr>
               <p14:cNvPr id="8" name="Ink 7">
@@ -6617,7 +6617,7 @@
             </p14:xfrm>
           </p:contentPart>
         </mc:Choice>
-        <mc:Fallback>
+        <mc:Fallback xmlns="">
           <p:pic>
             <p:nvPicPr>
               <p:cNvPr id="8" name="Ink 7">
@@ -7239,14 +7239,14 @@
           <a:p>
             <a:fld id="{ED7FB1EE-F54F-AE43-BBE8-195C2590D2BC}" type="datetime1">
               <a:rPr lang="en-US" smtClean="0"/>
-              <a:t>6/23/23</a:t>
+              <a:t>6/27/23</a:t>
             </a:fld>
             <a:endParaRPr lang="en-US"/>
           </a:p>
         </p:txBody>
       </p:sp>
-      <mc:AlternateContent xmlns:mc="http://schemas.openxmlformats.org/markup-compatibility/2006">
-        <mc:Choice xmlns:p14="http://schemas.microsoft.com/office/powerpoint/2010/main" Requires="p14">
+      <mc:AlternateContent xmlns:mc="http://schemas.openxmlformats.org/markup-compatibility/2006" xmlns:p14="http://schemas.microsoft.com/office/powerpoint/2010/main">
+        <mc:Choice Requires="p14">
           <p:contentPart p14:bwMode="auto" r:id="rId5">
             <p14:nvContentPartPr>
               <p14:cNvPr id="8" name="Ink 7">
@@ -7265,7 +7265,7 @@
             </p14:xfrm>
           </p:contentPart>
         </mc:Choice>
-        <mc:Fallback>
+        <mc:Fallback xmlns="">
           <p:pic>
             <p:nvPicPr>
               <p:cNvPr id="8" name="Ink 7">
@@ -7757,7 +7757,7 @@
           <a:p>
             <a:fld id="{8A827CEE-8FE8-DF42-8C58-DDA799CA04EE}" type="datetime1">
               <a:rPr lang="en-US" smtClean="0"/>
-              <a:t>6/23/23</a:t>
+              <a:t>6/27/23</a:t>
             </a:fld>
             <a:endParaRPr lang="en-US"/>
           </a:p>
@@ -8354,7 +8354,7 @@
           <a:p>
             <a:fld id="{791D4430-A007-494B-A85F-0042CBD662A3}" type="datetime1">
               <a:rPr lang="en-US" smtClean="0"/>
-              <a:t>6/23/23</a:t>
+              <a:t>6/27/23</a:t>
             </a:fld>
             <a:endParaRPr lang="en-US"/>
           </a:p>
@@ -9247,7 +9247,7 @@
           <a:p>
             <a:fld id="{9E6D60F4-A9BE-FA4C-BC21-AC0E42B19FB8}" type="datetime1">
               <a:rPr lang="en-US" smtClean="0"/>
-              <a:t>6/23/23</a:t>
+              <a:t>6/27/23</a:t>
             </a:fld>
             <a:endParaRPr lang="en-US"/>
           </a:p>
@@ -9407,7 +9407,7 @@
           <a:p>
             <a:fld id="{105C1522-F0DE-254F-960A-2D26B932935F}" type="datetime1">
               <a:rPr lang="en-US" smtClean="0"/>
-              <a:t>6/23/23</a:t>
+              <a:t>6/27/23</a:t>
             </a:fld>
             <a:endParaRPr lang="en-US"/>
           </a:p>
@@ -9625,7 +9625,7 @@
           <a:p>
             <a:fld id="{82D5AF66-72AC-2143-B8A4-5B12495FD7E7}" type="datetime1">
               <a:rPr lang="en-US" smtClean="0"/>
-              <a:t>6/23/23</a:t>
+              <a:t>6/27/23</a:t>
             </a:fld>
             <a:endParaRPr lang="en-US"/>
           </a:p>
@@ -10859,7 +10859,7 @@
           <a:p>
             <a:fld id="{EAAD225C-DACA-5A4E-9B7D-4A45F781F9E2}" type="datetime1">
               <a:rPr lang="en-US" smtClean="0"/>
-              <a:t>6/23/23</a:t>
+              <a:t>6/27/23</a:t>
             </a:fld>
             <a:endParaRPr lang="en-US"/>
           </a:p>
@@ -10958,11 +10958,14 @@
         </p:spPr>
         <p:txBody>
           <a:bodyPr>
-            <a:normAutofit/>
+            <a:normAutofit fontScale="92500" lnSpcReduction="20000"/>
           </a:bodyPr>
           <a:lstStyle/>
           <a:p>
             <a:pPr marL="571500" indent="-571500" algn="l">
+              <a:lnSpc>
+                <a:spcPct val="150000"/>
+              </a:lnSpc>
               <a:buFont typeface="Arial" panose="020B0604020202020204" pitchFamily="34" charset="0"/>
               <a:buChar char="•"/>
             </a:pPr>
@@ -10984,6 +10987,9 @@
           </a:p>
           <a:p>
             <a:pPr marL="571500" indent="-571500" algn="l">
+              <a:lnSpc>
+                <a:spcPct val="150000"/>
+              </a:lnSpc>
               <a:buFont typeface="Arial" panose="020B0604020202020204" pitchFamily="34" charset="0"/>
               <a:buChar char="•"/>
             </a:pPr>
@@ -11005,6 +11011,9 @@
           </a:p>
           <a:p>
             <a:pPr marL="571500" indent="-571500" algn="l">
+              <a:lnSpc>
+                <a:spcPct val="150000"/>
+              </a:lnSpc>
               <a:buFont typeface="Arial" panose="020B0604020202020204" pitchFamily="34" charset="0"/>
               <a:buChar char="•"/>
             </a:pPr>
@@ -11026,6 +11035,9 @@
           </a:p>
           <a:p>
             <a:pPr marL="571500" indent="-571500" algn="l">
+              <a:lnSpc>
+                <a:spcPct val="150000"/>
+              </a:lnSpc>
               <a:buFont typeface="Arial" panose="020B0604020202020204" pitchFamily="34" charset="0"/>
               <a:buChar char="•"/>
             </a:pPr>
@@ -11042,29 +11054,11 @@
                 </a:solidFill>
                 <a:ea typeface="+mj-ea"/>
               </a:rPr>
-              <a:t>design choices data/model/loss </a:t>
+              <a:t>design choices in ERM</a:t>
             </a:r>
-            <a:r>
-              <a:rPr lang="en-AT" sz="4000" dirty="0">
-                <a:ea typeface="+mj-ea"/>
-              </a:rPr>
-              <a:t>and their </a:t>
-            </a:r>
-            <a:r>
-              <a:rPr lang="en-AT" sz="4000" dirty="0">
-                <a:solidFill>
-                  <a:srgbClr val="FF0000"/>
-                </a:solidFill>
-                <a:ea typeface="+mj-ea"/>
-              </a:rPr>
-              <a:t>effect on ERM </a:t>
-            </a:r>
-            <a:r>
-              <a:rPr lang="en-AT" sz="4000" dirty="0">
-                <a:ea typeface="+mj-ea"/>
-              </a:rPr>
-              <a:t>methods</a:t>
-            </a:r>
+            <a:endParaRPr lang="en-AT" sz="4000" dirty="0">
+              <a:ea typeface="+mj-ea"/>
+            </a:endParaRPr>
           </a:p>
           <a:p>
             <a:pPr marL="571500" indent="-571500" algn="l">
@@ -11168,7 +11162,7 @@
           <a:p>
             <a:fld id="{A9F9CDBC-EEF7-4543-B543-A7E4509BBE7A}" type="datetime1">
               <a:rPr lang="en-US" smtClean="0"/>
-              <a:t>6/23/23</a:t>
+              <a:t>6/27/23</a:t>
             </a:fld>
             <a:endParaRPr lang="en-US" dirty="0"/>
           </a:p>
@@ -11587,14 +11581,14 @@
           <a:p>
             <a:fld id="{28E0F964-FF56-5C4F-83D6-0AE43D893EF7}" type="datetime1">
               <a:rPr lang="en-US" smtClean="0"/>
-              <a:t>6/23/23</a:t>
+              <a:t>6/27/23</a:t>
             </a:fld>
             <a:endParaRPr lang="en-US"/>
           </a:p>
         </p:txBody>
       </p:sp>
-      <mc:AlternateContent xmlns:mc="http://schemas.openxmlformats.org/markup-compatibility/2006">
-        <mc:Choice xmlns:p14="http://schemas.microsoft.com/office/powerpoint/2010/main" Requires="p14">
+      <mc:AlternateContent xmlns:mc="http://schemas.openxmlformats.org/markup-compatibility/2006" xmlns:p14="http://schemas.microsoft.com/office/powerpoint/2010/main">
+        <mc:Choice Requires="p14">
           <p:contentPart p14:bwMode="auto" r:id="rId5">
             <p14:nvContentPartPr>
               <p14:cNvPr id="7" name="Ink 6">
@@ -11613,7 +11607,7 @@
             </p14:xfrm>
           </p:contentPart>
         </mc:Choice>
-        <mc:Fallback>
+        <mc:Fallback xmlns="">
           <p:pic>
             <p:nvPicPr>
               <p:cNvPr id="7" name="Ink 6">
@@ -12006,14 +12000,14 @@
           <a:p>
             <a:fld id="{44F0BAE8-B28C-2348-9BB7-7D4CF357E8CE}" type="datetime1">
               <a:rPr lang="en-US" smtClean="0"/>
-              <a:t>6/23/23</a:t>
+              <a:t>6/27/23</a:t>
             </a:fld>
             <a:endParaRPr lang="en-US"/>
           </a:p>
         </p:txBody>
       </p:sp>
-      <mc:AlternateContent xmlns:mc="http://schemas.openxmlformats.org/markup-compatibility/2006">
-        <mc:Choice xmlns:p14="http://schemas.microsoft.com/office/powerpoint/2010/main" Requires="p14">
+      <mc:AlternateContent xmlns:mc="http://schemas.openxmlformats.org/markup-compatibility/2006" xmlns:p14="http://schemas.microsoft.com/office/powerpoint/2010/main">
+        <mc:Choice Requires="p14">
           <p:contentPart p14:bwMode="auto" r:id="rId6">
             <p14:nvContentPartPr>
               <p14:cNvPr id="7" name="Ink 6">
@@ -12032,7 +12026,7 @@
             </p14:xfrm>
           </p:contentPart>
         </mc:Choice>
-        <mc:Fallback>
+        <mc:Fallback xmlns="">
           <p:pic>
             <p:nvPicPr>
               <p:cNvPr id="7" name="Ink 6">
@@ -12653,14 +12647,14 @@
           <a:p>
             <a:fld id="{2F71EF42-3291-9343-8CF0-F66E49F5088B}" type="datetime1">
               <a:rPr lang="en-US" smtClean="0"/>
-              <a:t>6/23/23</a:t>
+              <a:t>6/27/23</a:t>
             </a:fld>
             <a:endParaRPr lang="en-US"/>
           </a:p>
         </p:txBody>
       </p:sp>
-      <mc:AlternateContent xmlns:mc="http://schemas.openxmlformats.org/markup-compatibility/2006">
-        <mc:Choice xmlns:p14="http://schemas.microsoft.com/office/powerpoint/2010/main" Requires="p14">
+      <mc:AlternateContent xmlns:mc="http://schemas.openxmlformats.org/markup-compatibility/2006" xmlns:p14="http://schemas.microsoft.com/office/powerpoint/2010/main">
+        <mc:Choice Requires="p14">
           <p:contentPart p14:bwMode="auto" r:id="rId6">
             <p14:nvContentPartPr>
               <p14:cNvPr id="3" name="Ink 2">
@@ -12679,7 +12673,7 @@
             </p14:xfrm>
           </p:contentPart>
         </mc:Choice>
-        <mc:Fallback>
+        <mc:Fallback xmlns="">
           <p:pic>
             <p:nvPicPr>
               <p:cNvPr id="3" name="Ink 2">
@@ -14017,7 +14011,7 @@
           <a:p>
             <a:fld id="{5DB43877-58E8-2E41-8C50-1DD95630322E}" type="datetime1">
               <a:rPr lang="en-US" smtClean="0"/>
-              <a:t>6/23/23</a:t>
+              <a:t>6/27/23</a:t>
             </a:fld>
             <a:endParaRPr lang="en-US" dirty="0"/>
           </a:p>
@@ -14053,8 +14047,8 @@
           </a:prstGeom>
         </p:spPr>
       </p:pic>
-      <mc:AlternateContent xmlns:mc="http://schemas.openxmlformats.org/markup-compatibility/2006">
-        <mc:Choice xmlns:p14="http://schemas.microsoft.com/office/powerpoint/2010/main" Requires="p14">
+      <mc:AlternateContent xmlns:mc="http://schemas.openxmlformats.org/markup-compatibility/2006" xmlns:p14="http://schemas.microsoft.com/office/powerpoint/2010/main">
+        <mc:Choice Requires="p14">
           <p:contentPart p14:bwMode="auto" r:id="rId6">
             <p14:nvContentPartPr>
               <p14:cNvPr id="9" name="Ink 8">
@@ -14073,7 +14067,7 @@
             </p14:xfrm>
           </p:contentPart>
         </mc:Choice>
-        <mc:Fallback>
+        <mc:Fallback xmlns="">
           <p:pic>
             <p:nvPicPr>
               <p:cNvPr id="9" name="Ink 8">
@@ -15584,7 +15578,7 @@
           <a:p>
             <a:fld id="{429D8FCD-FA78-294C-B087-EC51F6F7CC77}" type="datetime1">
               <a:rPr lang="en-US" smtClean="0"/>
-              <a:t>6/23/23</a:t>
+              <a:t>6/27/23</a:t>
             </a:fld>
             <a:endParaRPr lang="en-US"/>
           </a:p>
@@ -15735,7 +15729,7 @@
           <a:p>
             <a:fld id="{56875E0A-8AA5-D640-9144-8BB515FEAA81}" type="datetime1">
               <a:rPr lang="en-US" smtClean="0"/>
-              <a:t>6/23/23</a:t>
+              <a:t>6/27/23</a:t>
             </a:fld>
             <a:endParaRPr lang="en-US"/>
           </a:p>
@@ -15927,7 +15921,7 @@
           <a:p>
             <a:fld id="{F9799650-675E-FA46-AF00-71C49F48D135}" type="datetime1">
               <a:rPr lang="en-US" smtClean="0"/>
-              <a:t>6/23/23</a:t>
+              <a:t>6/27/23</a:t>
             </a:fld>
             <a:endParaRPr lang="en-US"/>
           </a:p>
@@ -16482,7 +16476,7 @@
           <a:p>
             <a:fld id="{383D68DC-1146-3F41-9E5A-400BB2136505}" type="datetime1">
               <a:rPr lang="en-US" smtClean="0"/>
-              <a:t>6/23/23</a:t>
+              <a:t>6/27/23</a:t>
             </a:fld>
             <a:endParaRPr lang="en-US"/>
           </a:p>
@@ -16704,7 +16698,7 @@
           <a:p>
             <a:fld id="{AEBA1A27-D6D3-F94B-9911-0A8D4B2CB1CE}" type="datetime1">
               <a:rPr lang="en-US" smtClean="0"/>
-              <a:t>6/23/23</a:t>
+              <a:t>6/27/23</a:t>
             </a:fld>
             <a:endParaRPr lang="en-US"/>
           </a:p>
@@ -17560,7 +17554,7 @@
           <a:p>
             <a:fld id="{4FE7B970-9D7C-0642-8550-6C30AFB40F3E}" type="datetime1">
               <a:rPr lang="en-US" smtClean="0"/>
-              <a:t>6/23/23</a:t>
+              <a:t>6/27/23</a:t>
             </a:fld>
             <a:endParaRPr lang="en-US"/>
           </a:p>
@@ -17794,7 +17788,7 @@
           <a:p>
             <a:fld id="{AD28453B-754A-1D4C-B54D-CE766E290ACF}" type="datetime1">
               <a:rPr lang="en-US" smtClean="0"/>
-              <a:t>6/23/23</a:t>
+              <a:t>6/27/23</a:t>
             </a:fld>
             <a:endParaRPr lang="en-US"/>
           </a:p>
@@ -17952,7 +17946,7 @@
           <a:p>
             <a:fld id="{7F31C134-1956-0048-8787-83DE8FB7023E}" type="datetime1">
               <a:rPr lang="en-US" smtClean="0"/>
-              <a:t>6/23/23</a:t>
+              <a:t>6/27/23</a:t>
             </a:fld>
             <a:endParaRPr lang="en-US"/>
           </a:p>
@@ -18227,8 +18221,8 @@
           </p:sp>
         </mc:Fallback>
       </mc:AlternateContent>
-      <mc:AlternateContent xmlns:mc="http://schemas.openxmlformats.org/markup-compatibility/2006">
-        <mc:Choice xmlns:a14="http://schemas.microsoft.com/office/drawing/2010/main" Requires="a14">
+      <mc:AlternateContent xmlns:mc="http://schemas.openxmlformats.org/markup-compatibility/2006" xmlns:a14="http://schemas.microsoft.com/office/drawing/2010/main">
+        <mc:Choice Requires="a14">
           <p:sp>
             <p:nvSpPr>
               <p:cNvPr id="10" name="TextBox 9">
@@ -18276,7 +18270,7 @@
             </p:txBody>
           </p:sp>
         </mc:Choice>
-        <mc:Fallback>
+        <mc:Fallback xmlns="">
           <p:sp>
             <p:nvSpPr>
               <p:cNvPr id="10" name="TextBox 9">
@@ -19298,14 +19292,14 @@
           <a:p>
             <a:fld id="{E103771F-9B0B-834C-A529-D47BC1706299}" type="datetime1">
               <a:rPr lang="en-US" smtClean="0"/>
-              <a:t>6/23/23</a:t>
+              <a:t>6/27/23</a:t>
             </a:fld>
             <a:endParaRPr lang="en-US"/>
           </a:p>
         </p:txBody>
       </p:sp>
-      <mc:AlternateContent xmlns:mc="http://schemas.openxmlformats.org/markup-compatibility/2006">
-        <mc:Choice xmlns:p14="http://schemas.microsoft.com/office/powerpoint/2010/main" Requires="p14">
+      <mc:AlternateContent xmlns:mc="http://schemas.openxmlformats.org/markup-compatibility/2006" xmlns:p14="http://schemas.microsoft.com/office/powerpoint/2010/main">
+        <mc:Choice Requires="p14">
           <p:contentPart p14:bwMode="auto" r:id="rId4">
             <p14:nvContentPartPr>
               <p14:cNvPr id="7" name="Ink 6">
@@ -19324,7 +19318,7 @@
             </p14:xfrm>
           </p:contentPart>
         </mc:Choice>
-        <mc:Fallback>
+        <mc:Fallback xmlns="">
           <p:pic>
             <p:nvPicPr>
               <p:cNvPr id="7" name="Ink 6">
@@ -19710,8 +19704,8 @@
           </a:p>
         </p:txBody>
       </p:sp>
-      <mc:AlternateContent xmlns:mc="http://schemas.openxmlformats.org/markup-compatibility/2006">
-        <mc:Choice xmlns:a14="http://schemas.microsoft.com/office/drawing/2010/main" Requires="a14">
+      <mc:AlternateContent xmlns:mc="http://schemas.openxmlformats.org/markup-compatibility/2006" xmlns:a14="http://schemas.microsoft.com/office/drawing/2010/main">
+        <mc:Choice Requires="a14">
           <p:sp>
             <p:nvSpPr>
               <p:cNvPr id="3" name="Rectangle 2">
@@ -19843,7 +19837,7 @@
             </p:txBody>
           </p:sp>
         </mc:Choice>
-        <mc:Fallback>
+        <mc:Fallback xmlns="">
           <p:sp>
             <p:nvSpPr>
               <p:cNvPr id="3" name="Rectangle 2">
@@ -19968,14 +19962,14 @@
           <a:p>
             <a:fld id="{1A210470-0A6E-5D43-A0E8-DBF96E00CC41}" type="datetime1">
               <a:rPr lang="en-US" smtClean="0"/>
-              <a:t>6/23/23</a:t>
+              <a:t>6/27/23</a:t>
             </a:fld>
             <a:endParaRPr lang="en-US"/>
           </a:p>
         </p:txBody>
       </p:sp>
-      <mc:AlternateContent xmlns:mc="http://schemas.openxmlformats.org/markup-compatibility/2006">
-        <mc:Choice xmlns:p14="http://schemas.microsoft.com/office/powerpoint/2010/main" Requires="p14">
+      <mc:AlternateContent xmlns:mc="http://schemas.openxmlformats.org/markup-compatibility/2006" xmlns:p14="http://schemas.microsoft.com/office/powerpoint/2010/main">
+        <mc:Choice Requires="p14">
           <p:contentPart p14:bwMode="auto" r:id="rId4">
             <p14:nvContentPartPr>
               <p14:cNvPr id="11" name="Ink 10">
@@ -19994,7 +19988,7 @@
             </p14:xfrm>
           </p:contentPart>
         </mc:Choice>
-        <mc:Fallback>
+        <mc:Fallback xmlns="">
           <p:pic>
             <p:nvPicPr>
               <p:cNvPr id="11" name="Ink 10">
@@ -21376,7 +21370,7 @@
           <a:p>
             <a:fld id="{E5EB0337-F0A8-6E46-86AC-8305DBB10803}" type="datetime1">
               <a:rPr lang="en-US" smtClean="0"/>
-              <a:t>6/23/23</a:t>
+              <a:t>6/27/23</a:t>
             </a:fld>
             <a:endParaRPr lang="en-US"/>
           </a:p>
@@ -22228,7 +22222,7 @@
           <a:p>
             <a:fld id="{FF8EEF5A-6839-2742-A32B-FD500BB69C91}" type="datetime1">
               <a:rPr lang="en-US" smtClean="0"/>
-              <a:t>6/23/23</a:t>
+              <a:t>6/27/23</a:t>
             </a:fld>
             <a:endParaRPr lang="en-US"/>
           </a:p>
@@ -23080,7 +23074,7 @@
           <a:p>
             <a:fld id="{05A43B05-9B44-5A42-B3C1-34360F2ADB68}" type="datetime1">
               <a:rPr lang="en-US" smtClean="0"/>
-              <a:t>6/23/23</a:t>
+              <a:t>6/27/23</a:t>
             </a:fld>
             <a:endParaRPr lang="en-US"/>
           </a:p>
@@ -23238,7 +23232,7 @@
           <a:p>
             <a:fld id="{B14E66B2-1F99-6D40-B61A-5CD60E58A7CF}" type="datetime1">
               <a:rPr lang="en-US" smtClean="0"/>
-              <a:t>6/23/23</a:t>
+              <a:t>6/27/23</a:t>
             </a:fld>
             <a:endParaRPr lang="en-US"/>
           </a:p>
@@ -23841,7 +23835,7 @@
           <a:p>
             <a:fld id="{CBA0F0AD-6288-B142-B729-AFEA3A1EE405}" type="datetime1">
               <a:rPr lang="en-US" smtClean="0"/>
-              <a:t>6/23/23</a:t>
+              <a:t>6/27/23</a:t>
             </a:fld>
             <a:endParaRPr lang="en-US"/>
           </a:p>
@@ -23985,8 +23979,8 @@
           </p:sp>
         </mc:Fallback>
       </mc:AlternateContent>
-      <mc:AlternateContent xmlns:mc="http://schemas.openxmlformats.org/markup-compatibility/2006">
-        <mc:Choice xmlns:p14="http://schemas.microsoft.com/office/powerpoint/2010/main" Requires="p14">
+      <mc:AlternateContent xmlns:mc="http://schemas.openxmlformats.org/markup-compatibility/2006" xmlns:p14="http://schemas.microsoft.com/office/powerpoint/2010/main">
+        <mc:Choice Requires="p14">
           <p:contentPart p14:bwMode="auto" r:id="rId5">
             <p14:nvContentPartPr>
               <p14:cNvPr id="13" name="Ink 12">
@@ -24005,7 +23999,7 @@
             </p14:xfrm>
           </p:contentPart>
         </mc:Choice>
-        <mc:Fallback>
+        <mc:Fallback xmlns="">
           <p:pic>
             <p:nvPicPr>
               <p:cNvPr id="13" name="Ink 12">
@@ -25401,7 +25395,7 @@
           <a:p>
             <a:fld id="{8D12E62B-CEDB-224F-91EA-F79F497346A9}" type="datetime1">
               <a:rPr lang="en-US" smtClean="0"/>
-              <a:t>6/23/23</a:t>
+              <a:t>6/27/23</a:t>
             </a:fld>
             <a:endParaRPr lang="en-US"/>
           </a:p>
@@ -26140,7 +26134,7 @@
           <a:p>
             <a:fld id="{E0355BB5-4F52-424F-98C5-858FCEF87923}" type="datetime1">
               <a:rPr lang="en-US" smtClean="0"/>
-              <a:t>6/23/23</a:t>
+              <a:t>6/27/23</a:t>
             </a:fld>
             <a:endParaRPr lang="en-US"/>
           </a:p>
@@ -26367,14 +26361,14 @@
           <a:p>
             <a:fld id="{B6B6C342-BD51-094A-A9FE-1EFA699C7C83}" type="datetime1">
               <a:rPr lang="en-US" smtClean="0"/>
-              <a:t>6/23/23</a:t>
+              <a:t>6/27/23</a:t>
             </a:fld>
             <a:endParaRPr lang="en-US"/>
           </a:p>
         </p:txBody>
       </p:sp>
-      <mc:AlternateContent xmlns:mc="http://schemas.openxmlformats.org/markup-compatibility/2006">
-        <mc:Choice xmlns:p14="http://schemas.microsoft.com/office/powerpoint/2010/main" Requires="p14">
+      <mc:AlternateContent xmlns:mc="http://schemas.openxmlformats.org/markup-compatibility/2006" xmlns:p14="http://schemas.microsoft.com/office/powerpoint/2010/main">
+        <mc:Choice Requires="p14">
           <p:contentPart p14:bwMode="auto" r:id="rId2">
             <p14:nvContentPartPr>
               <p14:cNvPr id="8" name="Ink 7">
@@ -26393,7 +26387,7 @@
             </p14:xfrm>
           </p:contentPart>
         </mc:Choice>
-        <mc:Fallback>
+        <mc:Fallback xmlns="">
           <p:pic>
             <p:nvPicPr>
               <p:cNvPr id="8" name="Ink 7">
@@ -28015,7 +28009,7 @@
           <a:p>
             <a:fld id="{90CD22E5-1EE5-6142-9BBF-59CBC95D325E}" type="datetime1">
               <a:rPr lang="en-US" smtClean="0"/>
-              <a:t>6/23/23</a:t>
+              <a:t>6/27/23</a:t>
             </a:fld>
             <a:endParaRPr lang="en-US"/>
           </a:p>
@@ -28867,7 +28861,7 @@
           <a:p>
             <a:fld id="{7876BE42-B582-9D4E-B29E-05D060F4F66D}" type="datetime1">
               <a:rPr lang="en-US" smtClean="0"/>
-              <a:t>6/23/23</a:t>
+              <a:t>6/27/23</a:t>
             </a:fld>
             <a:endParaRPr lang="en-US"/>
           </a:p>
@@ -29719,7 +29713,7 @@
           <a:p>
             <a:fld id="{680689CD-FA05-344B-AF38-3AE471DD774D}" type="datetime1">
               <a:rPr lang="en-US" smtClean="0"/>
-              <a:t>6/23/23</a:t>
+              <a:t>6/27/23</a:t>
             </a:fld>
             <a:endParaRPr lang="en-US"/>
           </a:p>
@@ -30005,7 +29999,7 @@
           <a:p>
             <a:fld id="{FC5D567F-863B-B346-B638-F24EA7155520}" type="datetime1">
               <a:rPr lang="en-US" smtClean="0"/>
-              <a:t>6/23/23</a:t>
+              <a:t>6/27/23</a:t>
             </a:fld>
             <a:endParaRPr lang="en-US"/>
           </a:p>
@@ -30250,7 +30244,7 @@
           <a:p>
             <a:fld id="{3AB8FF69-60CC-9B47-AD15-D82A3D7532F4}" type="datetime1">
               <a:rPr lang="en-US" smtClean="0"/>
-              <a:t>6/23/23</a:t>
+              <a:t>6/27/23</a:t>
             </a:fld>
             <a:endParaRPr lang="en-US"/>
           </a:p>
@@ -30439,7 +30433,7 @@
           <a:p>
             <a:fld id="{E5D34BAD-D956-F446-AF31-036C6939172A}" type="datetime1">
               <a:rPr lang="en-US" smtClean="0"/>
-              <a:t>6/23/23</a:t>
+              <a:t>6/27/23</a:t>
             </a:fld>
             <a:endParaRPr lang="en-US"/>
           </a:p>
@@ -30802,7 +30796,7 @@
           <a:p>
             <a:fld id="{D461BB47-9955-4E4C-8B15-7C76D3987186}" type="datetime1">
               <a:rPr lang="en-US" smtClean="0"/>
-              <a:t>6/23/23</a:t>
+              <a:t>6/27/23</a:t>
             </a:fld>
             <a:endParaRPr lang="en-US"/>
           </a:p>
@@ -32794,14 +32788,14 @@
           <a:p>
             <a:fld id="{CFCCD6E1-2FB1-BF43-AAD8-08FCA07A4CCC}" type="datetime1">
               <a:rPr lang="en-US" smtClean="0"/>
-              <a:t>6/23/23</a:t>
+              <a:t>6/27/23</a:t>
             </a:fld>
             <a:endParaRPr lang="en-US"/>
           </a:p>
         </p:txBody>
       </p:sp>
-      <mc:AlternateContent xmlns:mc="http://schemas.openxmlformats.org/markup-compatibility/2006">
-        <mc:Choice xmlns:p14="http://schemas.microsoft.com/office/powerpoint/2010/main" Requires="p14">
+      <mc:AlternateContent xmlns:mc="http://schemas.openxmlformats.org/markup-compatibility/2006" xmlns:p14="http://schemas.microsoft.com/office/powerpoint/2010/main">
+        <mc:Choice Requires="p14">
           <p:contentPart p14:bwMode="auto" r:id="rId6">
             <p14:nvContentPartPr>
               <p14:cNvPr id="5" name="Ink 4">
@@ -32820,7 +32814,7 @@
             </p14:xfrm>
           </p:contentPart>
         </mc:Choice>
-        <mc:Fallback>
+        <mc:Fallback xmlns="">
           <p:pic>
             <p:nvPicPr>
               <p:cNvPr id="5" name="Ink 4">
@@ -33039,14 +33033,14 @@
           <a:p>
             <a:fld id="{C44BD701-6DCA-594E-9992-F15B4C0B90B8}" type="datetime1">
               <a:rPr lang="en-US" smtClean="0"/>
-              <a:t>6/23/23</a:t>
+              <a:t>6/27/23</a:t>
             </a:fld>
             <a:endParaRPr lang="en-US"/>
           </a:p>
         </p:txBody>
       </p:sp>
-      <mc:AlternateContent xmlns:mc="http://schemas.openxmlformats.org/markup-compatibility/2006">
-        <mc:Choice xmlns:p14="http://schemas.microsoft.com/office/powerpoint/2010/main" Requires="p14">
+      <mc:AlternateContent xmlns:mc="http://schemas.openxmlformats.org/markup-compatibility/2006" xmlns:p14="http://schemas.microsoft.com/office/powerpoint/2010/main">
+        <mc:Choice Requires="p14">
           <p:contentPart p14:bwMode="auto" r:id="rId2">
             <p14:nvContentPartPr>
               <p14:cNvPr id="7" name="Ink 6">
@@ -33065,7 +33059,7 @@
             </p14:xfrm>
           </p:contentPart>
         </mc:Choice>
-        <mc:Fallback>
+        <mc:Fallback xmlns="">
           <p:pic>
             <p:nvPicPr>
               <p:cNvPr id="7" name="Ink 6">
@@ -35560,14 +35554,14 @@
           <a:p>
             <a:fld id="{117D0C74-636C-2941-B5CD-FA9BC39181FF}" type="datetime1">
               <a:rPr lang="en-US" smtClean="0"/>
-              <a:t>6/23/23</a:t>
+              <a:t>6/27/23</a:t>
             </a:fld>
             <a:endParaRPr lang="en-US"/>
           </a:p>
         </p:txBody>
       </p:sp>
-      <mc:AlternateContent xmlns:mc="http://schemas.openxmlformats.org/markup-compatibility/2006">
-        <mc:Choice xmlns:p14="http://schemas.microsoft.com/office/powerpoint/2010/main" Requires="p14">
+      <mc:AlternateContent xmlns:mc="http://schemas.openxmlformats.org/markup-compatibility/2006" xmlns:p14="http://schemas.microsoft.com/office/powerpoint/2010/main">
+        <mc:Choice Requires="p14">
           <p:contentPart p14:bwMode="auto" r:id="rId2">
             <p14:nvContentPartPr>
               <p14:cNvPr id="5" name="Ink 4">
@@ -35586,7 +35580,7 @@
             </p14:xfrm>
           </p:contentPart>
         </mc:Choice>
-        <mc:Fallback>
+        <mc:Fallback xmlns="">
           <p:pic>
             <p:nvPicPr>
               <p:cNvPr id="5" name="Ink 4">
